--- a/pract 2.pptx
+++ b/pract 2.pptx
@@ -5,14 +5,15 @@
     <p:sldMasterId id="2147483648" r:id="rId1"/>
   </p:sldMasterIdLst>
   <p:notesMasterIdLst>
-    <p:notesMasterId r:id="rId7"/>
+    <p:notesMasterId r:id="rId8"/>
   </p:notesMasterIdLst>
   <p:sldIdLst>
     <p:sldId id="256" r:id="rId2"/>
     <p:sldId id="257" r:id="rId3"/>
     <p:sldId id="258" r:id="rId4"/>
     <p:sldId id="259" r:id="rId5"/>
-    <p:sldId id="261" r:id="rId6"/>
+    <p:sldId id="262" r:id="rId6"/>
+    <p:sldId id="261" r:id="rId7"/>
   </p:sldIdLst>
   <p:sldSz cx="12192000" cy="6858000"/>
   <p:notesSz cx="6858000" cy="9144000"/>
@@ -111,6 +112,11 @@
       </a:defRPr>
     </a:lvl9pPr>
   </p:defaultTextStyle>
+  <p:extLst>
+    <p:ext uri="{EFAFB233-063F-42B5-8137-9DF3F51BA10A}">
+      <p15:sldGuideLst xmlns:p15="http://schemas.microsoft.com/office/powerpoint/2012/main"/>
+    </p:ext>
+  </p:extLst>
 </p:presentation>
 </file>
 
@@ -196,7 +202,7 @@
           <a:p>
             <a:fld id="{B3EF1C4F-2E9B-41AC-86F2-156A7C5B446E}" type="datetimeFigureOut">
               <a:rPr lang="ru-RU" smtClean="0"/>
-              <a:t>17.09.2020</a:t>
+              <a:t>20.09.2020</a:t>
             </a:fld>
             <a:endParaRPr lang="ru-RU"/>
           </a:p>
@@ -679,7 +685,7 @@
           <a:p>
             <a:fld id="{D2B75830-664E-42B5-AB9A-0B1BF8D2BFCE}" type="datetimeFigureOut">
               <a:rPr lang="ru-RU" smtClean="0"/>
-              <a:t>17.09.2020</a:t>
+              <a:t>20.09.2020</a:t>
             </a:fld>
             <a:endParaRPr lang="ru-RU"/>
           </a:p>
@@ -849,7 +855,7 @@
           <a:p>
             <a:fld id="{D2B75830-664E-42B5-AB9A-0B1BF8D2BFCE}" type="datetimeFigureOut">
               <a:rPr lang="ru-RU" smtClean="0"/>
-              <a:t>17.09.2020</a:t>
+              <a:t>20.09.2020</a:t>
             </a:fld>
             <a:endParaRPr lang="ru-RU"/>
           </a:p>
@@ -1029,7 +1035,7 @@
           <a:p>
             <a:fld id="{D2B75830-664E-42B5-AB9A-0B1BF8D2BFCE}" type="datetimeFigureOut">
               <a:rPr lang="ru-RU" smtClean="0"/>
-              <a:t>17.09.2020</a:t>
+              <a:t>20.09.2020</a:t>
             </a:fld>
             <a:endParaRPr lang="ru-RU"/>
           </a:p>
@@ -1199,7 +1205,7 @@
           <a:p>
             <a:fld id="{D2B75830-664E-42B5-AB9A-0B1BF8D2BFCE}" type="datetimeFigureOut">
               <a:rPr lang="ru-RU" smtClean="0"/>
-              <a:t>17.09.2020</a:t>
+              <a:t>20.09.2020</a:t>
             </a:fld>
             <a:endParaRPr lang="ru-RU"/>
           </a:p>
@@ -1445,7 +1451,7 @@
           <a:p>
             <a:fld id="{D2B75830-664E-42B5-AB9A-0B1BF8D2BFCE}" type="datetimeFigureOut">
               <a:rPr lang="ru-RU" smtClean="0"/>
-              <a:t>17.09.2020</a:t>
+              <a:t>20.09.2020</a:t>
             </a:fld>
             <a:endParaRPr lang="ru-RU"/>
           </a:p>
@@ -1677,7 +1683,7 @@
           <a:p>
             <a:fld id="{D2B75830-664E-42B5-AB9A-0B1BF8D2BFCE}" type="datetimeFigureOut">
               <a:rPr lang="ru-RU" smtClean="0"/>
-              <a:t>17.09.2020</a:t>
+              <a:t>20.09.2020</a:t>
             </a:fld>
             <a:endParaRPr lang="ru-RU"/>
           </a:p>
@@ -2044,7 +2050,7 @@
           <a:p>
             <a:fld id="{D2B75830-664E-42B5-AB9A-0B1BF8D2BFCE}" type="datetimeFigureOut">
               <a:rPr lang="ru-RU" smtClean="0"/>
-              <a:t>17.09.2020</a:t>
+              <a:t>20.09.2020</a:t>
             </a:fld>
             <a:endParaRPr lang="ru-RU"/>
           </a:p>
@@ -2162,7 +2168,7 @@
           <a:p>
             <a:fld id="{D2B75830-664E-42B5-AB9A-0B1BF8D2BFCE}" type="datetimeFigureOut">
               <a:rPr lang="ru-RU" smtClean="0"/>
-              <a:t>17.09.2020</a:t>
+              <a:t>20.09.2020</a:t>
             </a:fld>
             <a:endParaRPr lang="ru-RU"/>
           </a:p>
@@ -2257,7 +2263,7 @@
           <a:p>
             <a:fld id="{D2B75830-664E-42B5-AB9A-0B1BF8D2BFCE}" type="datetimeFigureOut">
               <a:rPr lang="ru-RU" smtClean="0"/>
-              <a:t>17.09.2020</a:t>
+              <a:t>20.09.2020</a:t>
             </a:fld>
             <a:endParaRPr lang="ru-RU"/>
           </a:p>
@@ -2534,7 +2540,7 @@
           <a:p>
             <a:fld id="{D2B75830-664E-42B5-AB9A-0B1BF8D2BFCE}" type="datetimeFigureOut">
               <a:rPr lang="ru-RU" smtClean="0"/>
-              <a:t>17.09.2020</a:t>
+              <a:t>20.09.2020</a:t>
             </a:fld>
             <a:endParaRPr lang="ru-RU"/>
           </a:p>
@@ -2787,7 +2793,7 @@
           <a:p>
             <a:fld id="{D2B75830-664E-42B5-AB9A-0B1BF8D2BFCE}" type="datetimeFigureOut">
               <a:rPr lang="ru-RU" smtClean="0"/>
-              <a:t>17.09.2020</a:t>
+              <a:t>20.09.2020</a:t>
             </a:fld>
             <a:endParaRPr lang="ru-RU"/>
           </a:p>
@@ -3000,7 +3006,7 @@
           <a:p>
             <a:fld id="{D2B75830-664E-42B5-AB9A-0B1BF8D2BFCE}" type="datetimeFigureOut">
               <a:rPr lang="ru-RU" smtClean="0"/>
-              <a:t>17.09.2020</a:t>
+              <a:t>20.09.2020</a:t>
             </a:fld>
             <a:endParaRPr lang="ru-RU"/>
           </a:p>
@@ -4354,6 +4360,303 @@
 </file>
 
 <file path=ppt/slides/slide5.xml><?xml version="1.0" encoding="utf-8"?>
+<p:sld xmlns:a="http://schemas.openxmlformats.org/drawingml/2006/main" xmlns:r="http://schemas.openxmlformats.org/officeDocument/2006/relationships" xmlns:p="http://schemas.openxmlformats.org/presentationml/2006/main">
+  <p:cSld>
+    <p:spTree>
+      <p:nvGrpSpPr>
+        <p:cNvPr id="1" name=""/>
+        <p:cNvGrpSpPr/>
+        <p:nvPr/>
+      </p:nvGrpSpPr>
+      <p:grpSpPr>
+        <a:xfrm>
+          <a:off x="0" y="0"/>
+          <a:ext cx="0" cy="0"/>
+          <a:chOff x="0" y="0"/>
+          <a:chExt cx="0" cy="0"/>
+        </a:xfrm>
+      </p:grpSpPr>
+      <p:sp>
+        <p:nvSpPr>
+          <p:cNvPr id="2" name="Заголовок 1"/>
+          <p:cNvSpPr>
+            <a:spLocks noGrp="1"/>
+          </p:cNvSpPr>
+          <p:nvPr>
+            <p:ph type="title"/>
+          </p:nvPr>
+        </p:nvSpPr>
+        <p:spPr>
+          <a:xfrm>
+            <a:off x="838200" y="79131"/>
+            <a:ext cx="10515600" cy="574065"/>
+          </a:xfrm>
+        </p:spPr>
+        <p:txBody>
+          <a:bodyPr>
+            <a:noAutofit/>
+          </a:bodyPr>
+          <a:lstStyle/>
+          <a:p>
+            <a:r>
+              <a:rPr lang="ru-RU" sz="3200" dirty="0">
+                <a:latin typeface="+mn-lt"/>
+              </a:rPr>
+              <a:t>Описание сценария прецедента </a:t>
+            </a:r>
+            <a:r>
+              <a:rPr lang="ru-RU" sz="3200" dirty="0" smtClean="0">
+                <a:latin typeface="+mn-lt"/>
+              </a:rPr>
+              <a:t>ПП</a:t>
+            </a:r>
+            <a:endParaRPr lang="ru-RU" sz="3200" dirty="0">
+              <a:latin typeface="+mn-lt"/>
+            </a:endParaRPr>
+          </a:p>
+        </p:txBody>
+      </p:sp>
+      <p:sp>
+        <p:nvSpPr>
+          <p:cNvPr id="3" name="Объект 2"/>
+          <p:cNvSpPr>
+            <a:spLocks noGrp="1"/>
+          </p:cNvSpPr>
+          <p:nvPr>
+            <p:ph idx="1"/>
+          </p:nvPr>
+        </p:nvSpPr>
+        <p:spPr>
+          <a:xfrm>
+            <a:off x="838200" y="761755"/>
+            <a:ext cx="10515600" cy="5726967"/>
+          </a:xfrm>
+        </p:spPr>
+        <p:txBody>
+          <a:bodyPr>
+            <a:normAutofit/>
+          </a:bodyPr>
+          <a:lstStyle/>
+          <a:p>
+            <a:pPr marL="0" indent="0">
+              <a:buNone/>
+            </a:pPr>
+            <a:r>
+              <a:rPr lang="ru-RU" dirty="0" smtClean="0"/>
+              <a:t>• ПП </a:t>
+            </a:r>
+            <a:r>
+              <a:rPr lang="ru-RU" dirty="0" err="1" smtClean="0"/>
+              <a:t>Має</a:t>
+            </a:r>
+            <a:r>
+              <a:rPr lang="ru-RU" dirty="0" smtClean="0"/>
+              <a:t> строку </a:t>
+            </a:r>
+            <a:r>
+              <a:rPr lang="ru-RU" dirty="0" err="1" smtClean="0"/>
+              <a:t>пошуку</a:t>
+            </a:r>
+            <a:r>
+              <a:rPr lang="ru-RU" dirty="0" smtClean="0"/>
+              <a:t>.</a:t>
+            </a:r>
+            <a:endParaRPr lang="ru-RU" dirty="0"/>
+          </a:p>
+          <a:p>
+            <a:pPr marL="0" indent="0">
+              <a:buNone/>
+            </a:pPr>
+            <a:r>
+              <a:rPr lang="ru-RU" dirty="0" smtClean="0"/>
+              <a:t>• Людина </a:t>
+            </a:r>
+            <a:r>
+              <a:rPr lang="uk-UA" dirty="0" smtClean="0"/>
+              <a:t>(Користувач, </a:t>
+            </a:r>
+            <a:r>
+              <a:rPr lang="uk-UA" dirty="0" err="1" smtClean="0"/>
+              <a:t>Адмін</a:t>
+            </a:r>
+            <a:r>
+              <a:rPr lang="uk-UA" dirty="0" smtClean="0"/>
+              <a:t>, Гість) вводить запит у строку пошуку.</a:t>
+            </a:r>
+          </a:p>
+          <a:p>
+            <a:pPr marL="0" indent="0">
+              <a:buNone/>
+            </a:pPr>
+            <a:r>
+              <a:rPr lang="ru-RU" dirty="0" smtClean="0"/>
+              <a:t>• </a:t>
+            </a:r>
+            <a:r>
+              <a:rPr lang="uk-UA" dirty="0" smtClean="0"/>
+              <a:t>ПП видає результат пошуку</a:t>
+            </a:r>
+          </a:p>
+          <a:p>
+            <a:pPr marL="0" indent="0">
+              <a:buNone/>
+            </a:pPr>
+            <a:r>
+              <a:rPr lang="ru-RU" dirty="0" smtClean="0"/>
+              <a:t>• </a:t>
+            </a:r>
+            <a:r>
+              <a:rPr lang="ru-RU" dirty="0" err="1"/>
+              <a:t>актор</a:t>
+            </a:r>
+            <a:r>
+              <a:rPr lang="ru-RU" dirty="0"/>
+              <a:t>-основное заинтересованное лицо как </a:t>
+            </a:r>
+            <a:r>
+              <a:rPr lang="ru-RU" dirty="0" smtClean="0"/>
+              <a:t>инициатор</a:t>
+            </a:r>
+            <a:r>
+              <a:rPr lang="en-US" dirty="0" smtClean="0"/>
+              <a:t> </a:t>
+            </a:r>
+            <a:r>
+              <a:rPr lang="ru-RU" dirty="0" smtClean="0"/>
+              <a:t>начала </a:t>
+            </a:r>
+            <a:r>
+              <a:rPr lang="ru-RU" dirty="0"/>
+              <a:t>сценария</a:t>
+            </a:r>
+          </a:p>
+          <a:p>
+            <a:pPr marL="0" indent="0">
+              <a:buNone/>
+            </a:pPr>
+            <a:r>
+              <a:rPr lang="ru-RU" dirty="0"/>
+              <a:t>• гарантии успеха как гарантированный </a:t>
+            </a:r>
+            <a:r>
+              <a:rPr lang="ru-RU" dirty="0" smtClean="0"/>
+              <a:t>результат,</a:t>
+            </a:r>
+            <a:r>
+              <a:rPr lang="en-US" dirty="0" smtClean="0"/>
+              <a:t> </a:t>
+            </a:r>
+            <a:r>
+              <a:rPr lang="ru-RU" dirty="0" smtClean="0"/>
+              <a:t>который </a:t>
+            </a:r>
+            <a:r>
+              <a:rPr lang="ru-RU" dirty="0"/>
+              <a:t>получат </a:t>
+            </a:r>
+            <a:r>
+              <a:rPr lang="ru-RU" dirty="0" err="1"/>
+              <a:t>акторы</a:t>
+            </a:r>
+            <a:r>
+              <a:rPr lang="ru-RU" dirty="0"/>
+              <a:t> в случае </a:t>
+            </a:r>
+            <a:r>
+              <a:rPr lang="ru-RU" dirty="0" smtClean="0"/>
+              <a:t>успешного</a:t>
+            </a:r>
+            <a:r>
+              <a:rPr lang="en-US" dirty="0" smtClean="0"/>
+              <a:t> </a:t>
+            </a:r>
+            <a:r>
+              <a:rPr lang="ru-RU" dirty="0" smtClean="0"/>
+              <a:t>завершения </a:t>
+            </a:r>
+            <a:r>
+              <a:rPr lang="ru-RU" dirty="0"/>
+              <a:t>прецедента</a:t>
+            </a:r>
+          </a:p>
+          <a:p>
+            <a:pPr marL="0" indent="0">
+              <a:buNone/>
+            </a:pPr>
+            <a:r>
+              <a:rPr lang="ru-RU" dirty="0"/>
+              <a:t>• основной успешный сценарий выполнения </a:t>
+            </a:r>
+            <a:r>
+              <a:rPr lang="ru-RU" dirty="0" smtClean="0"/>
+              <a:t>прецедента</a:t>
+            </a:r>
+            <a:r>
+              <a:rPr lang="en-US" dirty="0" smtClean="0"/>
+              <a:t> </a:t>
+            </a:r>
+            <a:r>
+              <a:rPr lang="ru-RU" dirty="0" smtClean="0"/>
+              <a:t>в </a:t>
+            </a:r>
+            <a:r>
+              <a:rPr lang="ru-RU" dirty="0"/>
+              <a:t>виде последовательности </a:t>
+            </a:r>
+            <a:r>
+              <a:rPr lang="ru-RU" dirty="0" smtClean="0"/>
+              <a:t>шагов</a:t>
+            </a:r>
+            <a:r>
+              <a:rPr lang="en-US" dirty="0" smtClean="0"/>
+              <a:t> </a:t>
+            </a:r>
+          </a:p>
+          <a:p>
+            <a:pPr marL="0" indent="0">
+              <a:buNone/>
+            </a:pPr>
+            <a:r>
+              <a:rPr lang="ru-RU" dirty="0" smtClean="0"/>
+              <a:t>• </a:t>
+            </a:r>
+            <a:r>
+              <a:rPr lang="ru-RU" dirty="0"/>
+              <a:t>альтернативные сценарии, привязанные к </a:t>
+            </a:r>
+            <a:r>
+              <a:rPr lang="ru-RU" dirty="0" smtClean="0"/>
+              <a:t>шагам</a:t>
+            </a:r>
+            <a:r>
+              <a:rPr lang="en-US" dirty="0" smtClean="0"/>
+              <a:t> </a:t>
+            </a:r>
+            <a:r>
+              <a:rPr lang="ru-RU" dirty="0" smtClean="0"/>
+              <a:t>основного </a:t>
+            </a:r>
+            <a:r>
+              <a:rPr lang="ru-RU" dirty="0"/>
+              <a:t>успешного сценария</a:t>
+            </a:r>
+          </a:p>
+        </p:txBody>
+      </p:sp>
+    </p:spTree>
+    <p:extLst>
+      <p:ext uri="{BB962C8B-B14F-4D97-AF65-F5344CB8AC3E}">
+        <p14:creationId xmlns:p14="http://schemas.microsoft.com/office/powerpoint/2010/main" val="3004173754"/>
+      </p:ext>
+    </p:extLst>
+  </p:cSld>
+  <p:clrMapOvr>
+    <a:masterClrMapping/>
+  </p:clrMapOvr>
+</p:sld>
+</file>
+
+<file path=ppt/slides/slide6.xml><?xml version="1.0" encoding="utf-8"?>
 <p:sld xmlns:a="http://schemas.openxmlformats.org/drawingml/2006/main" xmlns:r="http://schemas.openxmlformats.org/officeDocument/2006/relationships" xmlns:p="http://schemas.openxmlformats.org/presentationml/2006/main">
   <p:cSld>
     <p:spTree>

--- a/pract 2.pptx
+++ b/pract 2.pptx
@@ -202,7 +202,7 @@
           <a:p>
             <a:fld id="{B3EF1C4F-2E9B-41AC-86F2-156A7C5B446E}" type="datetimeFigureOut">
               <a:rPr lang="ru-RU" smtClean="0"/>
-              <a:t>20.09.2020</a:t>
+              <a:t>21.09.2020</a:t>
             </a:fld>
             <a:endParaRPr lang="ru-RU"/>
           </a:p>
@@ -685,7 +685,7 @@
           <a:p>
             <a:fld id="{D2B75830-664E-42B5-AB9A-0B1BF8D2BFCE}" type="datetimeFigureOut">
               <a:rPr lang="ru-RU" smtClean="0"/>
-              <a:t>20.09.2020</a:t>
+              <a:t>21.09.2020</a:t>
             </a:fld>
             <a:endParaRPr lang="ru-RU"/>
           </a:p>
@@ -855,7 +855,7 @@
           <a:p>
             <a:fld id="{D2B75830-664E-42B5-AB9A-0B1BF8D2BFCE}" type="datetimeFigureOut">
               <a:rPr lang="ru-RU" smtClean="0"/>
-              <a:t>20.09.2020</a:t>
+              <a:t>21.09.2020</a:t>
             </a:fld>
             <a:endParaRPr lang="ru-RU"/>
           </a:p>
@@ -1035,7 +1035,7 @@
           <a:p>
             <a:fld id="{D2B75830-664E-42B5-AB9A-0B1BF8D2BFCE}" type="datetimeFigureOut">
               <a:rPr lang="ru-RU" smtClean="0"/>
-              <a:t>20.09.2020</a:t>
+              <a:t>21.09.2020</a:t>
             </a:fld>
             <a:endParaRPr lang="ru-RU"/>
           </a:p>
@@ -1205,7 +1205,7 @@
           <a:p>
             <a:fld id="{D2B75830-664E-42B5-AB9A-0B1BF8D2BFCE}" type="datetimeFigureOut">
               <a:rPr lang="ru-RU" smtClean="0"/>
-              <a:t>20.09.2020</a:t>
+              <a:t>21.09.2020</a:t>
             </a:fld>
             <a:endParaRPr lang="ru-RU"/>
           </a:p>
@@ -1451,7 +1451,7 @@
           <a:p>
             <a:fld id="{D2B75830-664E-42B5-AB9A-0B1BF8D2BFCE}" type="datetimeFigureOut">
               <a:rPr lang="ru-RU" smtClean="0"/>
-              <a:t>20.09.2020</a:t>
+              <a:t>21.09.2020</a:t>
             </a:fld>
             <a:endParaRPr lang="ru-RU"/>
           </a:p>
@@ -1683,7 +1683,7 @@
           <a:p>
             <a:fld id="{D2B75830-664E-42B5-AB9A-0B1BF8D2BFCE}" type="datetimeFigureOut">
               <a:rPr lang="ru-RU" smtClean="0"/>
-              <a:t>20.09.2020</a:t>
+              <a:t>21.09.2020</a:t>
             </a:fld>
             <a:endParaRPr lang="ru-RU"/>
           </a:p>
@@ -2050,7 +2050,7 @@
           <a:p>
             <a:fld id="{D2B75830-664E-42B5-AB9A-0B1BF8D2BFCE}" type="datetimeFigureOut">
               <a:rPr lang="ru-RU" smtClean="0"/>
-              <a:t>20.09.2020</a:t>
+              <a:t>21.09.2020</a:t>
             </a:fld>
             <a:endParaRPr lang="ru-RU"/>
           </a:p>
@@ -2168,7 +2168,7 @@
           <a:p>
             <a:fld id="{D2B75830-664E-42B5-AB9A-0B1BF8D2BFCE}" type="datetimeFigureOut">
               <a:rPr lang="ru-RU" smtClean="0"/>
-              <a:t>20.09.2020</a:t>
+              <a:t>21.09.2020</a:t>
             </a:fld>
             <a:endParaRPr lang="ru-RU"/>
           </a:p>
@@ -2263,7 +2263,7 @@
           <a:p>
             <a:fld id="{D2B75830-664E-42B5-AB9A-0B1BF8D2BFCE}" type="datetimeFigureOut">
               <a:rPr lang="ru-RU" smtClean="0"/>
-              <a:t>20.09.2020</a:t>
+              <a:t>21.09.2020</a:t>
             </a:fld>
             <a:endParaRPr lang="ru-RU"/>
           </a:p>
@@ -2540,7 +2540,7 @@
           <a:p>
             <a:fld id="{D2B75830-664E-42B5-AB9A-0B1BF8D2BFCE}" type="datetimeFigureOut">
               <a:rPr lang="ru-RU" smtClean="0"/>
-              <a:t>20.09.2020</a:t>
+              <a:t>21.09.2020</a:t>
             </a:fld>
             <a:endParaRPr lang="ru-RU"/>
           </a:p>
@@ -2793,7 +2793,7 @@
           <a:p>
             <a:fld id="{D2B75830-664E-42B5-AB9A-0B1BF8D2BFCE}" type="datetimeFigureOut">
               <a:rPr lang="ru-RU" smtClean="0"/>
-              <a:t>20.09.2020</a:t>
+              <a:t>21.09.2020</a:t>
             </a:fld>
             <a:endParaRPr lang="ru-RU"/>
           </a:p>
@@ -3006,7 +3006,7 @@
           <a:p>
             <a:fld id="{D2B75830-664E-42B5-AB9A-0B1BF8D2BFCE}" type="datetimeFigureOut">
               <a:rPr lang="ru-RU" smtClean="0"/>
-              <a:t>20.09.2020</a:t>
+              <a:t>21.09.2020</a:t>
             </a:fld>
             <a:endParaRPr lang="ru-RU"/>
           </a:p>
@@ -4162,28 +4162,31 @@
       </p:sp>
       <p:pic>
         <p:nvPicPr>
-          <p:cNvPr id="4" name="Объект 3"/>
+          <p:cNvPr id="5" name="Объект 4"/>
           <p:cNvPicPr>
-            <a:picLocks noGrp="1"/>
+            <a:picLocks noGrp="1" noChangeAspect="1"/>
           </p:cNvPicPr>
           <p:nvPr>
             <p:ph idx="1"/>
           </p:nvPr>
         </p:nvPicPr>
         <p:blipFill>
-          <a:blip r:embed="rId2"/>
+          <a:blip r:embed="rId2">
+            <a:extLst>
+              <a:ext uri="{28A0092B-C50C-407E-A947-70E740481C1C}">
+                <a14:useLocalDpi xmlns:a14="http://schemas.microsoft.com/office/drawing/2010/main" val="0"/>
+              </a:ext>
+            </a:extLst>
+          </a:blip>
           <a:stretch>
             <a:fillRect/>
           </a:stretch>
         </p:blipFill>
         <p:spPr>
           <a:xfrm>
-            <a:off x="685800" y="1120140"/>
-            <a:ext cx="11201400" cy="5737859"/>
+            <a:off x="3191119" y="1047570"/>
+            <a:ext cx="5834619" cy="5737859"/>
           </a:xfrm>
-          <a:prstGeom prst="rect">
-            <a:avLst/>
-          </a:prstGeom>
         </p:spPr>
       </p:pic>
     </p:spTree>

--- a/pract 2.pptx
+++ b/pract 2.pptx
@@ -5,15 +5,19 @@
     <p:sldMasterId id="2147483648" r:id="rId1"/>
   </p:sldMasterIdLst>
   <p:notesMasterIdLst>
-    <p:notesMasterId r:id="rId8"/>
+    <p:notesMasterId r:id="rId12"/>
   </p:notesMasterIdLst>
   <p:sldIdLst>
     <p:sldId id="256" r:id="rId2"/>
     <p:sldId id="257" r:id="rId3"/>
     <p:sldId id="258" r:id="rId4"/>
-    <p:sldId id="259" r:id="rId5"/>
-    <p:sldId id="262" r:id="rId6"/>
-    <p:sldId id="261" r:id="rId7"/>
+    <p:sldId id="262" r:id="rId5"/>
+    <p:sldId id="264" r:id="rId6"/>
+    <p:sldId id="265" r:id="rId7"/>
+    <p:sldId id="266" r:id="rId8"/>
+    <p:sldId id="267" r:id="rId9"/>
+    <p:sldId id="268" r:id="rId10"/>
+    <p:sldId id="261" r:id="rId11"/>
   </p:sldIdLst>
   <p:sldSz cx="12192000" cy="6858000"/>
   <p:notesSz cx="6858000" cy="9144000"/>
@@ -3851,815 +3855,7 @@
 </p:sld>
 </file>
 
-<file path=ppt/slides/slide2.xml><?xml version="1.0" encoding="utf-8"?>
-<p:sld xmlns:a="http://schemas.openxmlformats.org/drawingml/2006/main" xmlns:r="http://schemas.openxmlformats.org/officeDocument/2006/relationships" xmlns:p="http://schemas.openxmlformats.org/presentationml/2006/main">
-  <p:cSld>
-    <p:spTree>
-      <p:nvGrpSpPr>
-        <p:cNvPr id="1" name=""/>
-        <p:cNvGrpSpPr/>
-        <p:nvPr/>
-      </p:nvGrpSpPr>
-      <p:grpSpPr>
-        <a:xfrm>
-          <a:off x="0" y="0"/>
-          <a:ext cx="0" cy="0"/>
-          <a:chOff x="0" y="0"/>
-          <a:chExt cx="0" cy="0"/>
-        </a:xfrm>
-      </p:grpSpPr>
-      <p:sp>
-        <p:nvSpPr>
-          <p:cNvPr id="2" name="Заголовок 1"/>
-          <p:cNvSpPr>
-            <a:spLocks noGrp="1"/>
-          </p:cNvSpPr>
-          <p:nvPr>
-            <p:ph type="ctrTitle"/>
-          </p:nvPr>
-        </p:nvSpPr>
-        <p:spPr>
-          <a:xfrm>
-            <a:off x="0" y="0"/>
-            <a:ext cx="3459480" cy="789623"/>
-          </a:xfrm>
-        </p:spPr>
-        <p:txBody>
-          <a:bodyPr>
-            <a:normAutofit fontScale="90000"/>
-          </a:bodyPr>
-          <a:lstStyle/>
-          <a:p>
-            <a:r>
-              <a:rPr lang="en-US" dirty="0" smtClean="0"/>
-              <a:t>User story</a:t>
-            </a:r>
-            <a:endParaRPr lang="ru-RU" dirty="0"/>
-          </a:p>
-        </p:txBody>
-      </p:sp>
-      <p:sp>
-        <p:nvSpPr>
-          <p:cNvPr id="3" name="Подзаголовок 2"/>
-          <p:cNvSpPr>
-            <a:spLocks noGrp="1"/>
-          </p:cNvSpPr>
-          <p:nvPr>
-            <p:ph type="subTitle" idx="1"/>
-          </p:nvPr>
-        </p:nvSpPr>
-        <p:spPr>
-          <a:xfrm>
-            <a:off x="2354580" y="789623"/>
-            <a:ext cx="8115300" cy="5862637"/>
-          </a:xfrm>
-        </p:spPr>
-        <p:txBody>
-          <a:bodyPr>
-            <a:normAutofit fontScale="92500" lnSpcReduction="20000"/>
-          </a:bodyPr>
-          <a:lstStyle/>
-          <a:p>
-            <a:pPr marL="342900" indent="-342900" algn="l">
-              <a:buFont typeface="Wingdings" panose="05000000000000000000" pitchFamily="2" charset="2"/>
-              <a:buChar char="§"/>
-            </a:pPr>
-            <a:r>
-              <a:rPr lang="uk-UA" dirty="0"/>
-              <a:t>Як гість, я можу переглянути каталог даного сайту.</a:t>
-            </a:r>
-            <a:endParaRPr lang="ru-RU" dirty="0"/>
-          </a:p>
-          <a:p>
-            <a:pPr marL="342900" indent="-342900" algn="l">
-              <a:buFont typeface="Wingdings" panose="05000000000000000000" pitchFamily="2" charset="2"/>
-              <a:buChar char="§"/>
-            </a:pPr>
-            <a:r>
-              <a:rPr lang="uk-UA" dirty="0"/>
-              <a:t>Як гість, я можу зареєструватися.</a:t>
-            </a:r>
-            <a:endParaRPr lang="ru-RU" dirty="0"/>
-          </a:p>
-          <a:p>
-            <a:pPr marL="342900" indent="-342900" algn="l">
-              <a:buFont typeface="Wingdings" panose="05000000000000000000" pitchFamily="2" charset="2"/>
-              <a:buChar char="§"/>
-            </a:pPr>
-            <a:r>
-              <a:rPr lang="uk-UA" dirty="0"/>
-              <a:t>Як гість, я можу включити будь-який фільм з каталогу.</a:t>
-            </a:r>
-            <a:endParaRPr lang="ru-RU" dirty="0"/>
-          </a:p>
-          <a:p>
-            <a:pPr marL="342900" indent="-342900" algn="l">
-              <a:buFont typeface="Wingdings" panose="05000000000000000000" pitchFamily="2" charset="2"/>
-              <a:buChar char="§"/>
-            </a:pPr>
-            <a:r>
-              <a:rPr lang="uk-UA" dirty="0"/>
-              <a:t>Як гість, я можу оцінити фільм.</a:t>
-            </a:r>
-            <a:endParaRPr lang="ru-RU" dirty="0"/>
-          </a:p>
-          <a:p>
-            <a:pPr marL="342900" indent="-342900" algn="l">
-              <a:buFont typeface="Wingdings" panose="05000000000000000000" pitchFamily="2" charset="2"/>
-              <a:buChar char="§"/>
-            </a:pPr>
-            <a:r>
-              <a:rPr lang="uk-UA" dirty="0"/>
-              <a:t>Як гість, я можу сортувати каталог.</a:t>
-            </a:r>
-            <a:endParaRPr lang="ru-RU" dirty="0"/>
-          </a:p>
-          <a:p>
-            <a:pPr marL="342900" indent="-342900" algn="l">
-              <a:buFont typeface="Wingdings" panose="05000000000000000000" pitchFamily="2" charset="2"/>
-              <a:buChar char="§"/>
-            </a:pPr>
-            <a:r>
-              <a:rPr lang="uk-UA" dirty="0"/>
-              <a:t>Як гість, я можу шукати за назвою.</a:t>
-            </a:r>
-            <a:endParaRPr lang="ru-RU" dirty="0"/>
-          </a:p>
-          <a:p>
-            <a:pPr marL="342900" indent="-342900" algn="l">
-              <a:buFont typeface="Wingdings" panose="05000000000000000000" pitchFamily="2" charset="2"/>
-              <a:buChar char="§"/>
-            </a:pPr>
-            <a:r>
-              <a:rPr lang="uk-UA" dirty="0"/>
-              <a:t>Як користувач, я можу коментувати.</a:t>
-            </a:r>
-            <a:endParaRPr lang="ru-RU" dirty="0"/>
-          </a:p>
-          <a:p>
-            <a:pPr marL="342900" indent="-342900" algn="l">
-              <a:buFont typeface="Wingdings" panose="05000000000000000000" pitchFamily="2" charset="2"/>
-              <a:buChar char="§"/>
-            </a:pPr>
-            <a:r>
-              <a:rPr lang="uk-UA" dirty="0"/>
-              <a:t>Як користувач, я можу віддячити творця.</a:t>
-            </a:r>
-            <a:endParaRPr lang="ru-RU" dirty="0"/>
-          </a:p>
-          <a:p>
-            <a:pPr marL="342900" indent="-342900" algn="l">
-              <a:buFont typeface="Wingdings" panose="05000000000000000000" pitchFamily="2" charset="2"/>
-              <a:buChar char="§"/>
-            </a:pPr>
-            <a:r>
-              <a:rPr lang="uk-UA" dirty="0"/>
-              <a:t>Як користувач, я можу завантажити фільм.</a:t>
-            </a:r>
-            <a:endParaRPr lang="ru-RU" dirty="0"/>
-          </a:p>
-          <a:p>
-            <a:pPr marL="342900" indent="-342900" algn="l">
-              <a:buFont typeface="Wingdings" panose="05000000000000000000" pitchFamily="2" charset="2"/>
-              <a:buChar char="§"/>
-            </a:pPr>
-            <a:r>
-              <a:rPr lang="uk-UA" dirty="0"/>
-              <a:t>Як користувач, я можу видалити свій фільм.</a:t>
-            </a:r>
-            <a:endParaRPr lang="ru-RU" dirty="0"/>
-          </a:p>
-          <a:p>
-            <a:pPr marL="342900" indent="-342900" algn="l">
-              <a:buFont typeface="Wingdings" panose="05000000000000000000" pitchFamily="2" charset="2"/>
-              <a:buChar char="§"/>
-            </a:pPr>
-            <a:r>
-              <a:rPr lang="uk-UA" dirty="0"/>
-              <a:t>Як користувач, я можу редагувати свій </a:t>
-            </a:r>
-            <a:r>
-              <a:rPr lang="uk-UA" dirty="0" err="1"/>
-              <a:t>аккаунт</a:t>
-            </a:r>
-            <a:r>
-              <a:rPr lang="uk-UA" dirty="0"/>
-              <a:t>.</a:t>
-            </a:r>
-            <a:endParaRPr lang="ru-RU" dirty="0"/>
-          </a:p>
-          <a:p>
-            <a:pPr marL="342900" indent="-342900" algn="l">
-              <a:buFont typeface="Wingdings" panose="05000000000000000000" pitchFamily="2" charset="2"/>
-              <a:buChar char="§"/>
-            </a:pPr>
-            <a:r>
-              <a:rPr lang="uk-UA" dirty="0"/>
-              <a:t>Як користувач, я можу змінювати свій пароль.</a:t>
-            </a:r>
-            <a:endParaRPr lang="ru-RU" dirty="0"/>
-          </a:p>
-          <a:p>
-            <a:pPr marL="342900" indent="-342900" algn="l">
-              <a:buFont typeface="Wingdings" panose="05000000000000000000" pitchFamily="2" charset="2"/>
-              <a:buChar char="§"/>
-            </a:pPr>
-            <a:r>
-              <a:rPr lang="uk-UA" dirty="0"/>
-              <a:t>Як користувач, я можу змінити опис до свого фільму та вибрати категорію.</a:t>
-            </a:r>
-            <a:endParaRPr lang="ru-RU" dirty="0"/>
-          </a:p>
-          <a:p>
-            <a:pPr marL="342900" indent="-342900" algn="l">
-              <a:buFont typeface="Wingdings" panose="05000000000000000000" pitchFamily="2" charset="2"/>
-              <a:buChar char="§"/>
-            </a:pPr>
-            <a:r>
-              <a:rPr lang="uk-UA" dirty="0"/>
-              <a:t>Як користувач, я можу додати свої реквізити для оплати.</a:t>
-            </a:r>
-            <a:endParaRPr lang="ru-RU" dirty="0"/>
-          </a:p>
-          <a:p>
-            <a:pPr marL="342900" indent="-342900" algn="l">
-              <a:buFont typeface="Wingdings" panose="05000000000000000000" pitchFamily="2" charset="2"/>
-              <a:buChar char="§"/>
-            </a:pPr>
-            <a:r>
-              <a:rPr lang="uk-UA" dirty="0"/>
-              <a:t>Як адміністратор, я можу додавати і видаляти фільми.</a:t>
-            </a:r>
-            <a:endParaRPr lang="ru-RU" dirty="0"/>
-          </a:p>
-          <a:p>
-            <a:pPr algn="l"/>
-            <a:endParaRPr lang="ru-RU" dirty="0"/>
-          </a:p>
-        </p:txBody>
-      </p:sp>
-    </p:spTree>
-    <p:extLst>
-      <p:ext uri="{BB962C8B-B14F-4D97-AF65-F5344CB8AC3E}">
-        <p14:creationId xmlns:p14="http://schemas.microsoft.com/office/powerpoint/2010/main" val="2405524852"/>
-      </p:ext>
-    </p:extLst>
-  </p:cSld>
-  <p:clrMapOvr>
-    <a:masterClrMapping/>
-  </p:clrMapOvr>
-</p:sld>
-</file>
-
-<file path=ppt/slides/slide3.xml><?xml version="1.0" encoding="utf-8"?>
-<p:sld xmlns:a="http://schemas.openxmlformats.org/drawingml/2006/main" xmlns:r="http://schemas.openxmlformats.org/officeDocument/2006/relationships" xmlns:p="http://schemas.openxmlformats.org/presentationml/2006/main">
-  <p:cSld>
-    <p:spTree>
-      <p:nvGrpSpPr>
-        <p:cNvPr id="1" name=""/>
-        <p:cNvGrpSpPr/>
-        <p:nvPr/>
-      </p:nvGrpSpPr>
-      <p:grpSpPr>
-        <a:xfrm>
-          <a:off x="0" y="0"/>
-          <a:ext cx="0" cy="0"/>
-          <a:chOff x="0" y="0"/>
-          <a:chExt cx="0" cy="0"/>
-        </a:xfrm>
-      </p:grpSpPr>
-      <p:sp>
-        <p:nvSpPr>
-          <p:cNvPr id="2" name="Заголовок 1"/>
-          <p:cNvSpPr>
-            <a:spLocks noGrp="1"/>
-          </p:cNvSpPr>
-          <p:nvPr>
-            <p:ph type="title"/>
-          </p:nvPr>
-        </p:nvSpPr>
-        <p:spPr>
-          <a:xfrm>
-            <a:off x="0" y="0"/>
-            <a:ext cx="5722620" cy="1120140"/>
-          </a:xfrm>
-        </p:spPr>
-        <p:txBody>
-          <a:bodyPr/>
-          <a:lstStyle/>
-          <a:p>
-            <a:r>
-              <a:rPr lang="en-US" dirty="0" smtClean="0"/>
-              <a:t>Use Case UML-</a:t>
-            </a:r>
-            <a:r>
-              <a:rPr lang="uk-UA" dirty="0" smtClean="0"/>
-              <a:t>діаграма</a:t>
-            </a:r>
-            <a:endParaRPr lang="ru-RU" dirty="0"/>
-          </a:p>
-        </p:txBody>
-      </p:sp>
-      <p:pic>
-        <p:nvPicPr>
-          <p:cNvPr id="5" name="Объект 4"/>
-          <p:cNvPicPr>
-            <a:picLocks noGrp="1" noChangeAspect="1"/>
-          </p:cNvPicPr>
-          <p:nvPr>
-            <p:ph idx="1"/>
-          </p:nvPr>
-        </p:nvPicPr>
-        <p:blipFill>
-          <a:blip r:embed="rId2">
-            <a:extLst>
-              <a:ext uri="{28A0092B-C50C-407E-A947-70E740481C1C}">
-                <a14:useLocalDpi xmlns:a14="http://schemas.microsoft.com/office/drawing/2010/main" val="0"/>
-              </a:ext>
-            </a:extLst>
-          </a:blip>
-          <a:stretch>
-            <a:fillRect/>
-          </a:stretch>
-        </p:blipFill>
-        <p:spPr>
-          <a:xfrm>
-            <a:off x="3191119" y="1047570"/>
-            <a:ext cx="5834619" cy="5737859"/>
-          </a:xfrm>
-        </p:spPr>
-      </p:pic>
-    </p:spTree>
-    <p:extLst>
-      <p:ext uri="{BB962C8B-B14F-4D97-AF65-F5344CB8AC3E}">
-        <p14:creationId xmlns:p14="http://schemas.microsoft.com/office/powerpoint/2010/main" val="807847019"/>
-      </p:ext>
-    </p:extLst>
-  </p:cSld>
-  <p:clrMapOvr>
-    <a:masterClrMapping/>
-  </p:clrMapOvr>
-</p:sld>
-</file>
-
-<file path=ppt/slides/slide4.xml><?xml version="1.0" encoding="utf-8"?>
-<p:sld xmlns:a="http://schemas.openxmlformats.org/drawingml/2006/main" xmlns:r="http://schemas.openxmlformats.org/officeDocument/2006/relationships" xmlns:p="http://schemas.openxmlformats.org/presentationml/2006/main">
-  <p:cSld>
-    <p:spTree>
-      <p:nvGrpSpPr>
-        <p:cNvPr id="1" name=""/>
-        <p:cNvGrpSpPr/>
-        <p:nvPr/>
-      </p:nvGrpSpPr>
-      <p:grpSpPr>
-        <a:xfrm>
-          <a:off x="0" y="0"/>
-          <a:ext cx="0" cy="0"/>
-          <a:chOff x="0" y="0"/>
-          <a:chExt cx="0" cy="0"/>
-        </a:xfrm>
-      </p:grpSpPr>
-      <p:sp>
-        <p:nvSpPr>
-          <p:cNvPr id="2" name="Заголовок 1"/>
-          <p:cNvSpPr>
-            <a:spLocks noGrp="1"/>
-          </p:cNvSpPr>
-          <p:nvPr>
-            <p:ph type="title"/>
-          </p:nvPr>
-        </p:nvSpPr>
-        <p:spPr>
-          <a:xfrm>
-            <a:off x="0" y="0"/>
-            <a:ext cx="10515600" cy="1325563"/>
-          </a:xfrm>
-        </p:spPr>
-        <p:txBody>
-          <a:bodyPr>
-            <a:normAutofit/>
-          </a:bodyPr>
-          <a:lstStyle/>
-          <a:p>
-            <a:r>
-              <a:rPr lang="uk-UA" sz="4200" dirty="0" smtClean="0"/>
-              <a:t>Опис сценаріїв використання прецедентів ПП</a:t>
-            </a:r>
-            <a:endParaRPr lang="ru-RU" sz="4200" dirty="0"/>
-          </a:p>
-        </p:txBody>
-      </p:sp>
-      <p:sp>
-        <p:nvSpPr>
-          <p:cNvPr id="3" name="Объект 2"/>
-          <p:cNvSpPr>
-            <a:spLocks noGrp="1"/>
-          </p:cNvSpPr>
-          <p:nvPr>
-            <p:ph idx="1"/>
-          </p:nvPr>
-        </p:nvSpPr>
-        <p:spPr>
-          <a:xfrm>
-            <a:off x="346363" y="1066800"/>
-            <a:ext cx="11554692" cy="5624945"/>
-          </a:xfrm>
-        </p:spPr>
-        <p:txBody>
-          <a:bodyPr>
-            <a:normAutofit fontScale="85000" lnSpcReduction="10000"/>
-          </a:bodyPr>
-          <a:lstStyle/>
-          <a:p>
-            <a:r>
-              <a:rPr lang="uk-UA" dirty="0" smtClean="0"/>
-              <a:t>Пожертвування </a:t>
-            </a:r>
-            <a:r>
-              <a:rPr lang="uk-UA" dirty="0"/>
-              <a:t>творцям фільмів. Гості або користувачі, яким подобається творчість інших людей, будуть мати можливість пожертвувати на створення нових картин.</a:t>
-            </a:r>
-            <a:endParaRPr lang="ru-RU" dirty="0"/>
-          </a:p>
-          <a:p>
-            <a:r>
-              <a:rPr lang="uk-UA" dirty="0" smtClean="0"/>
-              <a:t>Використання </a:t>
-            </a:r>
-            <a:r>
-              <a:rPr lang="uk-UA" dirty="0"/>
-              <a:t>пошуку та сортування. Гості або користувачі зможуть знайти фільм за обраною категорією або назвою. Якщо фільм не був знайдено то користувач буде мати можливість звернутися до технологічної підтримки сайту, та відправити лист з проханням додати той чи інший фільм до бібліотеки </a:t>
-            </a:r>
-            <a:r>
-              <a:rPr lang="uk-UA" dirty="0" err="1"/>
-              <a:t>ресурса</a:t>
-            </a:r>
-            <a:r>
-              <a:rPr lang="uk-UA" dirty="0"/>
-              <a:t>.</a:t>
-            </a:r>
-            <a:endParaRPr lang="ru-RU" dirty="0"/>
-          </a:p>
-          <a:p>
-            <a:r>
-              <a:rPr lang="uk-UA" dirty="0" smtClean="0"/>
-              <a:t>Видалення </a:t>
-            </a:r>
-            <a:r>
-              <a:rPr lang="uk-UA" dirty="0"/>
-              <a:t>фільмів, які порушують правила. Адміністратор зможе видаляти фільми, які перечать правилам сайту, та загальноприйнятим морально етичним нормам.</a:t>
-            </a:r>
-            <a:endParaRPr lang="ru-RU" dirty="0"/>
-          </a:p>
-          <a:p>
-            <a:r>
-              <a:rPr lang="uk-UA" dirty="0" smtClean="0"/>
-              <a:t>Перегляд </a:t>
-            </a:r>
-            <a:r>
-              <a:rPr lang="uk-UA" dirty="0"/>
-              <a:t>фільму. Всі актори зможуть подивитися фільм, який їм сподобався. Якщо фільм не буде знайдено на сервері, то актор який запрошував цей фільм отримує повідомлення о тому, що він може звернутися до технологічної підтримки сайту.</a:t>
-            </a:r>
-            <a:endParaRPr lang="ru-RU" dirty="0"/>
-          </a:p>
-          <a:p>
-            <a:r>
-              <a:rPr lang="uk-UA" dirty="0" smtClean="0"/>
-              <a:t>Додавання </a:t>
-            </a:r>
-            <a:r>
-              <a:rPr lang="uk-UA" dirty="0"/>
-              <a:t>нових фільмів. Користувач та адміністратор зможуть додавати нові фільми.</a:t>
-            </a:r>
-            <a:endParaRPr lang="ru-RU" dirty="0"/>
-          </a:p>
-          <a:p>
-            <a:r>
-              <a:rPr lang="uk-UA" dirty="0" smtClean="0"/>
-              <a:t>Коментування </a:t>
-            </a:r>
-            <a:r>
-              <a:rPr lang="uk-UA" dirty="0"/>
-              <a:t>фільмів. Кожен з акторів зможе залишати коментарі до фільмів, які є на сайті.</a:t>
-            </a:r>
-            <a:endParaRPr lang="ru-RU" dirty="0"/>
-          </a:p>
-          <a:p>
-            <a:endParaRPr lang="ru-RU" dirty="0"/>
-          </a:p>
-        </p:txBody>
-      </p:sp>
-    </p:spTree>
-    <p:extLst>
-      <p:ext uri="{BB962C8B-B14F-4D97-AF65-F5344CB8AC3E}">
-        <p14:creationId xmlns:p14="http://schemas.microsoft.com/office/powerpoint/2010/main" val="2260817399"/>
-      </p:ext>
-    </p:extLst>
-  </p:cSld>
-  <p:clrMapOvr>
-    <a:masterClrMapping/>
-  </p:clrMapOvr>
-</p:sld>
-</file>
-
-<file path=ppt/slides/slide5.xml><?xml version="1.0" encoding="utf-8"?>
-<p:sld xmlns:a="http://schemas.openxmlformats.org/drawingml/2006/main" xmlns:r="http://schemas.openxmlformats.org/officeDocument/2006/relationships" xmlns:p="http://schemas.openxmlformats.org/presentationml/2006/main">
-  <p:cSld>
-    <p:spTree>
-      <p:nvGrpSpPr>
-        <p:cNvPr id="1" name=""/>
-        <p:cNvGrpSpPr/>
-        <p:nvPr/>
-      </p:nvGrpSpPr>
-      <p:grpSpPr>
-        <a:xfrm>
-          <a:off x="0" y="0"/>
-          <a:ext cx="0" cy="0"/>
-          <a:chOff x="0" y="0"/>
-          <a:chExt cx="0" cy="0"/>
-        </a:xfrm>
-      </p:grpSpPr>
-      <p:sp>
-        <p:nvSpPr>
-          <p:cNvPr id="2" name="Заголовок 1"/>
-          <p:cNvSpPr>
-            <a:spLocks noGrp="1"/>
-          </p:cNvSpPr>
-          <p:nvPr>
-            <p:ph type="title"/>
-          </p:nvPr>
-        </p:nvSpPr>
-        <p:spPr>
-          <a:xfrm>
-            <a:off x="838200" y="79131"/>
-            <a:ext cx="10515600" cy="574065"/>
-          </a:xfrm>
-        </p:spPr>
-        <p:txBody>
-          <a:bodyPr>
-            <a:noAutofit/>
-          </a:bodyPr>
-          <a:lstStyle/>
-          <a:p>
-            <a:r>
-              <a:rPr lang="ru-RU" sz="3200" dirty="0">
-                <a:latin typeface="+mn-lt"/>
-              </a:rPr>
-              <a:t>Описание сценария прецедента </a:t>
-            </a:r>
-            <a:r>
-              <a:rPr lang="ru-RU" sz="3200" dirty="0" smtClean="0">
-                <a:latin typeface="+mn-lt"/>
-              </a:rPr>
-              <a:t>ПП</a:t>
-            </a:r>
-            <a:endParaRPr lang="ru-RU" sz="3200" dirty="0">
-              <a:latin typeface="+mn-lt"/>
-            </a:endParaRPr>
-          </a:p>
-        </p:txBody>
-      </p:sp>
-      <p:sp>
-        <p:nvSpPr>
-          <p:cNvPr id="3" name="Объект 2"/>
-          <p:cNvSpPr>
-            <a:spLocks noGrp="1"/>
-          </p:cNvSpPr>
-          <p:nvPr>
-            <p:ph idx="1"/>
-          </p:nvPr>
-        </p:nvSpPr>
-        <p:spPr>
-          <a:xfrm>
-            <a:off x="838200" y="761755"/>
-            <a:ext cx="10515600" cy="5726967"/>
-          </a:xfrm>
-        </p:spPr>
-        <p:txBody>
-          <a:bodyPr>
-            <a:normAutofit/>
-          </a:bodyPr>
-          <a:lstStyle/>
-          <a:p>
-            <a:pPr marL="0" indent="0">
-              <a:buNone/>
-            </a:pPr>
-            <a:r>
-              <a:rPr lang="ru-RU" dirty="0" smtClean="0"/>
-              <a:t>• ПП </a:t>
-            </a:r>
-            <a:r>
-              <a:rPr lang="ru-RU" dirty="0" err="1" smtClean="0"/>
-              <a:t>Має</a:t>
-            </a:r>
-            <a:r>
-              <a:rPr lang="ru-RU" dirty="0" smtClean="0"/>
-              <a:t> строку </a:t>
-            </a:r>
-            <a:r>
-              <a:rPr lang="ru-RU" dirty="0" err="1" smtClean="0"/>
-              <a:t>пошуку</a:t>
-            </a:r>
-            <a:r>
-              <a:rPr lang="ru-RU" dirty="0" smtClean="0"/>
-              <a:t>.</a:t>
-            </a:r>
-            <a:endParaRPr lang="ru-RU" dirty="0"/>
-          </a:p>
-          <a:p>
-            <a:pPr marL="0" indent="0">
-              <a:buNone/>
-            </a:pPr>
-            <a:r>
-              <a:rPr lang="ru-RU" dirty="0" smtClean="0"/>
-              <a:t>• Людина </a:t>
-            </a:r>
-            <a:r>
-              <a:rPr lang="uk-UA" dirty="0" smtClean="0"/>
-              <a:t>(Користувач, </a:t>
-            </a:r>
-            <a:r>
-              <a:rPr lang="uk-UA" dirty="0" err="1" smtClean="0"/>
-              <a:t>Адмін</a:t>
-            </a:r>
-            <a:r>
-              <a:rPr lang="uk-UA" dirty="0" smtClean="0"/>
-              <a:t>, Гість) вводить запит у строку пошуку.</a:t>
-            </a:r>
-          </a:p>
-          <a:p>
-            <a:pPr marL="0" indent="0">
-              <a:buNone/>
-            </a:pPr>
-            <a:r>
-              <a:rPr lang="ru-RU" dirty="0" smtClean="0"/>
-              <a:t>• </a:t>
-            </a:r>
-            <a:r>
-              <a:rPr lang="uk-UA" dirty="0" smtClean="0"/>
-              <a:t>ПП видає результат пошуку</a:t>
-            </a:r>
-          </a:p>
-          <a:p>
-            <a:pPr marL="0" indent="0">
-              <a:buNone/>
-            </a:pPr>
-            <a:r>
-              <a:rPr lang="ru-RU" dirty="0" smtClean="0"/>
-              <a:t>• </a:t>
-            </a:r>
-            <a:r>
-              <a:rPr lang="ru-RU" dirty="0" err="1"/>
-              <a:t>актор</a:t>
-            </a:r>
-            <a:r>
-              <a:rPr lang="ru-RU" dirty="0"/>
-              <a:t>-основное заинтересованное лицо как </a:t>
-            </a:r>
-            <a:r>
-              <a:rPr lang="ru-RU" dirty="0" smtClean="0"/>
-              <a:t>инициатор</a:t>
-            </a:r>
-            <a:r>
-              <a:rPr lang="en-US" dirty="0" smtClean="0"/>
-              <a:t> </a:t>
-            </a:r>
-            <a:r>
-              <a:rPr lang="ru-RU" dirty="0" smtClean="0"/>
-              <a:t>начала </a:t>
-            </a:r>
-            <a:r>
-              <a:rPr lang="ru-RU" dirty="0"/>
-              <a:t>сценария</a:t>
-            </a:r>
-          </a:p>
-          <a:p>
-            <a:pPr marL="0" indent="0">
-              <a:buNone/>
-            </a:pPr>
-            <a:r>
-              <a:rPr lang="ru-RU" dirty="0"/>
-              <a:t>• гарантии успеха как гарантированный </a:t>
-            </a:r>
-            <a:r>
-              <a:rPr lang="ru-RU" dirty="0" smtClean="0"/>
-              <a:t>результат,</a:t>
-            </a:r>
-            <a:r>
-              <a:rPr lang="en-US" dirty="0" smtClean="0"/>
-              <a:t> </a:t>
-            </a:r>
-            <a:r>
-              <a:rPr lang="ru-RU" dirty="0" smtClean="0"/>
-              <a:t>который </a:t>
-            </a:r>
-            <a:r>
-              <a:rPr lang="ru-RU" dirty="0"/>
-              <a:t>получат </a:t>
-            </a:r>
-            <a:r>
-              <a:rPr lang="ru-RU" dirty="0" err="1"/>
-              <a:t>акторы</a:t>
-            </a:r>
-            <a:r>
-              <a:rPr lang="ru-RU" dirty="0"/>
-              <a:t> в случае </a:t>
-            </a:r>
-            <a:r>
-              <a:rPr lang="ru-RU" dirty="0" smtClean="0"/>
-              <a:t>успешного</a:t>
-            </a:r>
-            <a:r>
-              <a:rPr lang="en-US" dirty="0" smtClean="0"/>
-              <a:t> </a:t>
-            </a:r>
-            <a:r>
-              <a:rPr lang="ru-RU" dirty="0" smtClean="0"/>
-              <a:t>завершения </a:t>
-            </a:r>
-            <a:r>
-              <a:rPr lang="ru-RU" dirty="0"/>
-              <a:t>прецедента</a:t>
-            </a:r>
-          </a:p>
-          <a:p>
-            <a:pPr marL="0" indent="0">
-              <a:buNone/>
-            </a:pPr>
-            <a:r>
-              <a:rPr lang="ru-RU" dirty="0"/>
-              <a:t>• основной успешный сценарий выполнения </a:t>
-            </a:r>
-            <a:r>
-              <a:rPr lang="ru-RU" dirty="0" smtClean="0"/>
-              <a:t>прецедента</a:t>
-            </a:r>
-            <a:r>
-              <a:rPr lang="en-US" dirty="0" smtClean="0"/>
-              <a:t> </a:t>
-            </a:r>
-            <a:r>
-              <a:rPr lang="ru-RU" dirty="0" smtClean="0"/>
-              <a:t>в </a:t>
-            </a:r>
-            <a:r>
-              <a:rPr lang="ru-RU" dirty="0"/>
-              <a:t>виде последовательности </a:t>
-            </a:r>
-            <a:r>
-              <a:rPr lang="ru-RU" dirty="0" smtClean="0"/>
-              <a:t>шагов</a:t>
-            </a:r>
-            <a:r>
-              <a:rPr lang="en-US" dirty="0" smtClean="0"/>
-              <a:t> </a:t>
-            </a:r>
-          </a:p>
-          <a:p>
-            <a:pPr marL="0" indent="0">
-              <a:buNone/>
-            </a:pPr>
-            <a:r>
-              <a:rPr lang="ru-RU" dirty="0" smtClean="0"/>
-              <a:t>• </a:t>
-            </a:r>
-            <a:r>
-              <a:rPr lang="ru-RU" dirty="0"/>
-              <a:t>альтернативные сценарии, привязанные к </a:t>
-            </a:r>
-            <a:r>
-              <a:rPr lang="ru-RU" dirty="0" smtClean="0"/>
-              <a:t>шагам</a:t>
-            </a:r>
-            <a:r>
-              <a:rPr lang="en-US" dirty="0" smtClean="0"/>
-              <a:t> </a:t>
-            </a:r>
-            <a:r>
-              <a:rPr lang="ru-RU" dirty="0" smtClean="0"/>
-              <a:t>основного </a:t>
-            </a:r>
-            <a:r>
-              <a:rPr lang="ru-RU" dirty="0"/>
-              <a:t>успешного сценария</a:t>
-            </a:r>
-          </a:p>
-        </p:txBody>
-      </p:sp>
-    </p:spTree>
-    <p:extLst>
-      <p:ext uri="{BB962C8B-B14F-4D97-AF65-F5344CB8AC3E}">
-        <p14:creationId xmlns:p14="http://schemas.microsoft.com/office/powerpoint/2010/main" val="3004173754"/>
-      </p:ext>
-    </p:extLst>
-  </p:cSld>
-  <p:clrMapOvr>
-    <a:masterClrMapping/>
-  </p:clrMapOvr>
-</p:sld>
-</file>
-
-<file path=ppt/slides/slide6.xml><?xml version="1.0" encoding="utf-8"?>
+<file path=ppt/slides/slide10.xml><?xml version="1.0" encoding="utf-8"?>
 <p:sld xmlns:a="http://schemas.openxmlformats.org/drawingml/2006/main" xmlns:r="http://schemas.openxmlformats.org/officeDocument/2006/relationships" xmlns:p="http://schemas.openxmlformats.org/presentationml/2006/main">
   <p:cSld>
     <p:spTree>
@@ -5113,6 +4309,3451 @@
       </p:par>
     </p:tnLst>
   </p:timing>
+</p:sld>
+</file>
+
+<file path=ppt/slides/slide2.xml><?xml version="1.0" encoding="utf-8"?>
+<p:sld xmlns:a="http://schemas.openxmlformats.org/drawingml/2006/main" xmlns:r="http://schemas.openxmlformats.org/officeDocument/2006/relationships" xmlns:p="http://schemas.openxmlformats.org/presentationml/2006/main">
+  <p:cSld>
+    <p:spTree>
+      <p:nvGrpSpPr>
+        <p:cNvPr id="1" name=""/>
+        <p:cNvGrpSpPr/>
+        <p:nvPr/>
+      </p:nvGrpSpPr>
+      <p:grpSpPr>
+        <a:xfrm>
+          <a:off x="0" y="0"/>
+          <a:ext cx="0" cy="0"/>
+          <a:chOff x="0" y="0"/>
+          <a:chExt cx="0" cy="0"/>
+        </a:xfrm>
+      </p:grpSpPr>
+      <p:sp>
+        <p:nvSpPr>
+          <p:cNvPr id="2" name="Заголовок 1"/>
+          <p:cNvSpPr>
+            <a:spLocks noGrp="1"/>
+          </p:cNvSpPr>
+          <p:nvPr>
+            <p:ph type="ctrTitle"/>
+          </p:nvPr>
+        </p:nvSpPr>
+        <p:spPr>
+          <a:xfrm>
+            <a:off x="0" y="0"/>
+            <a:ext cx="3459480" cy="789623"/>
+          </a:xfrm>
+        </p:spPr>
+        <p:txBody>
+          <a:bodyPr>
+            <a:normAutofit fontScale="90000"/>
+          </a:bodyPr>
+          <a:lstStyle/>
+          <a:p>
+            <a:r>
+              <a:rPr lang="en-US" dirty="0" smtClean="0"/>
+              <a:t>User story</a:t>
+            </a:r>
+            <a:endParaRPr lang="ru-RU" dirty="0"/>
+          </a:p>
+        </p:txBody>
+      </p:sp>
+      <p:sp>
+        <p:nvSpPr>
+          <p:cNvPr id="3" name="Подзаголовок 2"/>
+          <p:cNvSpPr>
+            <a:spLocks noGrp="1"/>
+          </p:cNvSpPr>
+          <p:nvPr>
+            <p:ph type="subTitle" idx="1"/>
+          </p:nvPr>
+        </p:nvSpPr>
+        <p:spPr>
+          <a:xfrm>
+            <a:off x="2354580" y="789623"/>
+            <a:ext cx="8115300" cy="5862637"/>
+          </a:xfrm>
+        </p:spPr>
+        <p:txBody>
+          <a:bodyPr>
+            <a:normAutofit fontScale="92500" lnSpcReduction="20000"/>
+          </a:bodyPr>
+          <a:lstStyle/>
+          <a:p>
+            <a:pPr marL="342900" indent="-342900" algn="l">
+              <a:buFont typeface="Wingdings" panose="05000000000000000000" pitchFamily="2" charset="2"/>
+              <a:buChar char="§"/>
+            </a:pPr>
+            <a:r>
+              <a:rPr lang="uk-UA" dirty="0"/>
+              <a:t>Як гість, я можу переглянути каталог даного сайту.</a:t>
+            </a:r>
+            <a:endParaRPr lang="ru-RU" dirty="0"/>
+          </a:p>
+          <a:p>
+            <a:pPr marL="342900" indent="-342900" algn="l">
+              <a:buFont typeface="Wingdings" panose="05000000000000000000" pitchFamily="2" charset="2"/>
+              <a:buChar char="§"/>
+            </a:pPr>
+            <a:r>
+              <a:rPr lang="uk-UA" dirty="0"/>
+              <a:t>Як гість, я можу зареєструватися.</a:t>
+            </a:r>
+            <a:endParaRPr lang="ru-RU" dirty="0"/>
+          </a:p>
+          <a:p>
+            <a:pPr marL="342900" indent="-342900" algn="l">
+              <a:buFont typeface="Wingdings" panose="05000000000000000000" pitchFamily="2" charset="2"/>
+              <a:buChar char="§"/>
+            </a:pPr>
+            <a:r>
+              <a:rPr lang="uk-UA" dirty="0"/>
+              <a:t>Як гість, я можу включити будь-який фільм з каталогу.</a:t>
+            </a:r>
+            <a:endParaRPr lang="ru-RU" dirty="0"/>
+          </a:p>
+          <a:p>
+            <a:pPr marL="342900" indent="-342900" algn="l">
+              <a:buFont typeface="Wingdings" panose="05000000000000000000" pitchFamily="2" charset="2"/>
+              <a:buChar char="§"/>
+            </a:pPr>
+            <a:r>
+              <a:rPr lang="uk-UA" dirty="0"/>
+              <a:t>Як гість, я можу оцінити фільм.</a:t>
+            </a:r>
+            <a:endParaRPr lang="ru-RU" dirty="0"/>
+          </a:p>
+          <a:p>
+            <a:pPr marL="342900" indent="-342900" algn="l">
+              <a:buFont typeface="Wingdings" panose="05000000000000000000" pitchFamily="2" charset="2"/>
+              <a:buChar char="§"/>
+            </a:pPr>
+            <a:r>
+              <a:rPr lang="uk-UA" dirty="0"/>
+              <a:t>Як гість, я можу сортувати каталог.</a:t>
+            </a:r>
+            <a:endParaRPr lang="ru-RU" dirty="0"/>
+          </a:p>
+          <a:p>
+            <a:pPr marL="342900" indent="-342900" algn="l">
+              <a:buFont typeface="Wingdings" panose="05000000000000000000" pitchFamily="2" charset="2"/>
+              <a:buChar char="§"/>
+            </a:pPr>
+            <a:r>
+              <a:rPr lang="uk-UA" dirty="0"/>
+              <a:t>Як гість, я можу шукати за назвою.</a:t>
+            </a:r>
+            <a:endParaRPr lang="ru-RU" dirty="0"/>
+          </a:p>
+          <a:p>
+            <a:pPr marL="342900" indent="-342900" algn="l">
+              <a:buFont typeface="Wingdings" panose="05000000000000000000" pitchFamily="2" charset="2"/>
+              <a:buChar char="§"/>
+            </a:pPr>
+            <a:r>
+              <a:rPr lang="uk-UA" dirty="0"/>
+              <a:t>Як користувач, я можу коментувати.</a:t>
+            </a:r>
+            <a:endParaRPr lang="ru-RU" dirty="0"/>
+          </a:p>
+          <a:p>
+            <a:pPr marL="342900" indent="-342900" algn="l">
+              <a:buFont typeface="Wingdings" panose="05000000000000000000" pitchFamily="2" charset="2"/>
+              <a:buChar char="§"/>
+            </a:pPr>
+            <a:r>
+              <a:rPr lang="uk-UA" dirty="0"/>
+              <a:t>Як користувач, я можу віддячити творця.</a:t>
+            </a:r>
+            <a:endParaRPr lang="ru-RU" dirty="0"/>
+          </a:p>
+          <a:p>
+            <a:pPr marL="342900" indent="-342900" algn="l">
+              <a:buFont typeface="Wingdings" panose="05000000000000000000" pitchFamily="2" charset="2"/>
+              <a:buChar char="§"/>
+            </a:pPr>
+            <a:r>
+              <a:rPr lang="uk-UA" dirty="0"/>
+              <a:t>Як користувач, я можу завантажити фільм.</a:t>
+            </a:r>
+            <a:endParaRPr lang="ru-RU" dirty="0"/>
+          </a:p>
+          <a:p>
+            <a:pPr marL="342900" indent="-342900" algn="l">
+              <a:buFont typeface="Wingdings" panose="05000000000000000000" pitchFamily="2" charset="2"/>
+              <a:buChar char="§"/>
+            </a:pPr>
+            <a:r>
+              <a:rPr lang="uk-UA" dirty="0"/>
+              <a:t>Як користувач, я можу видалити свій фільм.</a:t>
+            </a:r>
+            <a:endParaRPr lang="ru-RU" dirty="0"/>
+          </a:p>
+          <a:p>
+            <a:pPr marL="342900" indent="-342900" algn="l">
+              <a:buFont typeface="Wingdings" panose="05000000000000000000" pitchFamily="2" charset="2"/>
+              <a:buChar char="§"/>
+            </a:pPr>
+            <a:r>
+              <a:rPr lang="uk-UA" dirty="0"/>
+              <a:t>Як користувач, я можу редагувати свій </a:t>
+            </a:r>
+            <a:r>
+              <a:rPr lang="uk-UA" dirty="0" err="1"/>
+              <a:t>аккаунт</a:t>
+            </a:r>
+            <a:r>
+              <a:rPr lang="uk-UA" dirty="0"/>
+              <a:t>.</a:t>
+            </a:r>
+            <a:endParaRPr lang="ru-RU" dirty="0"/>
+          </a:p>
+          <a:p>
+            <a:pPr marL="342900" indent="-342900" algn="l">
+              <a:buFont typeface="Wingdings" panose="05000000000000000000" pitchFamily="2" charset="2"/>
+              <a:buChar char="§"/>
+            </a:pPr>
+            <a:r>
+              <a:rPr lang="uk-UA" dirty="0"/>
+              <a:t>Як користувач, я можу змінювати свій пароль.</a:t>
+            </a:r>
+            <a:endParaRPr lang="ru-RU" dirty="0"/>
+          </a:p>
+          <a:p>
+            <a:pPr marL="342900" indent="-342900" algn="l">
+              <a:buFont typeface="Wingdings" panose="05000000000000000000" pitchFamily="2" charset="2"/>
+              <a:buChar char="§"/>
+            </a:pPr>
+            <a:r>
+              <a:rPr lang="uk-UA" dirty="0"/>
+              <a:t>Як користувач, я можу змінити опис до свого фільму та вибрати категорію.</a:t>
+            </a:r>
+            <a:endParaRPr lang="ru-RU" dirty="0"/>
+          </a:p>
+          <a:p>
+            <a:pPr marL="342900" indent="-342900" algn="l">
+              <a:buFont typeface="Wingdings" panose="05000000000000000000" pitchFamily="2" charset="2"/>
+              <a:buChar char="§"/>
+            </a:pPr>
+            <a:r>
+              <a:rPr lang="uk-UA" dirty="0"/>
+              <a:t>Як користувач, я можу додати свої реквізити для оплати.</a:t>
+            </a:r>
+            <a:endParaRPr lang="ru-RU" dirty="0"/>
+          </a:p>
+          <a:p>
+            <a:pPr marL="342900" indent="-342900" algn="l">
+              <a:buFont typeface="Wingdings" panose="05000000000000000000" pitchFamily="2" charset="2"/>
+              <a:buChar char="§"/>
+            </a:pPr>
+            <a:r>
+              <a:rPr lang="uk-UA" dirty="0"/>
+              <a:t>Як адміністратор, я можу додавати і видаляти фільми.</a:t>
+            </a:r>
+            <a:endParaRPr lang="ru-RU" dirty="0"/>
+          </a:p>
+          <a:p>
+            <a:pPr algn="l"/>
+            <a:endParaRPr lang="ru-RU" dirty="0"/>
+          </a:p>
+        </p:txBody>
+      </p:sp>
+    </p:spTree>
+    <p:extLst>
+      <p:ext uri="{BB962C8B-B14F-4D97-AF65-F5344CB8AC3E}">
+        <p14:creationId xmlns:p14="http://schemas.microsoft.com/office/powerpoint/2010/main" val="2405524852"/>
+      </p:ext>
+    </p:extLst>
+  </p:cSld>
+  <p:clrMapOvr>
+    <a:masterClrMapping/>
+  </p:clrMapOvr>
+</p:sld>
+</file>
+
+<file path=ppt/slides/slide3.xml><?xml version="1.0" encoding="utf-8"?>
+<p:sld xmlns:a="http://schemas.openxmlformats.org/drawingml/2006/main" xmlns:r="http://schemas.openxmlformats.org/officeDocument/2006/relationships" xmlns:p="http://schemas.openxmlformats.org/presentationml/2006/main">
+  <p:cSld>
+    <p:spTree>
+      <p:nvGrpSpPr>
+        <p:cNvPr id="1" name=""/>
+        <p:cNvGrpSpPr/>
+        <p:nvPr/>
+      </p:nvGrpSpPr>
+      <p:grpSpPr>
+        <a:xfrm>
+          <a:off x="0" y="0"/>
+          <a:ext cx="0" cy="0"/>
+          <a:chOff x="0" y="0"/>
+          <a:chExt cx="0" cy="0"/>
+        </a:xfrm>
+      </p:grpSpPr>
+      <p:sp>
+        <p:nvSpPr>
+          <p:cNvPr id="2" name="Заголовок 1"/>
+          <p:cNvSpPr>
+            <a:spLocks noGrp="1"/>
+          </p:cNvSpPr>
+          <p:nvPr>
+            <p:ph type="title"/>
+          </p:nvPr>
+        </p:nvSpPr>
+        <p:spPr>
+          <a:xfrm>
+            <a:off x="0" y="0"/>
+            <a:ext cx="5722620" cy="1120140"/>
+          </a:xfrm>
+        </p:spPr>
+        <p:txBody>
+          <a:bodyPr/>
+          <a:lstStyle/>
+          <a:p>
+            <a:r>
+              <a:rPr lang="en-US" dirty="0" smtClean="0"/>
+              <a:t>Use Case UML-</a:t>
+            </a:r>
+            <a:r>
+              <a:rPr lang="uk-UA" dirty="0" smtClean="0"/>
+              <a:t>діаграма</a:t>
+            </a:r>
+            <a:endParaRPr lang="ru-RU" dirty="0"/>
+          </a:p>
+        </p:txBody>
+      </p:sp>
+      <p:pic>
+        <p:nvPicPr>
+          <p:cNvPr id="4" name="Объект 3"/>
+          <p:cNvPicPr>
+            <a:picLocks noGrp="1" noChangeAspect="1"/>
+          </p:cNvPicPr>
+          <p:nvPr>
+            <p:ph idx="1"/>
+          </p:nvPr>
+        </p:nvPicPr>
+        <p:blipFill>
+          <a:blip r:embed="rId2">
+            <a:extLst>
+              <a:ext uri="{28A0092B-C50C-407E-A947-70E740481C1C}">
+                <a14:useLocalDpi xmlns:a14="http://schemas.microsoft.com/office/drawing/2010/main" val="0"/>
+              </a:ext>
+            </a:extLst>
+          </a:blip>
+          <a:stretch>
+            <a:fillRect/>
+          </a:stretch>
+        </p:blipFill>
+        <p:spPr>
+          <a:xfrm>
+            <a:off x="1706387" y="1028700"/>
+            <a:ext cx="8834145" cy="5148263"/>
+          </a:xfrm>
+        </p:spPr>
+      </p:pic>
+    </p:spTree>
+    <p:extLst>
+      <p:ext uri="{BB962C8B-B14F-4D97-AF65-F5344CB8AC3E}">
+        <p14:creationId xmlns:p14="http://schemas.microsoft.com/office/powerpoint/2010/main" val="807847019"/>
+      </p:ext>
+    </p:extLst>
+  </p:cSld>
+  <p:clrMapOvr>
+    <a:masterClrMapping/>
+  </p:clrMapOvr>
+</p:sld>
+</file>
+
+<file path=ppt/slides/slide4.xml><?xml version="1.0" encoding="utf-8"?>
+<p:sld xmlns:a="http://schemas.openxmlformats.org/drawingml/2006/main" xmlns:r="http://schemas.openxmlformats.org/officeDocument/2006/relationships" xmlns:p="http://schemas.openxmlformats.org/presentationml/2006/main">
+  <p:cSld>
+    <p:spTree>
+      <p:nvGrpSpPr>
+        <p:cNvPr id="1" name=""/>
+        <p:cNvGrpSpPr/>
+        <p:nvPr/>
+      </p:nvGrpSpPr>
+      <p:grpSpPr>
+        <a:xfrm>
+          <a:off x="0" y="0"/>
+          <a:ext cx="0" cy="0"/>
+          <a:chOff x="0" y="0"/>
+          <a:chExt cx="0" cy="0"/>
+        </a:xfrm>
+      </p:grpSpPr>
+      <p:sp>
+        <p:nvSpPr>
+          <p:cNvPr id="2" name="Заголовок 1"/>
+          <p:cNvSpPr>
+            <a:spLocks noGrp="1"/>
+          </p:cNvSpPr>
+          <p:nvPr>
+            <p:ph type="title"/>
+          </p:nvPr>
+        </p:nvSpPr>
+        <p:spPr>
+          <a:xfrm>
+            <a:off x="838200" y="79131"/>
+            <a:ext cx="10515600" cy="574065"/>
+          </a:xfrm>
+        </p:spPr>
+        <p:txBody>
+          <a:bodyPr>
+            <a:noAutofit/>
+          </a:bodyPr>
+          <a:lstStyle/>
+          <a:p>
+            <a:r>
+              <a:rPr lang="uk-UA" sz="3200" dirty="0"/>
+              <a:t>Опис сценаріїв використання прецедентів ПП</a:t>
+            </a:r>
+            <a:endParaRPr lang="ru-RU" sz="3200" dirty="0">
+              <a:latin typeface="+mn-lt"/>
+            </a:endParaRPr>
+          </a:p>
+        </p:txBody>
+      </p:sp>
+      <p:sp>
+        <p:nvSpPr>
+          <p:cNvPr id="3" name="Объект 2"/>
+          <p:cNvSpPr>
+            <a:spLocks noGrp="1"/>
+          </p:cNvSpPr>
+          <p:nvPr>
+            <p:ph idx="1"/>
+          </p:nvPr>
+        </p:nvSpPr>
+        <p:spPr>
+          <a:xfrm>
+            <a:off x="838200" y="761755"/>
+            <a:ext cx="10515600" cy="5726967"/>
+          </a:xfrm>
+        </p:spPr>
+        <p:txBody>
+          <a:bodyPr>
+            <a:normAutofit fontScale="85000" lnSpcReduction="20000"/>
+          </a:bodyPr>
+          <a:lstStyle/>
+          <a:p>
+            <a:pPr marL="0" indent="0">
+              <a:buNone/>
+            </a:pPr>
+            <a:r>
+              <a:rPr lang="uk-UA" sz="3200" b="1" dirty="0" smtClean="0"/>
+              <a:t>Використання пошуку.</a:t>
+            </a:r>
+          </a:p>
+          <a:p>
+            <a:pPr marL="0" indent="0">
+              <a:buNone/>
+            </a:pPr>
+            <a:endParaRPr lang="ru-RU" sz="3200" b="1" dirty="0"/>
+          </a:p>
+          <a:p>
+            <a:pPr marL="0" indent="0">
+              <a:buNone/>
+            </a:pPr>
+            <a:r>
+              <a:rPr lang="ru-RU" dirty="0" err="1" smtClean="0"/>
+              <a:t>Передумова</a:t>
+            </a:r>
+            <a:r>
+              <a:rPr lang="ru-RU" dirty="0" smtClean="0"/>
+              <a:t>: </a:t>
+            </a:r>
+            <a:r>
+              <a:rPr lang="ru-RU" dirty="0" err="1" smtClean="0"/>
+              <a:t>Користувач</a:t>
+            </a:r>
+            <a:r>
+              <a:rPr lang="ru-RU" dirty="0" smtClean="0"/>
+              <a:t> </a:t>
+            </a:r>
+            <a:r>
+              <a:rPr lang="ru-RU" dirty="0" err="1" smtClean="0"/>
+              <a:t>має</a:t>
+            </a:r>
+            <a:r>
+              <a:rPr lang="ru-RU" dirty="0" smtClean="0"/>
+              <a:t> </a:t>
+            </a:r>
+            <a:r>
+              <a:rPr lang="ru-RU" dirty="0" err="1" smtClean="0"/>
+              <a:t>знаходитись</a:t>
+            </a:r>
+            <a:r>
+              <a:rPr lang="ru-RU" dirty="0" smtClean="0"/>
+              <a:t> на </a:t>
+            </a:r>
+            <a:r>
+              <a:rPr lang="ru-RU" dirty="0" err="1" smtClean="0"/>
+              <a:t>сайті</a:t>
+            </a:r>
+            <a:r>
+              <a:rPr lang="ru-RU" dirty="0" smtClean="0"/>
+              <a:t>.</a:t>
+            </a:r>
+          </a:p>
+          <a:p>
+            <a:pPr marL="0" indent="0">
+              <a:buNone/>
+            </a:pPr>
+            <a:r>
+              <a:rPr lang="ru-RU" dirty="0" err="1" smtClean="0"/>
+              <a:t>Актори</a:t>
+            </a:r>
+            <a:r>
+              <a:rPr lang="ru-RU" dirty="0" smtClean="0"/>
+              <a:t> </a:t>
+            </a:r>
+            <a:r>
+              <a:rPr lang="ru-RU" dirty="0" err="1" smtClean="0"/>
+              <a:t>які</a:t>
+            </a:r>
+            <a:r>
+              <a:rPr lang="ru-RU" dirty="0" smtClean="0"/>
+              <a:t> </a:t>
+            </a:r>
+            <a:r>
+              <a:rPr lang="ru-RU" dirty="0" err="1" smtClean="0"/>
+              <a:t>можуть</a:t>
+            </a:r>
+            <a:r>
+              <a:rPr lang="ru-RU" dirty="0" smtClean="0"/>
+              <a:t> </a:t>
+            </a:r>
+            <a:r>
+              <a:rPr lang="ru-RU" dirty="0" err="1" smtClean="0"/>
+              <a:t>виконувати</a:t>
+            </a:r>
+            <a:r>
+              <a:rPr lang="ru-RU" dirty="0" smtClean="0"/>
+              <a:t>: </a:t>
+            </a:r>
+            <a:r>
+              <a:rPr lang="ru-RU" dirty="0" err="1" smtClean="0"/>
+              <a:t>Гість</a:t>
+            </a:r>
+            <a:r>
+              <a:rPr lang="ru-RU" dirty="0" smtClean="0"/>
+              <a:t>, </a:t>
+            </a:r>
+            <a:r>
+              <a:rPr lang="ru-RU" dirty="0" err="1" smtClean="0"/>
+              <a:t>Адмінфстратор</a:t>
+            </a:r>
+            <a:r>
+              <a:rPr lang="ru-RU" dirty="0" smtClean="0"/>
+              <a:t>, </a:t>
+            </a:r>
+            <a:r>
+              <a:rPr lang="ru-RU" dirty="0" err="1" smtClean="0"/>
+              <a:t>Користувач</a:t>
+            </a:r>
+            <a:r>
+              <a:rPr lang="ru-RU" dirty="0" smtClean="0"/>
+              <a:t>.</a:t>
+            </a:r>
+            <a:endParaRPr lang="uk-UA" dirty="0" smtClean="0"/>
+          </a:p>
+          <a:p>
+            <a:pPr marL="0" indent="0">
+              <a:buNone/>
+            </a:pPr>
+            <a:r>
+              <a:rPr lang="ru-RU" dirty="0" err="1" smtClean="0"/>
+              <a:t>Актор</a:t>
+            </a:r>
+            <a:r>
+              <a:rPr lang="ru-RU" dirty="0" err="1" smtClean="0"/>
+              <a:t>-основний</a:t>
+            </a:r>
+            <a:r>
+              <a:rPr lang="ru-RU" dirty="0" smtClean="0"/>
+              <a:t> </a:t>
+            </a:r>
+            <a:r>
+              <a:rPr lang="ru-RU" dirty="0" err="1" smtClean="0"/>
+              <a:t>ініціатор</a:t>
+            </a:r>
+            <a:r>
+              <a:rPr lang="ru-RU" dirty="0" smtClean="0"/>
+              <a:t>: </a:t>
+            </a:r>
+            <a:r>
+              <a:rPr lang="ru-RU" dirty="0" err="1" smtClean="0"/>
+              <a:t>Користувач</a:t>
+            </a:r>
+            <a:r>
+              <a:rPr lang="ru-RU" dirty="0" smtClean="0"/>
+              <a:t>, </a:t>
+            </a:r>
+            <a:r>
+              <a:rPr lang="ru-RU" dirty="0" err="1" smtClean="0"/>
+              <a:t>Гість</a:t>
+            </a:r>
+            <a:r>
+              <a:rPr lang="ru-RU" dirty="0" smtClean="0"/>
+              <a:t>, </a:t>
+            </a:r>
+            <a:r>
+              <a:rPr lang="ru-RU" dirty="0" err="1" smtClean="0"/>
+              <a:t>Адміністратор</a:t>
+            </a:r>
+            <a:r>
+              <a:rPr lang="ru-RU" dirty="0" smtClean="0"/>
+              <a:t>.</a:t>
+            </a:r>
+            <a:endParaRPr lang="ru-RU" dirty="0"/>
+          </a:p>
+          <a:p>
+            <a:pPr marL="0" indent="0">
+              <a:buNone/>
+            </a:pPr>
+            <a:r>
+              <a:rPr lang="ru-RU" dirty="0" err="1" smtClean="0"/>
+              <a:t>Успішний</a:t>
+            </a:r>
+            <a:r>
+              <a:rPr lang="ru-RU" dirty="0" smtClean="0"/>
+              <a:t> результат: </a:t>
+            </a:r>
+            <a:r>
+              <a:rPr lang="ru-RU" dirty="0" err="1" smtClean="0"/>
+              <a:t>Пошук</a:t>
+            </a:r>
+            <a:r>
+              <a:rPr lang="ru-RU" dirty="0" smtClean="0"/>
+              <a:t> </a:t>
+            </a:r>
+            <a:r>
+              <a:rPr lang="ru-RU" dirty="0" err="1" smtClean="0"/>
+              <a:t>видасть</a:t>
+            </a:r>
+            <a:r>
+              <a:rPr lang="ru-RU" dirty="0" smtClean="0"/>
+              <a:t> </a:t>
+            </a:r>
+            <a:r>
+              <a:rPr lang="ru-RU" dirty="0" err="1" smtClean="0"/>
+              <a:t>коректний</a:t>
+            </a:r>
+            <a:r>
+              <a:rPr lang="ru-RU" dirty="0" smtClean="0"/>
+              <a:t> результат введений </a:t>
+            </a:r>
+            <a:r>
+              <a:rPr lang="ru-RU" dirty="0" err="1" smtClean="0"/>
+              <a:t>Користувачем</a:t>
+            </a:r>
+            <a:r>
+              <a:rPr lang="ru-RU" dirty="0" smtClean="0"/>
+              <a:t>.</a:t>
+            </a:r>
+            <a:endParaRPr lang="ru-RU" dirty="0"/>
+          </a:p>
+          <a:p>
+            <a:pPr marL="0" indent="0">
+              <a:buNone/>
+            </a:pPr>
+            <a:r>
+              <a:rPr lang="ru-RU" dirty="0" err="1" smtClean="0"/>
+              <a:t>Успішний</a:t>
+            </a:r>
+            <a:r>
+              <a:rPr lang="ru-RU" dirty="0" smtClean="0"/>
+              <a:t> </a:t>
+            </a:r>
+            <a:r>
+              <a:rPr lang="ru-RU" dirty="0" err="1" smtClean="0"/>
+              <a:t>сценарій</a:t>
+            </a:r>
+            <a:r>
+              <a:rPr lang="ru-RU" dirty="0" smtClean="0"/>
+              <a:t>: </a:t>
+            </a:r>
+          </a:p>
+          <a:p>
+            <a:pPr marL="0" indent="0">
+              <a:buNone/>
+            </a:pPr>
+            <a:r>
+              <a:rPr lang="uk-UA" dirty="0" smtClean="0"/>
+              <a:t>1. Сайт видає строку пошуку;</a:t>
+            </a:r>
+            <a:endParaRPr lang="ru-RU" dirty="0" smtClean="0"/>
+          </a:p>
+          <a:p>
+            <a:pPr marL="0" indent="0">
+              <a:buNone/>
+            </a:pPr>
+            <a:r>
+              <a:rPr lang="ru-RU" dirty="0"/>
+              <a:t>2</a:t>
+            </a:r>
+            <a:r>
+              <a:rPr lang="ru-RU" dirty="0" smtClean="0"/>
+              <a:t>. </a:t>
+            </a:r>
+            <a:r>
+              <a:rPr lang="ru-RU" dirty="0" err="1" smtClean="0"/>
+              <a:t>Користувач</a:t>
+            </a:r>
+            <a:r>
+              <a:rPr lang="ru-RU" dirty="0" smtClean="0"/>
+              <a:t> вводить запит у строку </a:t>
+            </a:r>
+            <a:r>
+              <a:rPr lang="ru-RU" dirty="0" err="1" smtClean="0"/>
+              <a:t>пошуку</a:t>
+            </a:r>
+            <a:r>
+              <a:rPr lang="ru-RU" dirty="0" smtClean="0"/>
+              <a:t>;</a:t>
+            </a:r>
+          </a:p>
+          <a:p>
+            <a:pPr marL="0" indent="0">
+              <a:buNone/>
+            </a:pPr>
+            <a:r>
+              <a:rPr lang="uk-UA" dirty="0"/>
+              <a:t>3</a:t>
+            </a:r>
+            <a:r>
+              <a:rPr lang="uk-UA" dirty="0" smtClean="0"/>
+              <a:t>. Пошук видає потрібний запит який ввів гість.</a:t>
+            </a:r>
+            <a:endParaRPr lang="en-US" dirty="0" smtClean="0"/>
+          </a:p>
+          <a:p>
+            <a:pPr marL="0" indent="0">
+              <a:buNone/>
+            </a:pPr>
+            <a:r>
+              <a:rPr lang="ru-RU" dirty="0" err="1" smtClean="0"/>
+              <a:t>Альтернативний</a:t>
+            </a:r>
+            <a:r>
+              <a:rPr lang="ru-RU" dirty="0" smtClean="0"/>
+              <a:t> </a:t>
+            </a:r>
+            <a:r>
+              <a:rPr lang="ru-RU" dirty="0" err="1" smtClean="0"/>
+              <a:t>сценарій</a:t>
+            </a:r>
+            <a:r>
+              <a:rPr lang="ru-RU" dirty="0" smtClean="0"/>
+              <a:t>:</a:t>
+            </a:r>
+          </a:p>
+          <a:p>
+            <a:pPr marL="0" indent="0">
+              <a:buNone/>
+            </a:pPr>
+            <a:r>
+              <a:rPr lang="uk-UA" dirty="0"/>
+              <a:t>1. Сайт видає строку пошуку</a:t>
+            </a:r>
+            <a:r>
+              <a:rPr lang="uk-UA" dirty="0" smtClean="0"/>
+              <a:t>;</a:t>
+            </a:r>
+            <a:endParaRPr lang="ru-RU" dirty="0" smtClean="0"/>
+          </a:p>
+          <a:p>
+            <a:pPr marL="0" indent="0">
+              <a:buNone/>
+            </a:pPr>
+            <a:r>
+              <a:rPr lang="ru-RU" dirty="0" smtClean="0"/>
+              <a:t>2. </a:t>
+            </a:r>
+            <a:r>
+              <a:rPr lang="ru-RU" dirty="0" err="1" smtClean="0"/>
+              <a:t>Користувач</a:t>
+            </a:r>
+            <a:r>
+              <a:rPr lang="ru-RU" dirty="0" smtClean="0"/>
+              <a:t> вводить </a:t>
+            </a:r>
+            <a:r>
+              <a:rPr lang="ru-RU" dirty="0" err="1" smtClean="0"/>
+              <a:t>невірний</a:t>
+            </a:r>
+            <a:r>
+              <a:rPr lang="ru-RU" dirty="0" smtClean="0"/>
+              <a:t> (</a:t>
+            </a:r>
+            <a:r>
+              <a:rPr lang="ru-RU" dirty="0" err="1" smtClean="0"/>
+              <a:t>пустий</a:t>
+            </a:r>
+            <a:r>
+              <a:rPr lang="ru-RU" dirty="0" smtClean="0"/>
+              <a:t>) запит, </a:t>
+            </a:r>
+            <a:r>
+              <a:rPr lang="ru-RU" dirty="0" err="1" smtClean="0"/>
+              <a:t>або</a:t>
+            </a:r>
+            <a:r>
+              <a:rPr lang="ru-RU" dirty="0" smtClean="0"/>
+              <a:t> запит </a:t>
+            </a:r>
+            <a:r>
+              <a:rPr lang="ru-RU" dirty="0" err="1" smtClean="0"/>
+              <a:t>даних</a:t>
+            </a:r>
+            <a:r>
+              <a:rPr lang="ru-RU" dirty="0" smtClean="0"/>
+              <a:t> </a:t>
+            </a:r>
+            <a:r>
+              <a:rPr lang="ru-RU" dirty="0" err="1" smtClean="0"/>
+              <a:t>яких</a:t>
+            </a:r>
+            <a:r>
+              <a:rPr lang="ru-RU" dirty="0" smtClean="0"/>
+              <a:t> не </a:t>
+            </a:r>
+            <a:r>
+              <a:rPr lang="ru-RU" dirty="0" err="1" smtClean="0"/>
+              <a:t>існує</a:t>
+            </a:r>
+            <a:r>
+              <a:rPr lang="ru-RU" dirty="0" smtClean="0"/>
+              <a:t>;</a:t>
+            </a:r>
+          </a:p>
+          <a:p>
+            <a:pPr marL="0" indent="0">
+              <a:buNone/>
+            </a:pPr>
+            <a:r>
+              <a:rPr lang="uk-UA" dirty="0"/>
+              <a:t>3</a:t>
+            </a:r>
+            <a:r>
+              <a:rPr lang="uk-UA" dirty="0" smtClean="0"/>
+              <a:t>. Повідомлення, про те що немає даних за введеним запитом.</a:t>
+            </a:r>
+            <a:endParaRPr lang="ru-RU" dirty="0"/>
+          </a:p>
+        </p:txBody>
+      </p:sp>
+    </p:spTree>
+    <p:extLst>
+      <p:ext uri="{BB962C8B-B14F-4D97-AF65-F5344CB8AC3E}">
+        <p14:creationId xmlns:p14="http://schemas.microsoft.com/office/powerpoint/2010/main" val="3004173754"/>
+      </p:ext>
+    </p:extLst>
+  </p:cSld>
+  <p:clrMapOvr>
+    <a:masterClrMapping/>
+  </p:clrMapOvr>
+</p:sld>
+</file>
+
+<file path=ppt/slides/slide5.xml><?xml version="1.0" encoding="utf-8"?>
+<p:sld xmlns:a="http://schemas.openxmlformats.org/drawingml/2006/main" xmlns:r="http://schemas.openxmlformats.org/officeDocument/2006/relationships" xmlns:p="http://schemas.openxmlformats.org/presentationml/2006/main">
+  <p:cSld>
+    <p:spTree>
+      <p:nvGrpSpPr>
+        <p:cNvPr id="1" name=""/>
+        <p:cNvGrpSpPr/>
+        <p:nvPr/>
+      </p:nvGrpSpPr>
+      <p:grpSpPr>
+        <a:xfrm>
+          <a:off x="0" y="0"/>
+          <a:ext cx="0" cy="0"/>
+          <a:chOff x="0" y="0"/>
+          <a:chExt cx="0" cy="0"/>
+        </a:xfrm>
+      </p:grpSpPr>
+      <p:sp>
+        <p:nvSpPr>
+          <p:cNvPr id="2" name="Заголовок 1"/>
+          <p:cNvSpPr>
+            <a:spLocks noGrp="1"/>
+          </p:cNvSpPr>
+          <p:nvPr>
+            <p:ph type="title"/>
+          </p:nvPr>
+        </p:nvSpPr>
+        <p:spPr>
+          <a:xfrm>
+            <a:off x="838200" y="79131"/>
+            <a:ext cx="10515600" cy="574065"/>
+          </a:xfrm>
+        </p:spPr>
+        <p:txBody>
+          <a:bodyPr>
+            <a:noAutofit/>
+          </a:bodyPr>
+          <a:lstStyle/>
+          <a:p>
+            <a:r>
+              <a:rPr lang="ru-RU" sz="3200" dirty="0">
+                <a:latin typeface="+mn-lt"/>
+              </a:rPr>
+              <a:t>Описание сценария прецедента </a:t>
+            </a:r>
+            <a:r>
+              <a:rPr lang="ru-RU" sz="3200" dirty="0" smtClean="0">
+                <a:latin typeface="+mn-lt"/>
+              </a:rPr>
+              <a:t>ПП</a:t>
+            </a:r>
+            <a:endParaRPr lang="ru-RU" sz="3200" dirty="0">
+              <a:latin typeface="+mn-lt"/>
+            </a:endParaRPr>
+          </a:p>
+        </p:txBody>
+      </p:sp>
+      <p:sp>
+        <p:nvSpPr>
+          <p:cNvPr id="3" name="Объект 2"/>
+          <p:cNvSpPr>
+            <a:spLocks noGrp="1"/>
+          </p:cNvSpPr>
+          <p:nvPr>
+            <p:ph idx="1"/>
+          </p:nvPr>
+        </p:nvSpPr>
+        <p:spPr>
+          <a:xfrm>
+            <a:off x="838200" y="761755"/>
+            <a:ext cx="10515600" cy="5726967"/>
+          </a:xfrm>
+        </p:spPr>
+        <p:txBody>
+          <a:bodyPr>
+            <a:normAutofit fontScale="85000" lnSpcReduction="20000"/>
+          </a:bodyPr>
+          <a:lstStyle/>
+          <a:p>
+            <a:pPr marL="0" indent="0">
+              <a:buNone/>
+            </a:pPr>
+            <a:r>
+              <a:rPr lang="uk-UA" sz="3200" b="1" dirty="0" smtClean="0"/>
+              <a:t>Перегляд фільму.</a:t>
+            </a:r>
+          </a:p>
+          <a:p>
+            <a:pPr marL="0" indent="0">
+              <a:buNone/>
+            </a:pPr>
+            <a:endParaRPr lang="ru-RU" sz="3200" b="1" dirty="0"/>
+          </a:p>
+          <a:p>
+            <a:pPr marL="0" indent="0">
+              <a:buNone/>
+            </a:pPr>
+            <a:r>
+              <a:rPr lang="ru-RU" dirty="0" err="1" smtClean="0"/>
+              <a:t>Передумова</a:t>
+            </a:r>
+            <a:r>
+              <a:rPr lang="ru-RU" dirty="0"/>
+              <a:t>: </a:t>
+            </a:r>
+            <a:r>
+              <a:rPr lang="ru-RU" dirty="0" err="1"/>
+              <a:t>Користувач</a:t>
+            </a:r>
+            <a:r>
+              <a:rPr lang="ru-RU" dirty="0"/>
+              <a:t> повинен перейти на </a:t>
+            </a:r>
+            <a:r>
+              <a:rPr lang="ru-RU" dirty="0" err="1"/>
+              <a:t>сторінку</a:t>
+            </a:r>
+            <a:r>
+              <a:rPr lang="ru-RU" dirty="0"/>
+              <a:t> </a:t>
+            </a:r>
+            <a:r>
+              <a:rPr lang="ru-RU" dirty="0" err="1"/>
+              <a:t>фільму</a:t>
+            </a:r>
+            <a:r>
+              <a:rPr lang="ru-RU" dirty="0"/>
+              <a:t>.</a:t>
+            </a:r>
+          </a:p>
+          <a:p>
+            <a:pPr marL="0" indent="0">
+              <a:buNone/>
+            </a:pPr>
+            <a:r>
+              <a:rPr lang="ru-RU" dirty="0" err="1" smtClean="0"/>
+              <a:t>Актори</a:t>
+            </a:r>
+            <a:r>
+              <a:rPr lang="ru-RU" dirty="0" smtClean="0"/>
+              <a:t> </a:t>
+            </a:r>
+            <a:r>
+              <a:rPr lang="ru-RU" dirty="0" err="1" smtClean="0"/>
+              <a:t>які</a:t>
+            </a:r>
+            <a:r>
+              <a:rPr lang="ru-RU" dirty="0" smtClean="0"/>
+              <a:t> </a:t>
+            </a:r>
+            <a:r>
+              <a:rPr lang="ru-RU" dirty="0" err="1" smtClean="0"/>
+              <a:t>можуть</a:t>
+            </a:r>
+            <a:r>
+              <a:rPr lang="ru-RU" dirty="0" smtClean="0"/>
+              <a:t> </a:t>
+            </a:r>
+            <a:r>
+              <a:rPr lang="ru-RU" dirty="0" err="1" smtClean="0"/>
+              <a:t>виконувати</a:t>
+            </a:r>
+            <a:r>
+              <a:rPr lang="ru-RU" dirty="0" smtClean="0"/>
+              <a:t>: </a:t>
+            </a:r>
+            <a:r>
+              <a:rPr lang="ru-RU" dirty="0" err="1" smtClean="0"/>
+              <a:t>Гість</a:t>
+            </a:r>
+            <a:r>
+              <a:rPr lang="ru-RU" dirty="0" smtClean="0"/>
+              <a:t>, </a:t>
+            </a:r>
+            <a:r>
+              <a:rPr lang="ru-RU" dirty="0" err="1" smtClean="0"/>
+              <a:t>Адмінфстратор</a:t>
+            </a:r>
+            <a:r>
+              <a:rPr lang="ru-RU" dirty="0" smtClean="0"/>
+              <a:t>, </a:t>
+            </a:r>
+            <a:r>
+              <a:rPr lang="ru-RU" dirty="0" err="1" smtClean="0"/>
+              <a:t>Користувач</a:t>
+            </a:r>
+            <a:r>
+              <a:rPr lang="ru-RU" dirty="0" smtClean="0"/>
+              <a:t>.</a:t>
+            </a:r>
+            <a:endParaRPr lang="uk-UA" dirty="0" smtClean="0"/>
+          </a:p>
+          <a:p>
+            <a:pPr marL="0" indent="0">
+              <a:buNone/>
+            </a:pPr>
+            <a:r>
+              <a:rPr lang="ru-RU" dirty="0" err="1" smtClean="0"/>
+              <a:t>Актор</a:t>
+            </a:r>
+            <a:r>
+              <a:rPr lang="ru-RU" dirty="0" err="1" smtClean="0"/>
+              <a:t>-основний</a:t>
+            </a:r>
+            <a:r>
+              <a:rPr lang="ru-RU" dirty="0" smtClean="0"/>
+              <a:t> </a:t>
+            </a:r>
+            <a:r>
+              <a:rPr lang="ru-RU" dirty="0" err="1" smtClean="0"/>
+              <a:t>ініціатор</a:t>
+            </a:r>
+            <a:r>
+              <a:rPr lang="ru-RU" dirty="0" smtClean="0"/>
+              <a:t>: </a:t>
+            </a:r>
+            <a:r>
+              <a:rPr lang="ru-RU" dirty="0" err="1" smtClean="0"/>
+              <a:t>Користувачб</a:t>
+            </a:r>
+            <a:r>
+              <a:rPr lang="ru-RU" dirty="0" smtClean="0"/>
+              <a:t> </a:t>
+            </a:r>
+            <a:r>
+              <a:rPr lang="ru-RU" dirty="0" err="1" smtClean="0"/>
+              <a:t>Гість</a:t>
+            </a:r>
+            <a:r>
+              <a:rPr lang="ru-RU" dirty="0" smtClean="0"/>
+              <a:t>, </a:t>
+            </a:r>
+            <a:r>
+              <a:rPr lang="ru-RU" dirty="0" err="1" smtClean="0"/>
+              <a:t>Алміністратор</a:t>
+            </a:r>
+            <a:r>
+              <a:rPr lang="ru-RU" dirty="0" smtClean="0"/>
+              <a:t>.</a:t>
+            </a:r>
+            <a:endParaRPr lang="ru-RU" dirty="0"/>
+          </a:p>
+          <a:p>
+            <a:pPr marL="0" indent="0">
+              <a:buNone/>
+            </a:pPr>
+            <a:r>
+              <a:rPr lang="ru-RU" dirty="0" err="1" smtClean="0"/>
+              <a:t>Успішний</a:t>
+            </a:r>
+            <a:r>
+              <a:rPr lang="ru-RU" dirty="0" smtClean="0"/>
+              <a:t> результат: </a:t>
+            </a:r>
+            <a:r>
+              <a:rPr lang="ru-RU" dirty="0" err="1"/>
+              <a:t>Фільм</a:t>
+            </a:r>
+            <a:r>
+              <a:rPr lang="ru-RU" dirty="0"/>
+              <a:t> </a:t>
+            </a:r>
+            <a:r>
+              <a:rPr lang="ru-RU" dirty="0" err="1"/>
+              <a:t>який</a:t>
+            </a:r>
+            <a:r>
+              <a:rPr lang="ru-RU" dirty="0"/>
+              <a:t> </a:t>
+            </a:r>
+            <a:r>
+              <a:rPr lang="ru-RU" dirty="0" err="1"/>
+              <a:t>вибраний</a:t>
+            </a:r>
+            <a:r>
+              <a:rPr lang="ru-RU" dirty="0"/>
+              <a:t> </a:t>
+            </a:r>
+            <a:r>
+              <a:rPr lang="ru-RU" dirty="0" err="1"/>
+              <a:t>Користувачем</a:t>
+            </a:r>
+            <a:r>
+              <a:rPr lang="ru-RU" dirty="0"/>
+              <a:t> </a:t>
+            </a:r>
+            <a:r>
+              <a:rPr lang="ru-RU" dirty="0" err="1"/>
+              <a:t>успішно</a:t>
+            </a:r>
+            <a:r>
+              <a:rPr lang="ru-RU" dirty="0"/>
+              <a:t> </a:t>
+            </a:r>
+            <a:r>
+              <a:rPr lang="ru-RU" dirty="0" err="1"/>
+              <a:t>запустився</a:t>
+            </a:r>
+            <a:r>
+              <a:rPr lang="ru-RU" dirty="0"/>
+              <a:t>, та </a:t>
+            </a:r>
+            <a:r>
+              <a:rPr lang="ru-RU" dirty="0" err="1"/>
+              <a:t>працює</a:t>
+            </a:r>
+            <a:r>
+              <a:rPr lang="ru-RU" dirty="0"/>
+              <a:t> без </a:t>
+            </a:r>
+            <a:r>
+              <a:rPr lang="ru-RU" dirty="0" err="1"/>
+              <a:t>багів</a:t>
+            </a:r>
+            <a:r>
+              <a:rPr lang="ru-RU" dirty="0"/>
+              <a:t>.</a:t>
+            </a:r>
+          </a:p>
+          <a:p>
+            <a:pPr marL="0" indent="0">
+              <a:buNone/>
+            </a:pPr>
+            <a:r>
+              <a:rPr lang="ru-RU" dirty="0" err="1" smtClean="0"/>
+              <a:t>Успішний</a:t>
+            </a:r>
+            <a:r>
+              <a:rPr lang="ru-RU" dirty="0" smtClean="0"/>
+              <a:t> </a:t>
+            </a:r>
+            <a:r>
+              <a:rPr lang="ru-RU" dirty="0" err="1" smtClean="0"/>
+              <a:t>сценарій</a:t>
+            </a:r>
+            <a:r>
+              <a:rPr lang="ru-RU" dirty="0" smtClean="0"/>
+              <a:t>: </a:t>
+            </a:r>
+          </a:p>
+          <a:p>
+            <a:pPr marL="0" indent="0">
+              <a:buNone/>
+            </a:pPr>
+            <a:r>
+              <a:rPr lang="uk-UA" dirty="0" smtClean="0"/>
+              <a:t>1. Користувач переходить на сторінку будь-якого фільму</a:t>
+            </a:r>
+            <a:endParaRPr lang="ru-RU" dirty="0" smtClean="0"/>
+          </a:p>
+          <a:p>
+            <a:pPr marL="0" indent="0">
+              <a:buNone/>
+            </a:pPr>
+            <a:r>
+              <a:rPr lang="ru-RU" dirty="0"/>
+              <a:t>2</a:t>
+            </a:r>
+            <a:r>
+              <a:rPr lang="ru-RU" dirty="0" smtClean="0"/>
+              <a:t>. </a:t>
+            </a:r>
+            <a:r>
+              <a:rPr lang="ru-RU" dirty="0" err="1" smtClean="0"/>
+              <a:t>Користувач</a:t>
+            </a:r>
+            <a:r>
+              <a:rPr lang="ru-RU" dirty="0" smtClean="0"/>
+              <a:t> </a:t>
+            </a:r>
+            <a:r>
+              <a:rPr lang="ru-RU" dirty="0" err="1" smtClean="0"/>
+              <a:t>натискає</a:t>
+            </a:r>
+            <a:r>
+              <a:rPr lang="ru-RU" dirty="0" smtClean="0"/>
+              <a:t> на кнопку старта </a:t>
+            </a:r>
+            <a:r>
+              <a:rPr lang="ru-RU" dirty="0" err="1" smtClean="0"/>
+              <a:t>відео</a:t>
+            </a:r>
+            <a:endParaRPr lang="ru-RU" dirty="0" smtClean="0"/>
+          </a:p>
+          <a:p>
+            <a:pPr marL="0" indent="0">
+              <a:buNone/>
+            </a:pPr>
+            <a:r>
+              <a:rPr lang="uk-UA" dirty="0"/>
+              <a:t>3</a:t>
+            </a:r>
+            <a:r>
+              <a:rPr lang="uk-UA" dirty="0" smtClean="0"/>
+              <a:t>. Запускається фільм.</a:t>
+            </a:r>
+          </a:p>
+          <a:p>
+            <a:pPr marL="0" indent="0">
+              <a:buNone/>
+            </a:pPr>
+            <a:r>
+              <a:rPr lang="uk-UA" dirty="0" smtClean="0"/>
+              <a:t>Альтернативний </a:t>
+            </a:r>
+            <a:r>
+              <a:rPr lang="uk-UA" dirty="0" err="1" smtClean="0"/>
+              <a:t>сценаій</a:t>
+            </a:r>
+            <a:r>
+              <a:rPr lang="uk-UA" dirty="0" smtClean="0"/>
+              <a:t>:</a:t>
+            </a:r>
+          </a:p>
+          <a:p>
+            <a:pPr marL="0" indent="0">
+              <a:buNone/>
+            </a:pPr>
+            <a:r>
+              <a:rPr lang="uk-UA" dirty="0" smtClean="0"/>
+              <a:t>1. </a:t>
+            </a:r>
+            <a:r>
+              <a:rPr lang="uk-UA" dirty="0"/>
+              <a:t>Користувач переходить на сторінку будь-якого фільму</a:t>
+            </a:r>
+            <a:endParaRPr lang="ru-RU" dirty="0"/>
+          </a:p>
+          <a:p>
+            <a:pPr marL="0" indent="0">
+              <a:buNone/>
+            </a:pPr>
+            <a:r>
+              <a:rPr lang="ru-RU" dirty="0"/>
+              <a:t>2. </a:t>
+            </a:r>
+            <a:r>
+              <a:rPr lang="ru-RU" dirty="0" err="1"/>
+              <a:t>Користувач</a:t>
+            </a:r>
+            <a:r>
+              <a:rPr lang="ru-RU" dirty="0"/>
+              <a:t> </a:t>
+            </a:r>
+            <a:r>
+              <a:rPr lang="ru-RU" dirty="0" err="1"/>
+              <a:t>натискає</a:t>
+            </a:r>
+            <a:r>
+              <a:rPr lang="ru-RU" dirty="0"/>
+              <a:t> на кнопку старта </a:t>
+            </a:r>
+            <a:r>
+              <a:rPr lang="ru-RU" dirty="0" err="1"/>
+              <a:t>відео</a:t>
+            </a:r>
+            <a:endParaRPr lang="ru-RU" dirty="0"/>
+          </a:p>
+          <a:p>
+            <a:pPr marL="0" indent="0">
+              <a:buNone/>
+            </a:pPr>
+            <a:r>
+              <a:rPr lang="uk-UA" dirty="0"/>
+              <a:t>3. </a:t>
+            </a:r>
+            <a:r>
+              <a:rPr lang="uk-UA" dirty="0" err="1" smtClean="0"/>
+              <a:t>Плеєр</a:t>
+            </a:r>
+            <a:r>
+              <a:rPr lang="uk-UA" dirty="0" smtClean="0"/>
+              <a:t> видає помилку, що зараз немає доступу до фільму.</a:t>
+            </a:r>
+            <a:endParaRPr lang="uk-UA" dirty="0"/>
+          </a:p>
+          <a:p>
+            <a:pPr marL="0" indent="0">
+              <a:buNone/>
+            </a:pPr>
+            <a:endParaRPr lang="en-US" dirty="0" smtClean="0"/>
+          </a:p>
+        </p:txBody>
+      </p:sp>
+    </p:spTree>
+    <p:extLst>
+      <p:ext uri="{BB962C8B-B14F-4D97-AF65-F5344CB8AC3E}">
+        <p14:creationId xmlns:p14="http://schemas.microsoft.com/office/powerpoint/2010/main" val="2426606172"/>
+      </p:ext>
+    </p:extLst>
+  </p:cSld>
+  <p:clrMapOvr>
+    <a:masterClrMapping/>
+  </p:clrMapOvr>
+</p:sld>
+</file>
+
+<file path=ppt/slides/slide6.xml><?xml version="1.0" encoding="utf-8"?>
+<p:sld xmlns:a="http://schemas.openxmlformats.org/drawingml/2006/main" xmlns:r="http://schemas.openxmlformats.org/officeDocument/2006/relationships" xmlns:p="http://schemas.openxmlformats.org/presentationml/2006/main">
+  <p:cSld>
+    <p:spTree>
+      <p:nvGrpSpPr>
+        <p:cNvPr id="1" name=""/>
+        <p:cNvGrpSpPr/>
+        <p:nvPr/>
+      </p:nvGrpSpPr>
+      <p:grpSpPr>
+        <a:xfrm>
+          <a:off x="0" y="0"/>
+          <a:ext cx="0" cy="0"/>
+          <a:chOff x="0" y="0"/>
+          <a:chExt cx="0" cy="0"/>
+        </a:xfrm>
+      </p:grpSpPr>
+      <p:sp>
+        <p:nvSpPr>
+          <p:cNvPr id="2" name="Заголовок 1"/>
+          <p:cNvSpPr>
+            <a:spLocks noGrp="1"/>
+          </p:cNvSpPr>
+          <p:nvPr>
+            <p:ph type="title"/>
+          </p:nvPr>
+        </p:nvSpPr>
+        <p:spPr>
+          <a:xfrm>
+            <a:off x="838200" y="79131"/>
+            <a:ext cx="10515600" cy="574065"/>
+          </a:xfrm>
+        </p:spPr>
+        <p:txBody>
+          <a:bodyPr>
+            <a:noAutofit/>
+          </a:bodyPr>
+          <a:lstStyle/>
+          <a:p>
+            <a:r>
+              <a:rPr lang="uk-UA" sz="3200" dirty="0"/>
+              <a:t>Опис сценаріїв використання прецедентів ПП</a:t>
+            </a:r>
+            <a:endParaRPr lang="ru-RU" sz="3200" dirty="0">
+              <a:latin typeface="+mn-lt"/>
+            </a:endParaRPr>
+          </a:p>
+        </p:txBody>
+      </p:sp>
+      <p:sp>
+        <p:nvSpPr>
+          <p:cNvPr id="3" name="Объект 2"/>
+          <p:cNvSpPr>
+            <a:spLocks noGrp="1"/>
+          </p:cNvSpPr>
+          <p:nvPr>
+            <p:ph idx="1"/>
+          </p:nvPr>
+        </p:nvSpPr>
+        <p:spPr>
+          <a:xfrm>
+            <a:off x="838200" y="653197"/>
+            <a:ext cx="10515600" cy="6080112"/>
+          </a:xfrm>
+        </p:spPr>
+        <p:txBody>
+          <a:bodyPr>
+            <a:normAutofit fontScale="55000" lnSpcReduction="20000"/>
+          </a:bodyPr>
+          <a:lstStyle/>
+          <a:p>
+            <a:pPr marL="0" indent="0">
+              <a:buNone/>
+            </a:pPr>
+            <a:r>
+              <a:rPr lang="uk-UA" sz="3200" b="1" dirty="0" smtClean="0"/>
+              <a:t>Додавання фільмів.</a:t>
+            </a:r>
+          </a:p>
+          <a:p>
+            <a:pPr marL="0" indent="0">
+              <a:buNone/>
+            </a:pPr>
+            <a:endParaRPr lang="ru-RU" sz="3200" b="1" dirty="0"/>
+          </a:p>
+          <a:p>
+            <a:pPr marL="0" indent="0">
+              <a:buNone/>
+            </a:pPr>
+            <a:r>
+              <a:rPr lang="ru-RU" dirty="0" err="1" smtClean="0"/>
+              <a:t>Передумова</a:t>
+            </a:r>
+            <a:r>
+              <a:rPr lang="ru-RU" dirty="0" smtClean="0"/>
+              <a:t>: </a:t>
+            </a:r>
+            <a:r>
+              <a:rPr lang="ru-RU" dirty="0" err="1" smtClean="0"/>
+              <a:t>Користувач</a:t>
+            </a:r>
+            <a:r>
+              <a:rPr lang="ru-RU" dirty="0" smtClean="0"/>
+              <a:t> </a:t>
+            </a:r>
+            <a:r>
+              <a:rPr lang="ru-RU" dirty="0" err="1" smtClean="0"/>
+              <a:t>має</a:t>
+            </a:r>
+            <a:r>
+              <a:rPr lang="ru-RU" dirty="0" smtClean="0"/>
+              <a:t> бути у </a:t>
+            </a:r>
+            <a:r>
+              <a:rPr lang="ru-RU" dirty="0" err="1" smtClean="0"/>
+              <a:t>своєму</a:t>
+            </a:r>
+            <a:r>
+              <a:rPr lang="ru-RU" dirty="0" smtClean="0"/>
+              <a:t> </a:t>
+            </a:r>
+            <a:r>
+              <a:rPr lang="ru-RU" dirty="0" err="1" smtClean="0"/>
+              <a:t>особистому</a:t>
+            </a:r>
+            <a:r>
+              <a:rPr lang="ru-RU" dirty="0" smtClean="0"/>
+              <a:t> </a:t>
+            </a:r>
+            <a:r>
+              <a:rPr lang="ru-RU" dirty="0" err="1" smtClean="0"/>
+              <a:t>кабінеті</a:t>
+            </a:r>
+            <a:r>
+              <a:rPr lang="ru-RU" dirty="0" smtClean="0"/>
+              <a:t>.</a:t>
+            </a:r>
+          </a:p>
+          <a:p>
+            <a:pPr marL="0" indent="0">
+              <a:buNone/>
+            </a:pPr>
+            <a:r>
+              <a:rPr lang="ru-RU" dirty="0" err="1" smtClean="0"/>
+              <a:t>Актори</a:t>
+            </a:r>
+            <a:r>
+              <a:rPr lang="ru-RU" dirty="0" smtClean="0"/>
+              <a:t> </a:t>
+            </a:r>
+            <a:r>
+              <a:rPr lang="ru-RU" dirty="0" err="1" smtClean="0"/>
+              <a:t>які</a:t>
+            </a:r>
+            <a:r>
+              <a:rPr lang="ru-RU" dirty="0" smtClean="0"/>
+              <a:t> </a:t>
+            </a:r>
+            <a:r>
+              <a:rPr lang="ru-RU" dirty="0" err="1" smtClean="0"/>
+              <a:t>можуть</a:t>
+            </a:r>
+            <a:r>
+              <a:rPr lang="ru-RU" dirty="0" smtClean="0"/>
+              <a:t> </a:t>
+            </a:r>
+            <a:r>
+              <a:rPr lang="ru-RU" dirty="0" err="1" smtClean="0"/>
+              <a:t>виконувати</a:t>
+            </a:r>
+            <a:r>
+              <a:rPr lang="ru-RU" dirty="0" smtClean="0"/>
+              <a:t>: </a:t>
+            </a:r>
+            <a:r>
+              <a:rPr lang="ru-RU" dirty="0" err="1" smtClean="0"/>
+              <a:t>Адмінфстратор</a:t>
+            </a:r>
+            <a:r>
+              <a:rPr lang="ru-RU" dirty="0" smtClean="0"/>
+              <a:t>, </a:t>
+            </a:r>
+            <a:r>
+              <a:rPr lang="ru-RU" dirty="0" err="1" smtClean="0"/>
+              <a:t>Користувач</a:t>
+            </a:r>
+            <a:r>
+              <a:rPr lang="ru-RU" dirty="0" smtClean="0"/>
+              <a:t>.</a:t>
+            </a:r>
+            <a:endParaRPr lang="uk-UA" dirty="0" smtClean="0"/>
+          </a:p>
+          <a:p>
+            <a:pPr marL="0" indent="0">
+              <a:buNone/>
+            </a:pPr>
+            <a:r>
+              <a:rPr lang="ru-RU" dirty="0" err="1" smtClean="0"/>
+              <a:t>Актор</a:t>
+            </a:r>
+            <a:r>
+              <a:rPr lang="ru-RU" dirty="0" err="1" smtClean="0"/>
+              <a:t>-основний</a:t>
+            </a:r>
+            <a:r>
+              <a:rPr lang="ru-RU" dirty="0" smtClean="0"/>
+              <a:t> </a:t>
+            </a:r>
+            <a:r>
+              <a:rPr lang="ru-RU" dirty="0" err="1" smtClean="0"/>
+              <a:t>ініціатор</a:t>
+            </a:r>
+            <a:r>
+              <a:rPr lang="ru-RU" dirty="0" smtClean="0"/>
+              <a:t>: </a:t>
+            </a:r>
+            <a:r>
+              <a:rPr lang="ru-RU" dirty="0" err="1" smtClean="0"/>
+              <a:t>Користувач</a:t>
+            </a:r>
+            <a:r>
+              <a:rPr lang="ru-RU" dirty="0" smtClean="0"/>
+              <a:t>, </a:t>
+            </a:r>
+            <a:r>
+              <a:rPr lang="ru-RU" dirty="0" err="1" smtClean="0"/>
+              <a:t>Адміністратор</a:t>
+            </a:r>
+            <a:r>
+              <a:rPr lang="ru-RU" dirty="0" smtClean="0"/>
+              <a:t>.</a:t>
+            </a:r>
+            <a:endParaRPr lang="ru-RU" dirty="0"/>
+          </a:p>
+          <a:p>
+            <a:pPr marL="0" indent="0">
+              <a:buNone/>
+            </a:pPr>
+            <a:r>
+              <a:rPr lang="ru-RU" dirty="0" err="1" smtClean="0"/>
+              <a:t>Успішний</a:t>
+            </a:r>
+            <a:r>
+              <a:rPr lang="ru-RU" dirty="0" smtClean="0"/>
+              <a:t> результат: </a:t>
+            </a:r>
+            <a:r>
+              <a:rPr lang="ru-RU" dirty="0" err="1" smtClean="0"/>
+              <a:t>Фільм</a:t>
+            </a:r>
+            <a:r>
+              <a:rPr lang="ru-RU" dirty="0" smtClean="0"/>
+              <a:t> </a:t>
+            </a:r>
+            <a:r>
+              <a:rPr lang="ru-RU" dirty="0" err="1" smtClean="0"/>
+              <a:t>успішно</a:t>
+            </a:r>
+            <a:r>
+              <a:rPr lang="ru-RU" dirty="0" smtClean="0"/>
+              <a:t> добавлено до сайту, </a:t>
+            </a:r>
+            <a:r>
+              <a:rPr lang="ru-RU" dirty="0" err="1" smtClean="0"/>
+              <a:t>його</a:t>
+            </a:r>
+            <a:r>
+              <a:rPr lang="ru-RU" dirty="0" smtClean="0"/>
+              <a:t> </a:t>
+            </a:r>
+            <a:r>
+              <a:rPr lang="ru-RU" dirty="0" err="1" smtClean="0"/>
+              <a:t>можна</a:t>
+            </a:r>
+            <a:r>
+              <a:rPr lang="ru-RU" dirty="0" smtClean="0"/>
+              <a:t> </a:t>
+            </a:r>
+            <a:r>
+              <a:rPr lang="ru-RU" dirty="0" err="1" smtClean="0"/>
+              <a:t>знайти</a:t>
+            </a:r>
+            <a:r>
+              <a:rPr lang="ru-RU" dirty="0" smtClean="0"/>
+              <a:t> у </a:t>
+            </a:r>
+            <a:r>
+              <a:rPr lang="ru-RU" dirty="0" err="1" smtClean="0"/>
+              <a:t>пошуку</a:t>
+            </a:r>
+            <a:r>
+              <a:rPr lang="ru-RU" dirty="0" smtClean="0"/>
+              <a:t>.</a:t>
+            </a:r>
+          </a:p>
+          <a:p>
+            <a:pPr marL="0" indent="0">
+              <a:buNone/>
+            </a:pPr>
+            <a:r>
+              <a:rPr lang="ru-RU" dirty="0" err="1" smtClean="0"/>
+              <a:t>Успішний</a:t>
+            </a:r>
+            <a:r>
+              <a:rPr lang="ru-RU" dirty="0" smtClean="0"/>
+              <a:t> </a:t>
+            </a:r>
+            <a:r>
+              <a:rPr lang="ru-RU" dirty="0" err="1" smtClean="0"/>
+              <a:t>сценарій</a:t>
+            </a:r>
+            <a:r>
+              <a:rPr lang="ru-RU" dirty="0" smtClean="0"/>
+              <a:t>: </a:t>
+            </a:r>
+          </a:p>
+          <a:p>
+            <a:pPr marL="0" indent="0">
+              <a:buNone/>
+            </a:pPr>
+            <a:r>
+              <a:rPr lang="ru-RU" dirty="0" smtClean="0"/>
+              <a:t>1. </a:t>
+            </a:r>
+            <a:r>
+              <a:rPr lang="ru-RU" dirty="0" err="1" smtClean="0"/>
+              <a:t>Гість</a:t>
+            </a:r>
+            <a:r>
+              <a:rPr lang="ru-RU" dirty="0" smtClean="0"/>
+              <a:t> переходить до </a:t>
+            </a:r>
+            <a:r>
+              <a:rPr lang="ru-RU" dirty="0" err="1" smtClean="0"/>
+              <a:t>сторінки</a:t>
+            </a:r>
+            <a:r>
+              <a:rPr lang="ru-RU" dirty="0" smtClean="0"/>
+              <a:t> </a:t>
+            </a:r>
+            <a:r>
+              <a:rPr lang="ru-RU" dirty="0" err="1" smtClean="0"/>
+              <a:t>логіну</a:t>
+            </a:r>
+            <a:r>
+              <a:rPr lang="ru-RU" dirty="0"/>
+              <a:t>;</a:t>
+            </a:r>
+            <a:endParaRPr lang="ru-RU" dirty="0" smtClean="0"/>
+          </a:p>
+          <a:p>
+            <a:pPr marL="0" indent="0">
+              <a:buNone/>
+            </a:pPr>
+            <a:r>
+              <a:rPr lang="uk-UA" dirty="0" smtClean="0"/>
+              <a:t>2. Гість реєструється;</a:t>
+            </a:r>
+          </a:p>
+          <a:p>
+            <a:pPr marL="0" indent="0">
+              <a:buNone/>
+            </a:pPr>
+            <a:r>
+              <a:rPr lang="uk-UA" dirty="0" smtClean="0"/>
+              <a:t>3. Вже користувач переходить до сторінки загрузки фільму;</a:t>
+            </a:r>
+          </a:p>
+          <a:p>
+            <a:pPr marL="0" indent="0">
+              <a:buNone/>
+            </a:pPr>
+            <a:r>
+              <a:rPr lang="uk-UA" dirty="0" smtClean="0"/>
+              <a:t>4. Сайт просить ввести дані про фільм;</a:t>
+            </a:r>
+          </a:p>
+          <a:p>
+            <a:pPr marL="0" indent="0">
+              <a:buNone/>
+            </a:pPr>
+            <a:r>
+              <a:rPr lang="uk-UA" dirty="0" smtClean="0"/>
+              <a:t>5. Користувач вводить;</a:t>
+            </a:r>
+          </a:p>
+          <a:p>
+            <a:pPr marL="0" indent="0">
+              <a:buNone/>
+            </a:pPr>
+            <a:r>
+              <a:rPr lang="uk-UA" dirty="0" smtClean="0"/>
+              <a:t>6. Повідомлення, що фільм загружено успішно.</a:t>
+            </a:r>
+            <a:endParaRPr lang="en-US" dirty="0" smtClean="0"/>
+          </a:p>
+          <a:p>
+            <a:pPr marL="0" indent="0">
+              <a:buNone/>
+            </a:pPr>
+            <a:r>
+              <a:rPr lang="ru-RU" dirty="0" err="1" smtClean="0"/>
+              <a:t>Альтернативний</a:t>
+            </a:r>
+            <a:r>
+              <a:rPr lang="ru-RU" dirty="0" smtClean="0"/>
+              <a:t> </a:t>
+            </a:r>
+            <a:r>
+              <a:rPr lang="ru-RU" dirty="0" err="1" smtClean="0"/>
+              <a:t>сценарій</a:t>
+            </a:r>
+            <a:r>
+              <a:rPr lang="ru-RU" dirty="0" smtClean="0"/>
+              <a:t>:</a:t>
+            </a:r>
+          </a:p>
+          <a:p>
+            <a:pPr marL="0" indent="0">
+              <a:buNone/>
+            </a:pPr>
+            <a:r>
+              <a:rPr lang="ru-RU" dirty="0" smtClean="0"/>
+              <a:t>1</a:t>
+            </a:r>
+            <a:r>
+              <a:rPr lang="ru-RU" dirty="0"/>
+              <a:t>. </a:t>
+            </a:r>
+            <a:r>
+              <a:rPr lang="ru-RU" dirty="0" err="1"/>
+              <a:t>Гість</a:t>
+            </a:r>
+            <a:r>
+              <a:rPr lang="ru-RU" dirty="0"/>
+              <a:t> переходить до </a:t>
+            </a:r>
+            <a:r>
+              <a:rPr lang="ru-RU" dirty="0" err="1"/>
+              <a:t>сторінки</a:t>
+            </a:r>
+            <a:r>
+              <a:rPr lang="ru-RU" dirty="0"/>
+              <a:t> </a:t>
+            </a:r>
+            <a:r>
+              <a:rPr lang="ru-RU" dirty="0" err="1"/>
+              <a:t>логіну</a:t>
+            </a:r>
+            <a:r>
+              <a:rPr lang="ru-RU" dirty="0"/>
+              <a:t>;</a:t>
+            </a:r>
+          </a:p>
+          <a:p>
+            <a:pPr marL="0" indent="0">
+              <a:buNone/>
+            </a:pPr>
+            <a:r>
+              <a:rPr lang="uk-UA" dirty="0"/>
+              <a:t>2. Гість реєструється;</a:t>
+            </a:r>
+          </a:p>
+          <a:p>
+            <a:pPr marL="0" indent="0">
+              <a:buNone/>
+            </a:pPr>
+            <a:r>
+              <a:rPr lang="uk-UA" dirty="0"/>
+              <a:t>3. Вже користувач переходить до сторінки загрузки фільму;</a:t>
+            </a:r>
+          </a:p>
+          <a:p>
+            <a:pPr marL="0" indent="0">
+              <a:buNone/>
+            </a:pPr>
+            <a:r>
+              <a:rPr lang="uk-UA" dirty="0"/>
+              <a:t>4. Сайт просить ввести дані про </a:t>
+            </a:r>
+            <a:r>
+              <a:rPr lang="uk-UA" dirty="0" smtClean="0"/>
+              <a:t>фільм;</a:t>
+            </a:r>
+            <a:endParaRPr lang="uk-UA" dirty="0"/>
+          </a:p>
+          <a:p>
+            <a:pPr marL="0" indent="0">
+              <a:buNone/>
+            </a:pPr>
+            <a:r>
+              <a:rPr lang="uk-UA" dirty="0"/>
+              <a:t>5. Користувач </a:t>
+            </a:r>
+            <a:r>
+              <a:rPr lang="uk-UA" dirty="0" smtClean="0"/>
+              <a:t>вводить і загружає непрацюючий файл фільму;</a:t>
+            </a:r>
+            <a:endParaRPr lang="uk-UA" dirty="0"/>
+          </a:p>
+          <a:p>
+            <a:pPr marL="0" indent="0">
+              <a:buNone/>
+            </a:pPr>
+            <a:r>
+              <a:rPr lang="uk-UA" dirty="0"/>
+              <a:t>6. Повідомлення, </a:t>
+            </a:r>
+            <a:r>
+              <a:rPr lang="uk-UA" dirty="0" smtClean="0"/>
+              <a:t>що файл не працює.</a:t>
+            </a:r>
+            <a:endParaRPr lang="en-US" dirty="0"/>
+          </a:p>
+          <a:p>
+            <a:pPr marL="0" indent="0">
+              <a:buNone/>
+            </a:pPr>
+            <a:endParaRPr lang="ru-RU" dirty="0" smtClean="0"/>
+          </a:p>
+        </p:txBody>
+      </p:sp>
+    </p:spTree>
+    <p:extLst>
+      <p:ext uri="{BB962C8B-B14F-4D97-AF65-F5344CB8AC3E}">
+        <p14:creationId xmlns:p14="http://schemas.microsoft.com/office/powerpoint/2010/main" val="3743806110"/>
+      </p:ext>
+    </p:extLst>
+  </p:cSld>
+  <p:clrMapOvr>
+    <a:masterClrMapping/>
+  </p:clrMapOvr>
+</p:sld>
+</file>
+
+<file path=ppt/slides/slide7.xml><?xml version="1.0" encoding="utf-8"?>
+<p:sld xmlns:a="http://schemas.openxmlformats.org/drawingml/2006/main" xmlns:r="http://schemas.openxmlformats.org/officeDocument/2006/relationships" xmlns:p="http://schemas.openxmlformats.org/presentationml/2006/main">
+  <p:cSld>
+    <p:spTree>
+      <p:nvGrpSpPr>
+        <p:cNvPr id="1" name=""/>
+        <p:cNvGrpSpPr/>
+        <p:nvPr/>
+      </p:nvGrpSpPr>
+      <p:grpSpPr>
+        <a:xfrm>
+          <a:off x="0" y="0"/>
+          <a:ext cx="0" cy="0"/>
+          <a:chOff x="0" y="0"/>
+          <a:chExt cx="0" cy="0"/>
+        </a:xfrm>
+      </p:grpSpPr>
+      <p:sp>
+        <p:nvSpPr>
+          <p:cNvPr id="2" name="Заголовок 1"/>
+          <p:cNvSpPr>
+            <a:spLocks noGrp="1"/>
+          </p:cNvSpPr>
+          <p:nvPr>
+            <p:ph type="title"/>
+          </p:nvPr>
+        </p:nvSpPr>
+        <p:spPr>
+          <a:xfrm>
+            <a:off x="838200" y="79131"/>
+            <a:ext cx="10515600" cy="574065"/>
+          </a:xfrm>
+        </p:spPr>
+        <p:txBody>
+          <a:bodyPr>
+            <a:noAutofit/>
+          </a:bodyPr>
+          <a:lstStyle/>
+          <a:p>
+            <a:r>
+              <a:rPr lang="uk-UA" sz="3200" dirty="0"/>
+              <a:t>Опис сценаріїв використання прецедентів ПП</a:t>
+            </a:r>
+            <a:endParaRPr lang="ru-RU" sz="3200" dirty="0">
+              <a:latin typeface="+mn-lt"/>
+            </a:endParaRPr>
+          </a:p>
+        </p:txBody>
+      </p:sp>
+      <p:sp>
+        <p:nvSpPr>
+          <p:cNvPr id="3" name="Объект 2"/>
+          <p:cNvSpPr>
+            <a:spLocks noGrp="1"/>
+          </p:cNvSpPr>
+          <p:nvPr>
+            <p:ph idx="1"/>
+          </p:nvPr>
+        </p:nvSpPr>
+        <p:spPr>
+          <a:xfrm>
+            <a:off x="838200" y="653197"/>
+            <a:ext cx="10515600" cy="6080112"/>
+          </a:xfrm>
+        </p:spPr>
+        <p:txBody>
+          <a:bodyPr>
+            <a:normAutofit fontScale="55000" lnSpcReduction="20000"/>
+          </a:bodyPr>
+          <a:lstStyle/>
+          <a:p>
+            <a:pPr marL="0" indent="0">
+              <a:buNone/>
+            </a:pPr>
+            <a:r>
+              <a:rPr lang="uk-UA" sz="3200" b="1" dirty="0" err="1" smtClean="0"/>
+              <a:t>Пожертування</a:t>
+            </a:r>
+            <a:r>
+              <a:rPr lang="uk-UA" sz="3200" b="1" dirty="0" smtClean="0"/>
+              <a:t> творцям фільмів.</a:t>
+            </a:r>
+          </a:p>
+          <a:p>
+            <a:pPr marL="0" indent="0">
+              <a:buNone/>
+            </a:pPr>
+            <a:endParaRPr lang="ru-RU" sz="3200" b="1" dirty="0"/>
+          </a:p>
+          <a:p>
+            <a:pPr marL="0" indent="0">
+              <a:buNone/>
+            </a:pPr>
+            <a:r>
+              <a:rPr lang="ru-RU" dirty="0" err="1" smtClean="0"/>
+              <a:t>Передумова</a:t>
+            </a:r>
+            <a:r>
+              <a:rPr lang="ru-RU" dirty="0" smtClean="0"/>
+              <a:t>: </a:t>
+            </a:r>
+            <a:r>
+              <a:rPr lang="ru-RU" dirty="0" err="1" smtClean="0"/>
+              <a:t>Користувач</a:t>
+            </a:r>
+            <a:r>
+              <a:rPr lang="ru-RU" dirty="0" smtClean="0"/>
+              <a:t> </a:t>
+            </a:r>
+            <a:r>
+              <a:rPr lang="ru-RU" dirty="0" err="1" smtClean="0"/>
+              <a:t>має</a:t>
+            </a:r>
+            <a:r>
+              <a:rPr lang="ru-RU" dirty="0" smtClean="0"/>
+              <a:t> бути у </a:t>
+            </a:r>
+            <a:r>
+              <a:rPr lang="ru-RU" dirty="0" err="1" smtClean="0"/>
+              <a:t>своєму</a:t>
+            </a:r>
+            <a:r>
+              <a:rPr lang="ru-RU" dirty="0" smtClean="0"/>
+              <a:t> </a:t>
+            </a:r>
+            <a:r>
+              <a:rPr lang="ru-RU" dirty="0" err="1" smtClean="0"/>
+              <a:t>особистому</a:t>
+            </a:r>
+            <a:r>
+              <a:rPr lang="ru-RU" dirty="0" smtClean="0"/>
+              <a:t> </a:t>
+            </a:r>
+            <a:r>
+              <a:rPr lang="ru-RU" dirty="0" err="1" smtClean="0"/>
+              <a:t>кабінеті</a:t>
+            </a:r>
+            <a:r>
+              <a:rPr lang="ru-RU" dirty="0" smtClean="0"/>
+              <a:t>.</a:t>
+            </a:r>
+          </a:p>
+          <a:p>
+            <a:pPr marL="0" indent="0">
+              <a:buNone/>
+            </a:pPr>
+            <a:r>
+              <a:rPr lang="ru-RU" dirty="0" err="1" smtClean="0"/>
+              <a:t>Актори</a:t>
+            </a:r>
+            <a:r>
+              <a:rPr lang="ru-RU" dirty="0" smtClean="0"/>
+              <a:t> </a:t>
+            </a:r>
+            <a:r>
+              <a:rPr lang="ru-RU" dirty="0" err="1" smtClean="0"/>
+              <a:t>які</a:t>
+            </a:r>
+            <a:r>
+              <a:rPr lang="ru-RU" dirty="0" smtClean="0"/>
+              <a:t> </a:t>
+            </a:r>
+            <a:r>
+              <a:rPr lang="ru-RU" dirty="0" err="1" smtClean="0"/>
+              <a:t>можуть</a:t>
+            </a:r>
+            <a:r>
+              <a:rPr lang="ru-RU" dirty="0" smtClean="0"/>
+              <a:t> </a:t>
+            </a:r>
+            <a:r>
+              <a:rPr lang="ru-RU" dirty="0" err="1" smtClean="0"/>
+              <a:t>виконувати</a:t>
+            </a:r>
+            <a:r>
+              <a:rPr lang="ru-RU" dirty="0" smtClean="0"/>
+              <a:t>: </a:t>
+            </a:r>
+            <a:r>
+              <a:rPr lang="ru-RU" dirty="0" err="1" smtClean="0"/>
+              <a:t>Адмінфстратор</a:t>
+            </a:r>
+            <a:r>
+              <a:rPr lang="ru-RU" dirty="0" smtClean="0"/>
+              <a:t>, </a:t>
+            </a:r>
+            <a:r>
+              <a:rPr lang="ru-RU" dirty="0" err="1" smtClean="0"/>
+              <a:t>Користувач</a:t>
+            </a:r>
+            <a:r>
+              <a:rPr lang="ru-RU" dirty="0" smtClean="0"/>
+              <a:t>.</a:t>
+            </a:r>
+            <a:endParaRPr lang="uk-UA" dirty="0" smtClean="0"/>
+          </a:p>
+          <a:p>
+            <a:pPr marL="0" indent="0">
+              <a:buNone/>
+            </a:pPr>
+            <a:r>
+              <a:rPr lang="ru-RU" dirty="0" err="1" smtClean="0"/>
+              <a:t>Актор</a:t>
+            </a:r>
+            <a:r>
+              <a:rPr lang="ru-RU" dirty="0" err="1" smtClean="0"/>
+              <a:t>-основний</a:t>
+            </a:r>
+            <a:r>
+              <a:rPr lang="ru-RU" dirty="0" smtClean="0"/>
+              <a:t> </a:t>
+            </a:r>
+            <a:r>
+              <a:rPr lang="ru-RU" dirty="0" err="1" smtClean="0"/>
+              <a:t>ініціатор</a:t>
+            </a:r>
+            <a:r>
+              <a:rPr lang="ru-RU" dirty="0" smtClean="0"/>
+              <a:t>: </a:t>
+            </a:r>
+            <a:r>
+              <a:rPr lang="ru-RU" dirty="0" err="1" smtClean="0"/>
+              <a:t>Сторонній</a:t>
+            </a:r>
+            <a:r>
+              <a:rPr lang="ru-RU" dirty="0" smtClean="0"/>
+              <a:t> </a:t>
+            </a:r>
+            <a:r>
+              <a:rPr lang="ru-RU" dirty="0" err="1" smtClean="0"/>
+              <a:t>сервіс</a:t>
+            </a:r>
+            <a:r>
+              <a:rPr lang="ru-RU" dirty="0" smtClean="0"/>
+              <a:t> по переводу </a:t>
+            </a:r>
+            <a:r>
+              <a:rPr lang="ru-RU" dirty="0" err="1" smtClean="0"/>
+              <a:t>коштів</a:t>
+            </a:r>
+            <a:r>
+              <a:rPr lang="ru-RU" dirty="0" smtClean="0"/>
+              <a:t>.</a:t>
+            </a:r>
+            <a:endParaRPr lang="ru-RU" dirty="0"/>
+          </a:p>
+          <a:p>
+            <a:pPr marL="0" indent="0">
+              <a:buNone/>
+            </a:pPr>
+            <a:r>
+              <a:rPr lang="ru-RU" dirty="0" err="1" smtClean="0"/>
+              <a:t>Успішний</a:t>
+            </a:r>
+            <a:r>
+              <a:rPr lang="ru-RU" dirty="0" smtClean="0"/>
+              <a:t> результат: </a:t>
+            </a:r>
+            <a:r>
+              <a:rPr lang="ru-RU" dirty="0" err="1" smtClean="0"/>
+              <a:t>Успішно</a:t>
+            </a:r>
+            <a:r>
+              <a:rPr lang="ru-RU" dirty="0" smtClean="0"/>
+              <a:t> </a:t>
+            </a:r>
+            <a:r>
+              <a:rPr lang="ru-RU" dirty="0" err="1" smtClean="0"/>
+              <a:t>відправлено</a:t>
+            </a:r>
+            <a:r>
+              <a:rPr lang="ru-RU" dirty="0" smtClean="0"/>
+              <a:t> </a:t>
+            </a:r>
+            <a:r>
+              <a:rPr lang="ru-RU" dirty="0" err="1" smtClean="0"/>
+              <a:t>гроші</a:t>
+            </a:r>
+            <a:r>
+              <a:rPr lang="ru-RU" dirty="0" smtClean="0"/>
+              <a:t> до </a:t>
+            </a:r>
+            <a:r>
+              <a:rPr lang="ru-RU" dirty="0" err="1" smtClean="0"/>
+              <a:t>творця</a:t>
+            </a:r>
+            <a:r>
+              <a:rPr lang="ru-RU" dirty="0" smtClean="0"/>
+              <a:t>.</a:t>
+            </a:r>
+          </a:p>
+          <a:p>
+            <a:pPr marL="0" indent="0">
+              <a:buNone/>
+            </a:pPr>
+            <a:r>
+              <a:rPr lang="ru-RU" dirty="0" smtClean="0"/>
+              <a:t>1. </a:t>
+            </a:r>
+            <a:r>
+              <a:rPr lang="ru-RU" dirty="0" err="1" smtClean="0"/>
+              <a:t>Гість</a:t>
+            </a:r>
+            <a:r>
+              <a:rPr lang="ru-RU" dirty="0" smtClean="0"/>
+              <a:t> переходить до </a:t>
+            </a:r>
+            <a:r>
+              <a:rPr lang="ru-RU" dirty="0" err="1" smtClean="0"/>
+              <a:t>сторінки</a:t>
+            </a:r>
+            <a:r>
+              <a:rPr lang="ru-RU" dirty="0" smtClean="0"/>
+              <a:t> </a:t>
+            </a:r>
+            <a:r>
+              <a:rPr lang="ru-RU" dirty="0" err="1" smtClean="0"/>
+              <a:t>логіну</a:t>
+            </a:r>
+            <a:r>
+              <a:rPr lang="ru-RU" dirty="0"/>
+              <a:t>;</a:t>
+            </a:r>
+            <a:endParaRPr lang="ru-RU" dirty="0" smtClean="0"/>
+          </a:p>
+          <a:p>
+            <a:pPr marL="0" indent="0">
+              <a:buNone/>
+            </a:pPr>
+            <a:r>
+              <a:rPr lang="uk-UA" dirty="0" smtClean="0"/>
+              <a:t>2. Гість реєструється, або заходить до свого </a:t>
+            </a:r>
+            <a:r>
+              <a:rPr lang="uk-UA" dirty="0" err="1" smtClean="0"/>
+              <a:t>аккаунту</a:t>
+            </a:r>
+            <a:r>
+              <a:rPr lang="uk-UA" dirty="0" smtClean="0"/>
+              <a:t>;</a:t>
+            </a:r>
+          </a:p>
+          <a:p>
+            <a:pPr marL="0" indent="0">
+              <a:buNone/>
+            </a:pPr>
+            <a:r>
+              <a:rPr lang="uk-UA" dirty="0" smtClean="0"/>
+              <a:t>3. Вже користувач переходить до сторінки фільму;</a:t>
+            </a:r>
+          </a:p>
+          <a:p>
+            <a:pPr marL="0" indent="0">
+              <a:buNone/>
+            </a:pPr>
+            <a:r>
+              <a:rPr lang="uk-UA" dirty="0" smtClean="0"/>
+              <a:t>4. Сайт дає можливість пожертвування;</a:t>
+            </a:r>
+          </a:p>
+          <a:p>
+            <a:pPr marL="0" indent="0">
+              <a:buNone/>
+            </a:pPr>
+            <a:r>
+              <a:rPr lang="uk-UA" dirty="0" smtClean="0"/>
+              <a:t>5. Користувач </a:t>
+            </a:r>
+            <a:r>
+              <a:rPr lang="uk-UA" dirty="0" err="1" smtClean="0"/>
+              <a:t>клікає</a:t>
+            </a:r>
+            <a:r>
+              <a:rPr lang="uk-UA" dirty="0" smtClean="0"/>
+              <a:t> на кнопку «Пожертвувати»;</a:t>
+            </a:r>
+          </a:p>
+          <a:p>
+            <a:pPr marL="0" indent="0">
+              <a:buNone/>
+            </a:pPr>
+            <a:r>
+              <a:rPr lang="uk-UA" dirty="0" smtClean="0"/>
+              <a:t>6. </a:t>
+            </a:r>
+            <a:r>
+              <a:rPr lang="uk-UA" dirty="0" err="1" smtClean="0"/>
+              <a:t>Відкрівається</a:t>
+            </a:r>
+            <a:r>
+              <a:rPr lang="uk-UA" dirty="0" smtClean="0"/>
+              <a:t> сторонній сайт для переводу коштів.</a:t>
+            </a:r>
+          </a:p>
+          <a:p>
+            <a:pPr marL="0" indent="0">
+              <a:buNone/>
+            </a:pPr>
+            <a:r>
+              <a:rPr lang="uk-UA" dirty="0" smtClean="0"/>
+              <a:t>7. Користувач переводить кошти.</a:t>
+            </a:r>
+          </a:p>
+          <a:p>
+            <a:pPr marL="0" indent="0">
+              <a:buNone/>
+            </a:pPr>
+            <a:r>
+              <a:rPr lang="uk-UA" dirty="0" smtClean="0"/>
+              <a:t>8. Успішне повідомлення.</a:t>
+            </a:r>
+            <a:endParaRPr lang="en-US" dirty="0" smtClean="0"/>
+          </a:p>
+          <a:p>
+            <a:pPr marL="0" indent="0">
+              <a:buNone/>
+            </a:pPr>
+            <a:r>
+              <a:rPr lang="ru-RU" dirty="0" err="1" smtClean="0"/>
+              <a:t>Альтернативний</a:t>
+            </a:r>
+            <a:r>
+              <a:rPr lang="ru-RU" dirty="0" smtClean="0"/>
+              <a:t> </a:t>
+            </a:r>
+            <a:r>
+              <a:rPr lang="ru-RU" dirty="0" err="1" smtClean="0"/>
+              <a:t>сценарій</a:t>
+            </a:r>
+            <a:r>
+              <a:rPr lang="ru-RU" dirty="0" smtClean="0"/>
+              <a:t>:</a:t>
+            </a:r>
+          </a:p>
+          <a:p>
+            <a:pPr marL="0" indent="0">
+              <a:buNone/>
+            </a:pPr>
+            <a:r>
+              <a:rPr lang="ru-RU" dirty="0"/>
+              <a:t>1. </a:t>
+            </a:r>
+            <a:r>
+              <a:rPr lang="ru-RU" dirty="0" err="1"/>
+              <a:t>Гість</a:t>
+            </a:r>
+            <a:r>
+              <a:rPr lang="ru-RU" dirty="0"/>
+              <a:t> переходить до </a:t>
+            </a:r>
+            <a:r>
+              <a:rPr lang="ru-RU" dirty="0" err="1"/>
+              <a:t>сторінки</a:t>
+            </a:r>
+            <a:r>
+              <a:rPr lang="ru-RU" dirty="0"/>
+              <a:t> </a:t>
+            </a:r>
+            <a:r>
+              <a:rPr lang="ru-RU" dirty="0" err="1"/>
+              <a:t>логіну</a:t>
+            </a:r>
+            <a:r>
+              <a:rPr lang="ru-RU" dirty="0"/>
+              <a:t>;</a:t>
+            </a:r>
+          </a:p>
+          <a:p>
+            <a:pPr marL="0" indent="0">
+              <a:buNone/>
+            </a:pPr>
+            <a:r>
+              <a:rPr lang="uk-UA" dirty="0"/>
+              <a:t>2. Гість реєструється, або заходить до свого </a:t>
+            </a:r>
+            <a:r>
+              <a:rPr lang="uk-UA" dirty="0" err="1"/>
+              <a:t>аккаунту</a:t>
+            </a:r>
+            <a:r>
+              <a:rPr lang="uk-UA" dirty="0"/>
+              <a:t>;</a:t>
+            </a:r>
+          </a:p>
+          <a:p>
+            <a:pPr marL="0" indent="0">
+              <a:buNone/>
+            </a:pPr>
+            <a:r>
+              <a:rPr lang="uk-UA" dirty="0"/>
+              <a:t>3. Вже користувач переходить до сторінки фільму;</a:t>
+            </a:r>
+          </a:p>
+          <a:p>
+            <a:pPr marL="0" indent="0">
+              <a:buNone/>
+            </a:pPr>
+            <a:r>
+              <a:rPr lang="uk-UA" dirty="0"/>
+              <a:t>4. Сайт дає можливість пожертвування;</a:t>
+            </a:r>
+          </a:p>
+          <a:p>
+            <a:pPr marL="0" indent="0">
+              <a:buNone/>
+            </a:pPr>
+            <a:r>
+              <a:rPr lang="uk-UA" dirty="0"/>
+              <a:t>5. Користувач </a:t>
+            </a:r>
+            <a:r>
+              <a:rPr lang="uk-UA" dirty="0" err="1"/>
+              <a:t>клікає</a:t>
+            </a:r>
+            <a:r>
+              <a:rPr lang="uk-UA" dirty="0"/>
+              <a:t> на кнопку «Пожертвувати»;</a:t>
+            </a:r>
+          </a:p>
+          <a:p>
+            <a:pPr marL="0" indent="0">
+              <a:buNone/>
+            </a:pPr>
+            <a:r>
+              <a:rPr lang="uk-UA" dirty="0" smtClean="0"/>
+              <a:t>6. Повідомлення про те, що творець не має карти на сайті.</a:t>
+            </a:r>
+            <a:endParaRPr lang="ru-RU" dirty="0" smtClean="0"/>
+          </a:p>
+        </p:txBody>
+      </p:sp>
+    </p:spTree>
+    <p:extLst>
+      <p:ext uri="{BB962C8B-B14F-4D97-AF65-F5344CB8AC3E}">
+        <p14:creationId xmlns:p14="http://schemas.microsoft.com/office/powerpoint/2010/main" val="2910527690"/>
+      </p:ext>
+    </p:extLst>
+  </p:cSld>
+  <p:clrMapOvr>
+    <a:masterClrMapping/>
+  </p:clrMapOvr>
+</p:sld>
+</file>
+
+<file path=ppt/slides/slide8.xml><?xml version="1.0" encoding="utf-8"?>
+<p:sld xmlns:a="http://schemas.openxmlformats.org/drawingml/2006/main" xmlns:r="http://schemas.openxmlformats.org/officeDocument/2006/relationships" xmlns:p="http://schemas.openxmlformats.org/presentationml/2006/main">
+  <p:cSld>
+    <p:spTree>
+      <p:nvGrpSpPr>
+        <p:cNvPr id="1" name=""/>
+        <p:cNvGrpSpPr/>
+        <p:nvPr/>
+      </p:nvGrpSpPr>
+      <p:grpSpPr>
+        <a:xfrm>
+          <a:off x="0" y="0"/>
+          <a:ext cx="0" cy="0"/>
+          <a:chOff x="0" y="0"/>
+          <a:chExt cx="0" cy="0"/>
+        </a:xfrm>
+      </p:grpSpPr>
+      <p:sp>
+        <p:nvSpPr>
+          <p:cNvPr id="2" name="Заголовок 1"/>
+          <p:cNvSpPr>
+            <a:spLocks noGrp="1"/>
+          </p:cNvSpPr>
+          <p:nvPr>
+            <p:ph type="title"/>
+          </p:nvPr>
+        </p:nvSpPr>
+        <p:spPr>
+          <a:xfrm>
+            <a:off x="838200" y="79131"/>
+            <a:ext cx="10515600" cy="574065"/>
+          </a:xfrm>
+        </p:spPr>
+        <p:txBody>
+          <a:bodyPr>
+            <a:noAutofit/>
+          </a:bodyPr>
+          <a:lstStyle/>
+          <a:p>
+            <a:r>
+              <a:rPr lang="uk-UA" sz="3200" dirty="0"/>
+              <a:t>Опис сценаріїв використання прецедентів ПП</a:t>
+            </a:r>
+            <a:endParaRPr lang="ru-RU" sz="3200" dirty="0">
+              <a:latin typeface="+mn-lt"/>
+            </a:endParaRPr>
+          </a:p>
+        </p:txBody>
+      </p:sp>
+      <p:sp>
+        <p:nvSpPr>
+          <p:cNvPr id="3" name="Объект 2"/>
+          <p:cNvSpPr>
+            <a:spLocks noGrp="1"/>
+          </p:cNvSpPr>
+          <p:nvPr>
+            <p:ph idx="1"/>
+          </p:nvPr>
+        </p:nvSpPr>
+        <p:spPr>
+          <a:xfrm>
+            <a:off x="838200" y="653197"/>
+            <a:ext cx="10515600" cy="6080112"/>
+          </a:xfrm>
+        </p:spPr>
+        <p:txBody>
+          <a:bodyPr>
+            <a:normAutofit fontScale="62500" lnSpcReduction="20000"/>
+          </a:bodyPr>
+          <a:lstStyle/>
+          <a:p>
+            <a:pPr marL="0" indent="0">
+              <a:buNone/>
+            </a:pPr>
+            <a:r>
+              <a:rPr lang="uk-UA" sz="3200" b="1" dirty="0" smtClean="0"/>
+              <a:t>Коментування фільмів.</a:t>
+            </a:r>
+          </a:p>
+          <a:p>
+            <a:pPr marL="0" indent="0">
+              <a:buNone/>
+            </a:pPr>
+            <a:endParaRPr lang="ru-RU" sz="3200" b="1" dirty="0"/>
+          </a:p>
+          <a:p>
+            <a:pPr marL="0" indent="0">
+              <a:buNone/>
+            </a:pPr>
+            <a:r>
+              <a:rPr lang="ru-RU" dirty="0" err="1" smtClean="0"/>
+              <a:t>Передумова</a:t>
+            </a:r>
+            <a:r>
+              <a:rPr lang="ru-RU" dirty="0" smtClean="0"/>
+              <a:t>: </a:t>
+            </a:r>
+            <a:r>
+              <a:rPr lang="ru-RU" dirty="0" err="1" smtClean="0"/>
+              <a:t>Користувач</a:t>
+            </a:r>
+            <a:r>
+              <a:rPr lang="ru-RU" dirty="0" smtClean="0"/>
+              <a:t> </a:t>
+            </a:r>
+            <a:r>
+              <a:rPr lang="ru-RU" dirty="0" err="1" smtClean="0"/>
+              <a:t>має</a:t>
+            </a:r>
+            <a:r>
+              <a:rPr lang="ru-RU" dirty="0" smtClean="0"/>
+              <a:t> бути у </a:t>
+            </a:r>
+            <a:r>
+              <a:rPr lang="ru-RU" dirty="0" err="1" smtClean="0"/>
+              <a:t>своєму</a:t>
+            </a:r>
+            <a:r>
+              <a:rPr lang="ru-RU" dirty="0" smtClean="0"/>
+              <a:t> </a:t>
+            </a:r>
+            <a:r>
+              <a:rPr lang="ru-RU" dirty="0" err="1" smtClean="0"/>
+              <a:t>особистому</a:t>
+            </a:r>
+            <a:r>
+              <a:rPr lang="ru-RU" dirty="0" smtClean="0"/>
+              <a:t> </a:t>
+            </a:r>
+            <a:r>
+              <a:rPr lang="ru-RU" dirty="0" err="1" smtClean="0"/>
+              <a:t>кабінеті</a:t>
+            </a:r>
+            <a:r>
+              <a:rPr lang="ru-RU" dirty="0" smtClean="0"/>
+              <a:t>.</a:t>
+            </a:r>
+          </a:p>
+          <a:p>
+            <a:pPr marL="0" indent="0">
+              <a:buNone/>
+            </a:pPr>
+            <a:r>
+              <a:rPr lang="ru-RU" dirty="0" err="1" smtClean="0"/>
+              <a:t>Актори</a:t>
+            </a:r>
+            <a:r>
+              <a:rPr lang="ru-RU" dirty="0" smtClean="0"/>
+              <a:t> </a:t>
+            </a:r>
+            <a:r>
+              <a:rPr lang="ru-RU" dirty="0" err="1" smtClean="0"/>
+              <a:t>які</a:t>
+            </a:r>
+            <a:r>
+              <a:rPr lang="ru-RU" dirty="0" smtClean="0"/>
+              <a:t> </a:t>
+            </a:r>
+            <a:r>
+              <a:rPr lang="ru-RU" dirty="0" err="1" smtClean="0"/>
+              <a:t>можуть</a:t>
+            </a:r>
+            <a:r>
+              <a:rPr lang="ru-RU" dirty="0" smtClean="0"/>
+              <a:t> </a:t>
+            </a:r>
+            <a:r>
+              <a:rPr lang="ru-RU" dirty="0" err="1" smtClean="0"/>
+              <a:t>виконувати</a:t>
+            </a:r>
+            <a:r>
+              <a:rPr lang="ru-RU" dirty="0" smtClean="0"/>
+              <a:t>: </a:t>
+            </a:r>
+            <a:r>
+              <a:rPr lang="ru-RU" dirty="0" err="1" smtClean="0"/>
+              <a:t>Адмінфстратор</a:t>
+            </a:r>
+            <a:r>
+              <a:rPr lang="ru-RU" dirty="0" smtClean="0"/>
+              <a:t>, </a:t>
+            </a:r>
+            <a:r>
+              <a:rPr lang="ru-RU" dirty="0" err="1" smtClean="0"/>
+              <a:t>Користувач</a:t>
+            </a:r>
+            <a:r>
+              <a:rPr lang="ru-RU" dirty="0" smtClean="0"/>
+              <a:t>.</a:t>
+            </a:r>
+            <a:endParaRPr lang="uk-UA" dirty="0" smtClean="0"/>
+          </a:p>
+          <a:p>
+            <a:pPr marL="0" indent="0">
+              <a:buNone/>
+            </a:pPr>
+            <a:r>
+              <a:rPr lang="ru-RU" dirty="0" err="1" smtClean="0"/>
+              <a:t>Актор</a:t>
+            </a:r>
+            <a:r>
+              <a:rPr lang="ru-RU" dirty="0" err="1" smtClean="0"/>
+              <a:t>-основний</a:t>
+            </a:r>
+            <a:r>
+              <a:rPr lang="ru-RU" dirty="0" smtClean="0"/>
+              <a:t> </a:t>
+            </a:r>
+            <a:r>
+              <a:rPr lang="ru-RU" dirty="0" err="1" smtClean="0"/>
+              <a:t>ініціатор</a:t>
+            </a:r>
+            <a:r>
+              <a:rPr lang="ru-RU" dirty="0" smtClean="0"/>
+              <a:t>: </a:t>
+            </a:r>
+            <a:r>
+              <a:rPr lang="ru-RU" dirty="0" err="1" smtClean="0"/>
+              <a:t>Користувач</a:t>
+            </a:r>
+            <a:r>
+              <a:rPr lang="ru-RU" dirty="0" smtClean="0"/>
+              <a:t>.</a:t>
+            </a:r>
+            <a:endParaRPr lang="ru-RU" dirty="0"/>
+          </a:p>
+          <a:p>
+            <a:pPr marL="0" indent="0">
+              <a:buNone/>
+            </a:pPr>
+            <a:r>
+              <a:rPr lang="ru-RU" dirty="0" err="1" smtClean="0"/>
+              <a:t>Успішний</a:t>
+            </a:r>
+            <a:r>
+              <a:rPr lang="ru-RU" dirty="0" smtClean="0"/>
+              <a:t> результат: </a:t>
+            </a:r>
+            <a:r>
+              <a:rPr lang="ru-RU" dirty="0" err="1" smtClean="0"/>
+              <a:t>Успішно</a:t>
+            </a:r>
+            <a:r>
+              <a:rPr lang="ru-RU" dirty="0" smtClean="0"/>
+              <a:t> </a:t>
+            </a:r>
+            <a:r>
+              <a:rPr lang="ru-RU" dirty="0" err="1" smtClean="0"/>
+              <a:t>прикріплено</a:t>
+            </a:r>
+            <a:r>
+              <a:rPr lang="ru-RU" dirty="0" smtClean="0"/>
+              <a:t> </a:t>
+            </a:r>
+            <a:r>
+              <a:rPr lang="ru-RU" dirty="0" err="1" smtClean="0"/>
+              <a:t>коментар</a:t>
+            </a:r>
+            <a:r>
+              <a:rPr lang="ru-RU" dirty="0" smtClean="0"/>
+              <a:t> до </a:t>
+            </a:r>
+            <a:r>
+              <a:rPr lang="ru-RU" dirty="0" err="1" smtClean="0"/>
+              <a:t>фільму</a:t>
+            </a:r>
+            <a:r>
+              <a:rPr lang="ru-RU" dirty="0" smtClean="0"/>
+              <a:t>.</a:t>
+            </a:r>
+          </a:p>
+          <a:p>
+            <a:pPr marL="0" indent="0">
+              <a:buNone/>
+            </a:pPr>
+            <a:r>
+              <a:rPr lang="ru-RU" dirty="0" smtClean="0"/>
+              <a:t>1. </a:t>
+            </a:r>
+            <a:r>
+              <a:rPr lang="ru-RU" dirty="0" err="1" smtClean="0"/>
+              <a:t>Гість</a:t>
+            </a:r>
+            <a:r>
+              <a:rPr lang="ru-RU" dirty="0" smtClean="0"/>
+              <a:t> переходить до </a:t>
+            </a:r>
+            <a:r>
+              <a:rPr lang="ru-RU" dirty="0" err="1" smtClean="0"/>
+              <a:t>сторінки</a:t>
+            </a:r>
+            <a:r>
+              <a:rPr lang="ru-RU" dirty="0" smtClean="0"/>
+              <a:t> </a:t>
+            </a:r>
+            <a:r>
+              <a:rPr lang="ru-RU" dirty="0" err="1" smtClean="0"/>
+              <a:t>логіну</a:t>
+            </a:r>
+            <a:r>
+              <a:rPr lang="ru-RU" dirty="0"/>
+              <a:t>;</a:t>
+            </a:r>
+            <a:endParaRPr lang="ru-RU" dirty="0" smtClean="0"/>
+          </a:p>
+          <a:p>
+            <a:pPr marL="0" indent="0">
+              <a:buNone/>
+            </a:pPr>
+            <a:r>
+              <a:rPr lang="uk-UA" dirty="0" smtClean="0"/>
+              <a:t>2. Гість реєструється, або заходить до свого </a:t>
+            </a:r>
+            <a:r>
+              <a:rPr lang="uk-UA" dirty="0" err="1" smtClean="0"/>
+              <a:t>аккаунту</a:t>
+            </a:r>
+            <a:r>
+              <a:rPr lang="uk-UA" dirty="0" smtClean="0"/>
+              <a:t>;</a:t>
+            </a:r>
+          </a:p>
+          <a:p>
+            <a:pPr marL="0" indent="0">
+              <a:buNone/>
+            </a:pPr>
+            <a:r>
+              <a:rPr lang="uk-UA" dirty="0" smtClean="0"/>
+              <a:t>3. Вже користувач переходить до сторінки фільму;</a:t>
+            </a:r>
+          </a:p>
+          <a:p>
+            <a:pPr marL="0" indent="0">
+              <a:buNone/>
+            </a:pPr>
+            <a:r>
+              <a:rPr lang="uk-UA" dirty="0" smtClean="0"/>
+              <a:t>4. Сайт дає можливість написати коментар;</a:t>
+            </a:r>
+          </a:p>
+          <a:p>
+            <a:pPr marL="0" indent="0">
+              <a:buNone/>
+            </a:pPr>
+            <a:r>
+              <a:rPr lang="uk-UA" dirty="0" smtClean="0"/>
+              <a:t>5. Користувач пише свій коментар та нажимає кнопку відправити;</a:t>
+            </a:r>
+          </a:p>
+          <a:p>
+            <a:pPr marL="0" indent="0">
+              <a:buNone/>
+            </a:pPr>
+            <a:r>
+              <a:rPr lang="uk-UA" dirty="0" smtClean="0"/>
+              <a:t>6. Успішно прикріплений коментар до фільму.</a:t>
+            </a:r>
+            <a:endParaRPr lang="en-US" dirty="0" smtClean="0"/>
+          </a:p>
+          <a:p>
+            <a:pPr marL="0" indent="0">
+              <a:buNone/>
+            </a:pPr>
+            <a:r>
+              <a:rPr lang="ru-RU" dirty="0" err="1" smtClean="0"/>
+              <a:t>Альтернативний</a:t>
+            </a:r>
+            <a:r>
+              <a:rPr lang="ru-RU" dirty="0" smtClean="0"/>
+              <a:t> </a:t>
+            </a:r>
+            <a:r>
+              <a:rPr lang="ru-RU" dirty="0" err="1" smtClean="0"/>
+              <a:t>сценарій</a:t>
+            </a:r>
+            <a:r>
+              <a:rPr lang="ru-RU" dirty="0" smtClean="0"/>
+              <a:t>:</a:t>
+            </a:r>
+          </a:p>
+          <a:p>
+            <a:pPr marL="0" indent="0">
+              <a:buNone/>
+            </a:pPr>
+            <a:r>
+              <a:rPr lang="ru-RU" dirty="0"/>
+              <a:t>1. </a:t>
+            </a:r>
+            <a:r>
+              <a:rPr lang="ru-RU" dirty="0" err="1"/>
+              <a:t>Гість</a:t>
+            </a:r>
+            <a:r>
+              <a:rPr lang="ru-RU" dirty="0"/>
+              <a:t> переходить до </a:t>
+            </a:r>
+            <a:r>
+              <a:rPr lang="ru-RU" dirty="0" err="1"/>
+              <a:t>сторінки</a:t>
+            </a:r>
+            <a:r>
+              <a:rPr lang="ru-RU" dirty="0"/>
+              <a:t> </a:t>
+            </a:r>
+            <a:r>
+              <a:rPr lang="ru-RU" dirty="0" err="1"/>
+              <a:t>логіну</a:t>
+            </a:r>
+            <a:r>
+              <a:rPr lang="ru-RU" dirty="0"/>
+              <a:t>;</a:t>
+            </a:r>
+          </a:p>
+          <a:p>
+            <a:pPr marL="0" indent="0">
+              <a:buNone/>
+            </a:pPr>
+            <a:r>
+              <a:rPr lang="uk-UA" dirty="0"/>
+              <a:t>2. Гість реєструється, або заходить до свого </a:t>
+            </a:r>
+            <a:r>
+              <a:rPr lang="uk-UA" dirty="0" err="1"/>
+              <a:t>аккаунту</a:t>
+            </a:r>
+            <a:r>
+              <a:rPr lang="uk-UA" dirty="0"/>
+              <a:t>;</a:t>
+            </a:r>
+          </a:p>
+          <a:p>
+            <a:pPr marL="0" indent="0">
+              <a:buNone/>
+            </a:pPr>
+            <a:r>
+              <a:rPr lang="uk-UA" dirty="0"/>
+              <a:t>3. Вже користувач переходить до сторінки фільму;</a:t>
+            </a:r>
+          </a:p>
+          <a:p>
+            <a:pPr marL="0" indent="0">
+              <a:buNone/>
+            </a:pPr>
+            <a:r>
+              <a:rPr lang="uk-UA" dirty="0"/>
+              <a:t>4. Сайт дає можливість написати коментар;</a:t>
+            </a:r>
+          </a:p>
+          <a:p>
+            <a:pPr marL="0" indent="0">
+              <a:buNone/>
+            </a:pPr>
+            <a:r>
+              <a:rPr lang="uk-UA" dirty="0"/>
+              <a:t>5. </a:t>
+            </a:r>
+            <a:r>
+              <a:rPr lang="uk-UA" dirty="0" smtClean="0"/>
+              <a:t>Користувач залишає поле </a:t>
+            </a:r>
+            <a:r>
+              <a:rPr lang="uk-UA" dirty="0" err="1" smtClean="0"/>
+              <a:t>комантаря</a:t>
+            </a:r>
+            <a:r>
+              <a:rPr lang="uk-UA" dirty="0" smtClean="0"/>
+              <a:t> пустим та нажимає кнопку відправити;</a:t>
+            </a:r>
+            <a:endParaRPr lang="uk-UA" dirty="0"/>
+          </a:p>
+          <a:p>
+            <a:pPr marL="0" indent="0">
+              <a:buNone/>
+            </a:pPr>
+            <a:r>
+              <a:rPr lang="uk-UA" dirty="0"/>
+              <a:t>6. </a:t>
+            </a:r>
+            <a:r>
+              <a:rPr lang="uk-UA" dirty="0" smtClean="0"/>
+              <a:t>Повідомлення, що коментар не має бути пустим.</a:t>
+            </a:r>
+            <a:endParaRPr lang="ru-RU" dirty="0" smtClean="0"/>
+          </a:p>
+        </p:txBody>
+      </p:sp>
+    </p:spTree>
+    <p:extLst>
+      <p:ext uri="{BB962C8B-B14F-4D97-AF65-F5344CB8AC3E}">
+        <p14:creationId xmlns:p14="http://schemas.microsoft.com/office/powerpoint/2010/main" val="3877616535"/>
+      </p:ext>
+    </p:extLst>
+  </p:cSld>
+  <p:clrMapOvr>
+    <a:masterClrMapping/>
+  </p:clrMapOvr>
+</p:sld>
+</file>
+
+<file path=ppt/slides/slide9.xml><?xml version="1.0" encoding="utf-8"?>
+<p:sld xmlns:a="http://schemas.openxmlformats.org/drawingml/2006/main" xmlns:r="http://schemas.openxmlformats.org/officeDocument/2006/relationships" xmlns:p="http://schemas.openxmlformats.org/presentationml/2006/main">
+  <p:cSld>
+    <p:spTree>
+      <p:nvGrpSpPr>
+        <p:cNvPr id="1" name=""/>
+        <p:cNvGrpSpPr/>
+        <p:nvPr/>
+      </p:nvGrpSpPr>
+      <p:grpSpPr>
+        <a:xfrm>
+          <a:off x="0" y="0"/>
+          <a:ext cx="0" cy="0"/>
+          <a:chOff x="0" y="0"/>
+          <a:chExt cx="0" cy="0"/>
+        </a:xfrm>
+      </p:grpSpPr>
+      <p:sp>
+        <p:nvSpPr>
+          <p:cNvPr id="2" name="Заголовок 1"/>
+          <p:cNvSpPr>
+            <a:spLocks noGrp="1"/>
+          </p:cNvSpPr>
+          <p:nvPr>
+            <p:ph type="title"/>
+          </p:nvPr>
+        </p:nvSpPr>
+        <p:spPr>
+          <a:xfrm>
+            <a:off x="838200" y="79131"/>
+            <a:ext cx="10515600" cy="574065"/>
+          </a:xfrm>
+        </p:spPr>
+        <p:txBody>
+          <a:bodyPr>
+            <a:noAutofit/>
+          </a:bodyPr>
+          <a:lstStyle/>
+          <a:p>
+            <a:r>
+              <a:rPr lang="uk-UA" sz="3200" dirty="0"/>
+              <a:t>Опис сценаріїв використання прецедентів ПП</a:t>
+            </a:r>
+            <a:endParaRPr lang="ru-RU" sz="3200" dirty="0">
+              <a:latin typeface="+mn-lt"/>
+            </a:endParaRPr>
+          </a:p>
+        </p:txBody>
+      </p:sp>
+      <p:sp>
+        <p:nvSpPr>
+          <p:cNvPr id="3" name="Объект 2"/>
+          <p:cNvSpPr>
+            <a:spLocks noGrp="1"/>
+          </p:cNvSpPr>
+          <p:nvPr>
+            <p:ph idx="1"/>
+          </p:nvPr>
+        </p:nvSpPr>
+        <p:spPr>
+          <a:xfrm>
+            <a:off x="838200" y="653197"/>
+            <a:ext cx="10515600" cy="6080112"/>
+          </a:xfrm>
+        </p:spPr>
+        <p:txBody>
+          <a:bodyPr>
+            <a:normAutofit fontScale="62500" lnSpcReduction="20000"/>
+          </a:bodyPr>
+          <a:lstStyle/>
+          <a:p>
+            <a:pPr marL="0" indent="0">
+              <a:buNone/>
+            </a:pPr>
+            <a:r>
+              <a:rPr lang="uk-UA" sz="3200" b="1" dirty="0" smtClean="0"/>
+              <a:t>Видалення фільмів.</a:t>
+            </a:r>
+          </a:p>
+          <a:p>
+            <a:pPr marL="0" indent="0">
+              <a:buNone/>
+            </a:pPr>
+            <a:endParaRPr lang="ru-RU" sz="3200" b="1" dirty="0"/>
+          </a:p>
+          <a:p>
+            <a:pPr marL="0" indent="0">
+              <a:buNone/>
+            </a:pPr>
+            <a:r>
+              <a:rPr lang="ru-RU" dirty="0" err="1" smtClean="0"/>
+              <a:t>Передумова</a:t>
+            </a:r>
+            <a:r>
+              <a:rPr lang="ru-RU" dirty="0" smtClean="0"/>
+              <a:t>: </a:t>
+            </a:r>
+            <a:r>
+              <a:rPr lang="ru-RU" dirty="0" err="1" smtClean="0"/>
+              <a:t>Користувач</a:t>
+            </a:r>
+            <a:r>
+              <a:rPr lang="ru-RU" dirty="0" smtClean="0"/>
+              <a:t> </a:t>
+            </a:r>
+            <a:r>
+              <a:rPr lang="ru-RU" dirty="0" err="1" smtClean="0"/>
+              <a:t>має</a:t>
+            </a:r>
+            <a:r>
+              <a:rPr lang="ru-RU" dirty="0" smtClean="0"/>
+              <a:t> бути у </a:t>
+            </a:r>
+            <a:r>
+              <a:rPr lang="ru-RU" dirty="0" err="1" smtClean="0"/>
+              <a:t>своєму</a:t>
+            </a:r>
+            <a:r>
+              <a:rPr lang="ru-RU" dirty="0" smtClean="0"/>
+              <a:t> </a:t>
+            </a:r>
+            <a:r>
+              <a:rPr lang="ru-RU" dirty="0" err="1" smtClean="0"/>
+              <a:t>особистому</a:t>
+            </a:r>
+            <a:r>
+              <a:rPr lang="ru-RU" dirty="0" smtClean="0"/>
+              <a:t> </a:t>
+            </a:r>
+            <a:r>
+              <a:rPr lang="ru-RU" dirty="0" err="1" smtClean="0"/>
+              <a:t>кабінеті</a:t>
+            </a:r>
+            <a:r>
+              <a:rPr lang="ru-RU" dirty="0" smtClean="0"/>
+              <a:t>.</a:t>
+            </a:r>
+          </a:p>
+          <a:p>
+            <a:pPr marL="0" indent="0">
+              <a:buNone/>
+            </a:pPr>
+            <a:r>
+              <a:rPr lang="ru-RU" dirty="0" err="1" smtClean="0"/>
+              <a:t>Актори</a:t>
+            </a:r>
+            <a:r>
+              <a:rPr lang="ru-RU" dirty="0" smtClean="0"/>
+              <a:t> </a:t>
+            </a:r>
+            <a:r>
+              <a:rPr lang="ru-RU" dirty="0" err="1" smtClean="0"/>
+              <a:t>які</a:t>
+            </a:r>
+            <a:r>
+              <a:rPr lang="ru-RU" dirty="0" smtClean="0"/>
+              <a:t> </a:t>
+            </a:r>
+            <a:r>
+              <a:rPr lang="ru-RU" dirty="0" err="1" smtClean="0"/>
+              <a:t>можуть</a:t>
+            </a:r>
+            <a:r>
+              <a:rPr lang="ru-RU" dirty="0" smtClean="0"/>
+              <a:t> </a:t>
+            </a:r>
+            <a:r>
+              <a:rPr lang="ru-RU" dirty="0" err="1" smtClean="0"/>
+              <a:t>виконувати</a:t>
+            </a:r>
+            <a:r>
+              <a:rPr lang="ru-RU" dirty="0" smtClean="0"/>
+              <a:t>: </a:t>
+            </a:r>
+            <a:r>
+              <a:rPr lang="ru-RU" dirty="0" err="1" smtClean="0"/>
+              <a:t>Адмінфстратор</a:t>
+            </a:r>
+            <a:r>
+              <a:rPr lang="ru-RU" dirty="0" smtClean="0"/>
+              <a:t>, </a:t>
+            </a:r>
+            <a:r>
+              <a:rPr lang="ru-RU" dirty="0" err="1" smtClean="0"/>
+              <a:t>Користувач</a:t>
+            </a:r>
+            <a:r>
+              <a:rPr lang="ru-RU" dirty="0" smtClean="0"/>
+              <a:t>.</a:t>
+            </a:r>
+            <a:endParaRPr lang="uk-UA" dirty="0" smtClean="0"/>
+          </a:p>
+          <a:p>
+            <a:pPr marL="0" indent="0">
+              <a:buNone/>
+            </a:pPr>
+            <a:r>
+              <a:rPr lang="ru-RU" dirty="0" err="1" smtClean="0"/>
+              <a:t>Актор</a:t>
+            </a:r>
+            <a:r>
+              <a:rPr lang="ru-RU" dirty="0" err="1" smtClean="0"/>
+              <a:t>-основний</a:t>
+            </a:r>
+            <a:r>
+              <a:rPr lang="ru-RU" dirty="0" smtClean="0"/>
+              <a:t> </a:t>
+            </a:r>
+            <a:r>
+              <a:rPr lang="ru-RU" dirty="0" err="1" smtClean="0"/>
+              <a:t>ініціатор</a:t>
+            </a:r>
+            <a:r>
+              <a:rPr lang="ru-RU" dirty="0" smtClean="0"/>
+              <a:t>: </a:t>
+            </a:r>
+            <a:r>
+              <a:rPr lang="ru-RU" dirty="0" err="1" smtClean="0"/>
+              <a:t>Користувач</a:t>
+            </a:r>
+            <a:r>
+              <a:rPr lang="ru-RU" dirty="0" smtClean="0"/>
+              <a:t>, </a:t>
+            </a:r>
+            <a:r>
+              <a:rPr lang="ru-RU" dirty="0" err="1" smtClean="0"/>
+              <a:t>Адміністратор</a:t>
+            </a:r>
+            <a:r>
+              <a:rPr lang="ru-RU" dirty="0" smtClean="0"/>
+              <a:t>.</a:t>
+            </a:r>
+            <a:endParaRPr lang="ru-RU" dirty="0"/>
+          </a:p>
+          <a:p>
+            <a:pPr marL="0" indent="0">
+              <a:buNone/>
+            </a:pPr>
+            <a:r>
+              <a:rPr lang="ru-RU" dirty="0" err="1" smtClean="0"/>
+              <a:t>Успішний</a:t>
+            </a:r>
+            <a:r>
+              <a:rPr lang="ru-RU" dirty="0" smtClean="0"/>
+              <a:t> результат: </a:t>
+            </a:r>
+            <a:r>
+              <a:rPr lang="ru-RU" dirty="0" err="1" smtClean="0"/>
+              <a:t>Успішно</a:t>
+            </a:r>
+            <a:r>
+              <a:rPr lang="ru-RU" dirty="0" smtClean="0"/>
+              <a:t> </a:t>
+            </a:r>
+            <a:r>
+              <a:rPr lang="ru-RU" dirty="0" err="1" smtClean="0"/>
+              <a:t>видалено</a:t>
+            </a:r>
+            <a:r>
+              <a:rPr lang="ru-RU" dirty="0" smtClean="0"/>
+              <a:t> </a:t>
+            </a:r>
+            <a:r>
+              <a:rPr lang="ru-RU" dirty="0" err="1" smtClean="0"/>
+              <a:t>фільм</a:t>
+            </a:r>
+            <a:r>
+              <a:rPr lang="ru-RU" dirty="0" smtClean="0"/>
+              <a:t>.</a:t>
+            </a:r>
+          </a:p>
+          <a:p>
+            <a:pPr marL="0" indent="0">
+              <a:buNone/>
+            </a:pPr>
+            <a:r>
+              <a:rPr lang="ru-RU" dirty="0" smtClean="0"/>
+              <a:t>1. </a:t>
+            </a:r>
+            <a:r>
+              <a:rPr lang="ru-RU" dirty="0" err="1" smtClean="0"/>
+              <a:t>Гість</a:t>
+            </a:r>
+            <a:r>
+              <a:rPr lang="ru-RU" dirty="0" smtClean="0"/>
+              <a:t> переходить до </a:t>
+            </a:r>
+            <a:r>
+              <a:rPr lang="ru-RU" dirty="0" err="1" smtClean="0"/>
+              <a:t>сторінки</a:t>
+            </a:r>
+            <a:r>
+              <a:rPr lang="ru-RU" dirty="0" smtClean="0"/>
+              <a:t> </a:t>
+            </a:r>
+            <a:r>
+              <a:rPr lang="ru-RU" dirty="0" err="1" smtClean="0"/>
+              <a:t>логіну</a:t>
+            </a:r>
+            <a:r>
+              <a:rPr lang="ru-RU" dirty="0"/>
+              <a:t>;</a:t>
+            </a:r>
+            <a:endParaRPr lang="ru-RU" dirty="0" smtClean="0"/>
+          </a:p>
+          <a:p>
+            <a:pPr marL="0" indent="0">
+              <a:buNone/>
+            </a:pPr>
+            <a:r>
+              <a:rPr lang="uk-UA" dirty="0" smtClean="0"/>
+              <a:t>2. Гість реєструється, або заходить до свого </a:t>
+            </a:r>
+            <a:r>
+              <a:rPr lang="uk-UA" dirty="0" err="1" smtClean="0"/>
+              <a:t>аккаунту</a:t>
+            </a:r>
+            <a:r>
+              <a:rPr lang="uk-UA" dirty="0" smtClean="0"/>
+              <a:t>;</a:t>
+            </a:r>
+          </a:p>
+          <a:p>
+            <a:pPr marL="0" indent="0">
+              <a:buNone/>
+            </a:pPr>
+            <a:r>
+              <a:rPr lang="uk-UA" dirty="0" smtClean="0"/>
+              <a:t>3. Вже користувач переходить до сторінки фільму;</a:t>
+            </a:r>
+          </a:p>
+          <a:p>
+            <a:pPr marL="0" indent="0">
+              <a:buNone/>
+            </a:pPr>
+            <a:r>
+              <a:rPr lang="uk-UA" dirty="0" smtClean="0"/>
+              <a:t>4. Сайт дає можливість видалити свій фільм;</a:t>
+            </a:r>
+          </a:p>
+          <a:p>
+            <a:pPr marL="0" indent="0">
+              <a:buNone/>
+            </a:pPr>
+            <a:r>
+              <a:rPr lang="uk-UA" dirty="0" smtClean="0"/>
+              <a:t>5. Користувач </a:t>
+            </a:r>
+            <a:r>
+              <a:rPr lang="uk-UA" dirty="0" err="1" smtClean="0"/>
+              <a:t>клікає</a:t>
+            </a:r>
+            <a:r>
+              <a:rPr lang="uk-UA" dirty="0" smtClean="0"/>
+              <a:t> на кнопку видалення фільму;</a:t>
+            </a:r>
+          </a:p>
+          <a:p>
+            <a:pPr marL="0" indent="0">
+              <a:buNone/>
+            </a:pPr>
+            <a:r>
+              <a:rPr lang="uk-UA" dirty="0" smtClean="0"/>
+              <a:t>6. Повідомлення що фільм видалено.</a:t>
+            </a:r>
+            <a:endParaRPr lang="en-US" dirty="0" smtClean="0"/>
+          </a:p>
+          <a:p>
+            <a:pPr marL="0" indent="0">
+              <a:buNone/>
+            </a:pPr>
+            <a:r>
+              <a:rPr lang="ru-RU" dirty="0" err="1" smtClean="0"/>
+              <a:t>Альтернативний</a:t>
+            </a:r>
+            <a:r>
+              <a:rPr lang="ru-RU" dirty="0" smtClean="0"/>
+              <a:t> </a:t>
+            </a:r>
+            <a:r>
+              <a:rPr lang="ru-RU" dirty="0" err="1" smtClean="0"/>
+              <a:t>сценарій</a:t>
+            </a:r>
+            <a:r>
+              <a:rPr lang="ru-RU" dirty="0" smtClean="0"/>
+              <a:t>:</a:t>
+            </a:r>
+          </a:p>
+          <a:p>
+            <a:pPr marL="0" indent="0">
+              <a:buNone/>
+            </a:pPr>
+            <a:r>
+              <a:rPr lang="ru-RU" dirty="0"/>
+              <a:t>1. </a:t>
+            </a:r>
+            <a:r>
+              <a:rPr lang="ru-RU" dirty="0" err="1"/>
+              <a:t>Гість</a:t>
+            </a:r>
+            <a:r>
+              <a:rPr lang="ru-RU" dirty="0"/>
+              <a:t> переходить до </a:t>
+            </a:r>
+            <a:r>
+              <a:rPr lang="ru-RU" dirty="0" err="1"/>
+              <a:t>сторінки</a:t>
+            </a:r>
+            <a:r>
+              <a:rPr lang="ru-RU" dirty="0"/>
+              <a:t> </a:t>
+            </a:r>
+            <a:r>
+              <a:rPr lang="ru-RU" dirty="0" err="1"/>
+              <a:t>логіну</a:t>
+            </a:r>
+            <a:r>
+              <a:rPr lang="ru-RU" dirty="0"/>
+              <a:t>;</a:t>
+            </a:r>
+          </a:p>
+          <a:p>
+            <a:pPr marL="0" indent="0">
+              <a:buNone/>
+            </a:pPr>
+            <a:r>
+              <a:rPr lang="uk-UA" dirty="0"/>
+              <a:t>2. Гість реєструється, або заходить до свого </a:t>
+            </a:r>
+            <a:r>
+              <a:rPr lang="uk-UA" dirty="0" err="1"/>
+              <a:t>аккаунту</a:t>
+            </a:r>
+            <a:r>
+              <a:rPr lang="uk-UA" dirty="0"/>
+              <a:t>;</a:t>
+            </a:r>
+          </a:p>
+          <a:p>
+            <a:pPr marL="0" indent="0">
+              <a:buNone/>
+            </a:pPr>
+            <a:r>
+              <a:rPr lang="uk-UA" dirty="0"/>
+              <a:t>3. </a:t>
+            </a:r>
+            <a:r>
+              <a:rPr lang="uk-UA" dirty="0" smtClean="0"/>
+              <a:t>Адміністратор переходить </a:t>
+            </a:r>
+            <a:r>
+              <a:rPr lang="uk-UA" dirty="0"/>
+              <a:t>до сторінки </a:t>
+            </a:r>
+            <a:r>
+              <a:rPr lang="uk-UA" dirty="0" smtClean="0"/>
+              <a:t>будь – якого фільму</a:t>
+            </a:r>
+            <a:r>
+              <a:rPr lang="uk-UA" dirty="0"/>
+              <a:t>;</a:t>
+            </a:r>
+          </a:p>
+          <a:p>
+            <a:pPr marL="0" indent="0">
+              <a:buNone/>
+            </a:pPr>
+            <a:r>
+              <a:rPr lang="uk-UA" dirty="0"/>
+              <a:t>4. Сайт дає </a:t>
+            </a:r>
+            <a:r>
+              <a:rPr lang="uk-UA" dirty="0" smtClean="0"/>
+              <a:t>можливість видалити будь – який фільм;</a:t>
+            </a:r>
+            <a:endParaRPr lang="uk-UA" dirty="0"/>
+          </a:p>
+          <a:p>
+            <a:pPr marL="0" indent="0">
+              <a:buNone/>
+            </a:pPr>
+            <a:r>
+              <a:rPr lang="uk-UA" dirty="0"/>
+              <a:t>5</a:t>
+            </a:r>
+            <a:r>
+              <a:rPr lang="uk-UA" dirty="0" smtClean="0"/>
+              <a:t>. Адміністратор </a:t>
+            </a:r>
+            <a:r>
+              <a:rPr lang="uk-UA" dirty="0" err="1" smtClean="0"/>
+              <a:t>клікає</a:t>
+            </a:r>
+            <a:r>
+              <a:rPr lang="uk-UA" dirty="0" smtClean="0"/>
+              <a:t> на кнопку видалення фільму;</a:t>
+            </a:r>
+            <a:endParaRPr lang="uk-UA" dirty="0"/>
+          </a:p>
+          <a:p>
+            <a:pPr marL="0" indent="0">
+              <a:buNone/>
+            </a:pPr>
+            <a:r>
+              <a:rPr lang="uk-UA" dirty="0"/>
+              <a:t>6. </a:t>
+            </a:r>
+            <a:r>
+              <a:rPr lang="uk-UA" dirty="0" smtClean="0"/>
+              <a:t>Повідомлення, що фільм видалено.</a:t>
+            </a:r>
+            <a:endParaRPr lang="ru-RU" dirty="0" smtClean="0"/>
+          </a:p>
+        </p:txBody>
+      </p:sp>
+    </p:spTree>
+    <p:extLst>
+      <p:ext uri="{BB962C8B-B14F-4D97-AF65-F5344CB8AC3E}">
+        <p14:creationId xmlns:p14="http://schemas.microsoft.com/office/powerpoint/2010/main" val="1841090554"/>
+      </p:ext>
+    </p:extLst>
+  </p:cSld>
+  <p:clrMapOvr>
+    <a:masterClrMapping/>
+  </p:clrMapOvr>
 </p:sld>
 </file>
 

--- a/pract 2.pptx
+++ b/pract 2.pptx
@@ -4623,7 +4623,7 @@
       </p:sp>
       <p:pic>
         <p:nvPicPr>
-          <p:cNvPr id="4" name="Объект 3"/>
+          <p:cNvPr id="5" name="Объект 4"/>
           <p:cNvPicPr>
             <a:picLocks noGrp="1" noChangeAspect="1"/>
           </p:cNvPicPr>
@@ -4645,8 +4645,8 @@
         </p:blipFill>
         <p:spPr>
           <a:xfrm>
-            <a:off x="1706387" y="1028700"/>
-            <a:ext cx="8834145" cy="5148263"/>
+            <a:off x="800100" y="908191"/>
+            <a:ext cx="10045699" cy="5854319"/>
           </a:xfrm>
         </p:spPr>
       </p:pic>
@@ -4861,11 +4861,7 @@
             </a:pPr>
             <a:r>
               <a:rPr lang="ru-RU" dirty="0" err="1" smtClean="0"/>
-              <a:t>Актор</a:t>
-            </a:r>
-            <a:r>
-              <a:rPr lang="ru-RU" dirty="0" err="1" smtClean="0"/>
-              <a:t>-основний</a:t>
+              <a:t>Актор-основний</a:t>
             </a:r>
             <a:r>
               <a:rPr lang="ru-RU" dirty="0" smtClean="0"/>
@@ -5045,97 +5041,88 @@
               <a:rPr lang="ru-RU" dirty="0" smtClean="0"/>
               <a:t>:</a:t>
             </a:r>
-          </a:p>
-          <a:p>
-            <a:pPr marL="0" indent="0">
-              <a:buNone/>
-            </a:pPr>
-            <a:r>
-              <a:rPr lang="uk-UA" dirty="0"/>
-              <a:t>1. Сайт видає строку пошуку</a:t>
-            </a:r>
+            <a:endParaRPr lang="ru-RU" dirty="0" smtClean="0"/>
+          </a:p>
+          <a:p>
+            <a:pPr marL="0" indent="0">
+              <a:buNone/>
+            </a:pPr>
+            <a:r>
+              <a:rPr lang="ru-RU" dirty="0" smtClean="0"/>
+              <a:t>2.1. </a:t>
+            </a:r>
+            <a:r>
+              <a:rPr lang="ru-RU" dirty="0" err="1" smtClean="0"/>
+              <a:t>Користувач</a:t>
+            </a:r>
+            <a:r>
+              <a:rPr lang="ru-RU" dirty="0" smtClean="0"/>
+              <a:t> вводить </a:t>
+            </a:r>
+            <a:r>
+              <a:rPr lang="ru-RU" dirty="0" err="1" smtClean="0"/>
+              <a:t>невірний</a:t>
+            </a:r>
+            <a:r>
+              <a:rPr lang="ru-RU" dirty="0" smtClean="0"/>
+              <a:t> (</a:t>
+            </a:r>
+            <a:r>
+              <a:rPr lang="ru-RU" dirty="0" err="1" smtClean="0"/>
+              <a:t>пустий</a:t>
+            </a:r>
+            <a:r>
+              <a:rPr lang="ru-RU" dirty="0" smtClean="0"/>
+              <a:t>) запит, </a:t>
+            </a:r>
+            <a:r>
+              <a:rPr lang="ru-RU" dirty="0" err="1" smtClean="0"/>
+              <a:t>або</a:t>
+            </a:r>
+            <a:r>
+              <a:rPr lang="ru-RU" dirty="0" smtClean="0"/>
+              <a:t> запит </a:t>
+            </a:r>
+            <a:r>
+              <a:rPr lang="ru-RU" dirty="0" err="1" smtClean="0"/>
+              <a:t>даних</a:t>
+            </a:r>
+            <a:r>
+              <a:rPr lang="ru-RU" dirty="0" smtClean="0"/>
+              <a:t> </a:t>
+            </a:r>
+            <a:r>
+              <a:rPr lang="ru-RU" dirty="0" err="1" smtClean="0"/>
+              <a:t>яких</a:t>
+            </a:r>
+            <a:r>
+              <a:rPr lang="ru-RU" dirty="0" smtClean="0"/>
+              <a:t> не </a:t>
+            </a:r>
+            <a:r>
+              <a:rPr lang="ru-RU" dirty="0" err="1" smtClean="0"/>
+              <a:t>існує</a:t>
+            </a:r>
+            <a:r>
+              <a:rPr lang="ru-RU" dirty="0" smtClean="0"/>
+              <a:t>;</a:t>
+            </a:r>
+          </a:p>
+          <a:p>
+            <a:pPr marL="0" indent="0">
+              <a:buNone/>
+            </a:pPr>
             <a:r>
               <a:rPr lang="uk-UA" dirty="0" smtClean="0"/>
-              <a:t>;</a:t>
-            </a:r>
-            <a:endParaRPr lang="ru-RU" dirty="0" smtClean="0"/>
-          </a:p>
-          <a:p>
-            <a:pPr marL="0" indent="0">
-              <a:buNone/>
-            </a:pPr>
-            <a:r>
-              <a:rPr lang="ru-RU" dirty="0" smtClean="0"/>
-              <a:t>2. </a:t>
-            </a:r>
-            <a:r>
-              <a:rPr lang="ru-RU" dirty="0" err="1" smtClean="0"/>
-              <a:t>Користувач</a:t>
-            </a:r>
-            <a:r>
-              <a:rPr lang="ru-RU" dirty="0" smtClean="0"/>
-              <a:t> вводить </a:t>
-            </a:r>
-            <a:r>
-              <a:rPr lang="ru-RU" dirty="0" err="1" smtClean="0"/>
-              <a:t>невірний</a:t>
-            </a:r>
-            <a:r>
-              <a:rPr lang="ru-RU" dirty="0" smtClean="0"/>
-              <a:t> (</a:t>
-            </a:r>
-            <a:r>
-              <a:rPr lang="ru-RU" dirty="0" err="1" smtClean="0"/>
-              <a:t>пустий</a:t>
-            </a:r>
-            <a:r>
-              <a:rPr lang="ru-RU" dirty="0" smtClean="0"/>
-              <a:t>) запит, </a:t>
-            </a:r>
-            <a:r>
-              <a:rPr lang="ru-RU" dirty="0" err="1" smtClean="0"/>
-              <a:t>або</a:t>
-            </a:r>
-            <a:r>
-              <a:rPr lang="ru-RU" dirty="0" smtClean="0"/>
-              <a:t> запит </a:t>
-            </a:r>
-            <a:r>
-              <a:rPr lang="ru-RU" dirty="0" err="1" smtClean="0"/>
-              <a:t>даних</a:t>
-            </a:r>
-            <a:r>
-              <a:rPr lang="ru-RU" dirty="0" smtClean="0"/>
-              <a:t> </a:t>
-            </a:r>
-            <a:r>
-              <a:rPr lang="ru-RU" dirty="0" err="1" smtClean="0"/>
-              <a:t>яких</a:t>
-            </a:r>
-            <a:r>
-              <a:rPr lang="ru-RU" dirty="0" smtClean="0"/>
-              <a:t> не </a:t>
-            </a:r>
-            <a:r>
-              <a:rPr lang="ru-RU" dirty="0" err="1" smtClean="0"/>
-              <a:t>існує</a:t>
-            </a:r>
-            <a:r>
-              <a:rPr lang="ru-RU" dirty="0" smtClean="0"/>
-              <a:t>;</a:t>
-            </a:r>
-          </a:p>
-          <a:p>
-            <a:pPr marL="0" indent="0">
-              <a:buNone/>
-            </a:pPr>
-            <a:r>
-              <a:rPr lang="uk-UA" dirty="0"/>
-              <a:t>3</a:t>
+              <a:t>2.2</a:t>
             </a:r>
             <a:r>
               <a:rPr lang="uk-UA" dirty="0" smtClean="0"/>
-              <a:t>. Повідомлення, про те що немає даних за введеним запитом.</a:t>
+              <a:t>. </a:t>
+            </a:r>
+            <a:r>
+              <a:rPr lang="uk-UA" dirty="0" smtClean="0"/>
+              <a:t>Повідомлення, про те що немає даних за введеним запитом.</a:t>
             </a:r>
             <a:endParaRPr lang="ru-RU" dirty="0"/>
           </a:p>
@@ -5229,7 +5216,7 @@
         </p:spPr>
         <p:txBody>
           <a:bodyPr>
-            <a:normAutofit fontScale="85000" lnSpcReduction="20000"/>
+            <a:normAutofit fontScale="92500" lnSpcReduction="20000"/>
           </a:bodyPr>
           <a:lstStyle/>
           <a:p>
@@ -5352,11 +5339,7 @@
             </a:pPr>
             <a:r>
               <a:rPr lang="ru-RU" dirty="0" err="1" smtClean="0"/>
-              <a:t>Актор</a:t>
-            </a:r>
-            <a:r>
-              <a:rPr lang="ru-RU" dirty="0" err="1" smtClean="0"/>
-              <a:t>-основний</a:t>
+              <a:t>Актор-основний</a:t>
             </a:r>
             <a:r>
               <a:rPr lang="ru-RU" dirty="0" smtClean="0"/>
@@ -5493,14 +5476,35 @@
               <a:rPr lang="ru-RU" dirty="0" smtClean="0"/>
               <a:t>: </a:t>
             </a:r>
-          </a:p>
-          <a:p>
-            <a:pPr marL="0" indent="0">
-              <a:buNone/>
-            </a:pPr>
+            <a:endParaRPr lang="ru-RU" dirty="0" smtClean="0"/>
+          </a:p>
+          <a:p>
+            <a:pPr marL="0" indent="0">
+              <a:buNone/>
+            </a:pPr>
+            <a:r>
+              <a:rPr lang="ru-RU" dirty="0" smtClean="0"/>
+              <a:t>1. ПП </a:t>
+            </a:r>
+            <a:r>
+              <a:rPr lang="ru-RU" dirty="0" err="1" smtClean="0"/>
+              <a:t>видаэ</a:t>
+            </a:r>
+            <a:r>
+              <a:rPr lang="ru-RU" dirty="0" smtClean="0"/>
+              <a:t> каталог на </a:t>
+            </a:r>
+            <a:r>
+              <a:rPr lang="ru-RU" dirty="0" err="1" smtClean="0"/>
+              <a:t>головн</a:t>
+            </a:r>
+            <a:r>
+              <a:rPr lang="uk-UA" dirty="0" err="1" smtClean="0"/>
+              <a:t>ій</a:t>
+            </a:r>
             <a:r>
               <a:rPr lang="uk-UA" dirty="0" smtClean="0"/>
-              <a:t>1. Користувач переходить на сторінку будь-якого фільму</a:t>
+              <a:t> сторінці;</a:t>
             </a:r>
             <a:endParaRPr lang="ru-RU" dirty="0" smtClean="0"/>
           </a:p>
@@ -5509,8 +5513,30 @@
               <a:buNone/>
             </a:pPr>
             <a:r>
+              <a:rPr lang="uk-UA" dirty="0"/>
+              <a:t>2</a:t>
+            </a:r>
+            <a:r>
+              <a:rPr lang="uk-UA" dirty="0" smtClean="0"/>
+              <a:t>. </a:t>
+            </a:r>
+            <a:r>
+              <a:rPr lang="uk-UA" dirty="0" smtClean="0"/>
+              <a:t>Користувач переходить на сторінку будь-якого </a:t>
+            </a:r>
+            <a:r>
+              <a:rPr lang="uk-UA" dirty="0" smtClean="0"/>
+              <a:t>фільму;</a:t>
+            </a:r>
+            <a:endParaRPr lang="ru-RU" dirty="0" smtClean="0"/>
+          </a:p>
+          <a:p>
+            <a:pPr marL="0" indent="0">
+              <a:buNone/>
+            </a:pPr>
+            <a:r>
               <a:rPr lang="ru-RU" dirty="0"/>
-              <a:t>2</a:t>
+              <a:t>3</a:t>
             </a:r>
             <a:r>
               <a:rPr lang="ru-RU" dirty="0" smtClean="0"/>
@@ -5536,6 +5562,10 @@
               <a:rPr lang="ru-RU" dirty="0" err="1" smtClean="0"/>
               <a:t>відео</a:t>
             </a:r>
+            <a:r>
+              <a:rPr lang="ru-RU" dirty="0" smtClean="0"/>
+              <a:t>;</a:t>
+            </a:r>
             <a:endParaRPr lang="ru-RU" dirty="0" smtClean="0"/>
           </a:p>
           <a:p>
@@ -5544,11 +5574,15 @@
             </a:pPr>
             <a:r>
               <a:rPr lang="uk-UA" dirty="0"/>
-              <a:t>3</a:t>
+              <a:t>4</a:t>
             </a:r>
             <a:r>
               <a:rPr lang="uk-UA" dirty="0" smtClean="0"/>
-              <a:t>. Запускається фільм.</a:t>
+              <a:t>. </a:t>
+            </a:r>
+            <a:r>
+              <a:rPr lang="uk-UA" dirty="0" smtClean="0"/>
+              <a:t>Запускається фільм.</a:t>
             </a:r>
           </a:p>
           <a:p>
@@ -5574,66 +5608,8 @@
             </a:pPr>
             <a:r>
               <a:rPr lang="uk-UA" dirty="0" smtClean="0"/>
-              <a:t>1. </a:t>
-            </a:r>
-            <a:r>
-              <a:rPr lang="uk-UA" dirty="0"/>
-              <a:t>Користувач переходить на сторінку будь-якого фільму</a:t>
-            </a:r>
-            <a:endParaRPr lang="ru-RU" dirty="0"/>
-          </a:p>
-          <a:p>
-            <a:pPr marL="0" indent="0">
-              <a:buNone/>
-            </a:pPr>
-            <a:r>
-              <a:rPr lang="ru-RU" dirty="0"/>
-              <a:t>2. </a:t>
-            </a:r>
-            <a:r>
-              <a:rPr lang="ru-RU" dirty="0" err="1"/>
-              <a:t>Користувач</a:t>
-            </a:r>
-            <a:r>
-              <a:rPr lang="ru-RU" dirty="0"/>
-              <a:t> </a:t>
-            </a:r>
-            <a:r>
-              <a:rPr lang="ru-RU" dirty="0" err="1"/>
-              <a:t>натискає</a:t>
-            </a:r>
-            <a:r>
-              <a:rPr lang="ru-RU" dirty="0"/>
-              <a:t> на кнопку старта </a:t>
-            </a:r>
-            <a:r>
-              <a:rPr lang="ru-RU" dirty="0" err="1"/>
-              <a:t>відео</a:t>
-            </a:r>
-            <a:endParaRPr lang="ru-RU" dirty="0"/>
-          </a:p>
-          <a:p>
-            <a:pPr marL="0" indent="0">
-              <a:buNone/>
-            </a:pPr>
-            <a:r>
-              <a:rPr lang="uk-UA" dirty="0"/>
-              <a:t>3. </a:t>
-            </a:r>
-            <a:r>
-              <a:rPr lang="uk-UA" dirty="0" err="1" smtClean="0"/>
-              <a:t>Плеєр</a:t>
-            </a:r>
-            <a:r>
-              <a:rPr lang="uk-UA" dirty="0" smtClean="0"/>
-              <a:t> видає помилку, що зараз немає доступу до фільму.</a:t>
-            </a:r>
-            <a:endParaRPr lang="uk-UA" dirty="0"/>
-          </a:p>
-          <a:p>
-            <a:pPr marL="0" indent="0">
-              <a:buNone/>
-            </a:pPr>
+              <a:t>4.1. Повідомлення, що до фільму немає доступу в даний момент.</a:t>
+            </a:r>
             <a:endParaRPr lang="en-US" dirty="0" smtClean="0"/>
           </a:p>
         </p:txBody>
@@ -5849,11 +5825,7 @@
             </a:pPr>
             <a:r>
               <a:rPr lang="ru-RU" dirty="0" err="1" smtClean="0"/>
-              <a:t>Актор</a:t>
-            </a:r>
-            <a:r>
-              <a:rPr lang="ru-RU" dirty="0" err="1" smtClean="0"/>
-              <a:t>-основний</a:t>
+              <a:t>Актор-основний</a:t>
             </a:r>
             <a:r>
               <a:rPr lang="ru-RU" dirty="0" smtClean="0"/>
@@ -5981,7 +5953,11 @@
             </a:r>
             <a:r>
               <a:rPr lang="ru-RU" dirty="0" smtClean="0"/>
-              <a:t> переходить до </a:t>
+              <a:t> </a:t>
+            </a:r>
+            <a:r>
+              <a:rPr lang="ru-RU" dirty="0" smtClean="0"/>
+              <a:t>переходить до </a:t>
             </a:r>
             <a:r>
               <a:rPr lang="ru-RU" dirty="0" err="1" smtClean="0"/>
@@ -5996,7 +5972,7 @@
               <a:t>логіну</a:t>
             </a:r>
             <a:r>
-              <a:rPr lang="ru-RU" dirty="0"/>
+              <a:rPr lang="ru-RU" dirty="0" smtClean="0"/>
               <a:t>;</a:t>
             </a:r>
             <a:endParaRPr lang="ru-RU" dirty="0" smtClean="0"/>
@@ -6007,43 +5983,89 @@
             </a:pPr>
             <a:r>
               <a:rPr lang="uk-UA" dirty="0" smtClean="0"/>
-              <a:t>2. Гість реєструється;</a:t>
-            </a:r>
-          </a:p>
-          <a:p>
-            <a:pPr marL="0" indent="0">
-              <a:buNone/>
-            </a:pPr>
+              <a:t>2. Сайт надає можливість увести свої дані.</a:t>
+            </a:r>
+          </a:p>
+          <a:p>
+            <a:pPr marL="0" indent="0">
+              <a:buNone/>
+            </a:pPr>
+            <a:r>
+              <a:rPr lang="uk-UA" dirty="0"/>
+              <a:t>3</a:t>
+            </a:r>
             <a:r>
               <a:rPr lang="uk-UA" dirty="0" smtClean="0"/>
-              <a:t>3. Вже користувач переходить до сторінки загрузки фільму;</a:t>
-            </a:r>
-          </a:p>
-          <a:p>
-            <a:pPr marL="0" indent="0">
-              <a:buNone/>
-            </a:pPr>
+              <a:t>. Гість вводить свої дані;</a:t>
+            </a:r>
+            <a:endParaRPr lang="uk-UA" dirty="0" smtClean="0"/>
+          </a:p>
+          <a:p>
+            <a:pPr marL="0" indent="0">
+              <a:buNone/>
+            </a:pPr>
+            <a:r>
+              <a:rPr lang="uk-UA" dirty="0"/>
+              <a:t>4</a:t>
+            </a:r>
             <a:r>
               <a:rPr lang="uk-UA" dirty="0" smtClean="0"/>
-              <a:t>4. Сайт просить ввести дані про фільм;</a:t>
-            </a:r>
-          </a:p>
-          <a:p>
-            <a:pPr marL="0" indent="0">
-              <a:buNone/>
-            </a:pPr>
+              <a:t>. </a:t>
+            </a:r>
             <a:r>
               <a:rPr lang="uk-UA" dirty="0" smtClean="0"/>
-              <a:t>5. Користувач вводить;</a:t>
-            </a:r>
-          </a:p>
-          <a:p>
-            <a:pPr marL="0" indent="0">
-              <a:buNone/>
-            </a:pPr>
+              <a:t>Вже користувач переходить до сторінки загрузки фільму;</a:t>
+            </a:r>
+          </a:p>
+          <a:p>
+            <a:pPr marL="0" indent="0">
+              <a:buNone/>
+            </a:pPr>
+            <a:r>
+              <a:rPr lang="uk-UA" dirty="0"/>
+              <a:t>5</a:t>
+            </a:r>
             <a:r>
               <a:rPr lang="uk-UA" dirty="0" smtClean="0"/>
-              <a:t>6. Повідомлення, що фільм загружено успішно.</a:t>
+              <a:t>. </a:t>
+            </a:r>
+            <a:r>
+              <a:rPr lang="uk-UA" dirty="0" smtClean="0"/>
+              <a:t>Сайт просить ввести дані про фільм;</a:t>
+            </a:r>
+          </a:p>
+          <a:p>
+            <a:pPr marL="0" indent="0">
+              <a:buNone/>
+            </a:pPr>
+            <a:r>
+              <a:rPr lang="uk-UA" dirty="0"/>
+              <a:t>6</a:t>
+            </a:r>
+            <a:r>
+              <a:rPr lang="uk-UA" dirty="0" smtClean="0"/>
+              <a:t>. </a:t>
+            </a:r>
+            <a:r>
+              <a:rPr lang="uk-UA" dirty="0" smtClean="0"/>
+              <a:t>Користувач вводить;</a:t>
+            </a:r>
+          </a:p>
+          <a:p>
+            <a:pPr marL="0" indent="0">
+              <a:buNone/>
+            </a:pPr>
+            <a:r>
+              <a:rPr lang="uk-UA" dirty="0"/>
+              <a:t>7</a:t>
+            </a:r>
+            <a:r>
+              <a:rPr lang="uk-UA" dirty="0" smtClean="0"/>
+              <a:t>. </a:t>
+            </a:r>
+            <a:r>
+              <a:rPr lang="uk-UA" dirty="0" smtClean="0"/>
+              <a:t>Повідомлення, що фільм загружено успішно.</a:t>
             </a:r>
             <a:endParaRPr lang="en-US" dirty="0" smtClean="0"/>
           </a:p>
@@ -6388,11 +6410,7 @@
             </a:pPr>
             <a:r>
               <a:rPr lang="ru-RU" dirty="0" err="1" smtClean="0"/>
-              <a:t>Актор</a:t>
-            </a:r>
-            <a:r>
-              <a:rPr lang="ru-RU" dirty="0" err="1" smtClean="0"/>
-              <a:t>-основний</a:t>
+              <a:t>Актор-основний</a:t>
             </a:r>
             <a:r>
               <a:rPr lang="ru-RU" dirty="0" smtClean="0"/>
@@ -6928,11 +6946,7 @@
             </a:pPr>
             <a:r>
               <a:rPr lang="ru-RU" dirty="0" err="1" smtClean="0"/>
-              <a:t>Актор</a:t>
-            </a:r>
-            <a:r>
-              <a:rPr lang="ru-RU" dirty="0" err="1" smtClean="0"/>
-              <a:t>-основний</a:t>
+              <a:t>Актор-основний</a:t>
             </a:r>
             <a:r>
               <a:rPr lang="ru-RU" dirty="0" smtClean="0"/>
@@ -7427,11 +7441,7 @@
             </a:pPr>
             <a:r>
               <a:rPr lang="ru-RU" dirty="0" err="1" smtClean="0"/>
-              <a:t>Актор</a:t>
-            </a:r>
-            <a:r>
-              <a:rPr lang="ru-RU" dirty="0" err="1" smtClean="0"/>
-              <a:t>-основний</a:t>
+              <a:t>Актор-основний</a:t>
             </a:r>
             <a:r>
               <a:rPr lang="ru-RU" dirty="0" smtClean="0"/>
